--- a/materiais/agents_sql.pptx
+++ b/materiais/agents_sql.pptx
@@ -21,12 +21,10 @@
     <p:sldId id="341" r:id="rId15"/>
     <p:sldId id="342" r:id="rId16"/>
     <p:sldId id="343" r:id="rId17"/>
-    <p:sldId id="336" r:id="rId18"/>
+    <p:sldId id="349" r:id="rId18"/>
     <p:sldId id="340" r:id="rId19"/>
-    <p:sldId id="344" r:id="rId20"/>
-    <p:sldId id="337" r:id="rId21"/>
-    <p:sldId id="338" r:id="rId22"/>
-    <p:sldId id="273" r:id="rId23"/>
+    <p:sldId id="351" r:id="rId20"/>
+    <p:sldId id="273" r:id="rId21"/>
   </p:sldIdLst>
   <p:sldSz cx="12192000" cy="6858000"/>
   <p:notesSz cx="6858000" cy="9144000"/>
@@ -134,18 +132,30 @@
 </file>
 
 <file path=ppt/diagrams/colors1.xml><?xml version="1.0" encoding="utf-8"?>
-<dgm:colorsDef xmlns:dgm="http://schemas.openxmlformats.org/drawingml/2006/diagram" xmlns:a="http://schemas.openxmlformats.org/drawingml/2006/main" uniqueId="urn:microsoft.com/office/officeart/2005/8/colors/colorful1">
+<dgm:colorsDef xmlns:dgm="http://schemas.openxmlformats.org/drawingml/2006/diagram" xmlns:a="http://schemas.openxmlformats.org/drawingml/2006/main" uniqueId="urn:microsoft.com/office/officeart/2005/8/colors/accent0_3">
   <dgm:title val=""/>
   <dgm:desc val=""/>
   <dgm:catLst>
-    <dgm:cat type="colorful" pri="10100"/>
+    <dgm:cat type="mainScheme" pri="10300"/>
   </dgm:catLst>
   <dgm:styleLbl name="node0">
     <dgm:fillClrLst meth="repeat">
-      <a:schemeClr val="accent1"/>
+      <a:schemeClr val="dk2"/>
     </dgm:fillClrLst>
     <dgm:linClrLst meth="repeat">
-      <a:schemeClr val="lt1"/>
+      <a:schemeClr val="lt2"/>
+    </dgm:linClrLst>
+    <dgm:effectClrLst/>
+    <dgm:txLinClrLst/>
+    <dgm:txFillClrLst/>
+    <dgm:txEffectClrLst/>
+  </dgm:styleLbl>
+  <dgm:styleLbl name="alignNode1">
+    <dgm:fillClrLst meth="repeat">
+      <a:schemeClr val="dk2"/>
+    </dgm:fillClrLst>
+    <dgm:linClrLst meth="repeat">
+      <a:schemeClr val="dk2"/>
     </dgm:linClrLst>
     <dgm:effectClrLst/>
     <dgm:txLinClrLst/>
@@ -154,34 +164,10 @@
   </dgm:styleLbl>
   <dgm:styleLbl name="node1">
     <dgm:fillClrLst meth="repeat">
-      <a:schemeClr val="accent2"/>
-      <a:schemeClr val="accent3"/>
-      <a:schemeClr val="accent4"/>
-      <a:schemeClr val="accent5"/>
-      <a:schemeClr val="accent6"/>
+      <a:schemeClr val="dk2"/>
     </dgm:fillClrLst>
     <dgm:linClrLst meth="repeat">
-      <a:schemeClr val="lt1"/>
-    </dgm:linClrLst>
-    <dgm:effectClrLst/>
-    <dgm:txLinClrLst/>
-    <dgm:txFillClrLst/>
-    <dgm:txEffectClrLst/>
-  </dgm:styleLbl>
-  <dgm:styleLbl name="alignNode1">
-    <dgm:fillClrLst meth="repeat">
-      <a:schemeClr val="accent2"/>
-      <a:schemeClr val="accent3"/>
-      <a:schemeClr val="accent4"/>
-      <a:schemeClr val="accent5"/>
-      <a:schemeClr val="accent6"/>
-    </dgm:fillClrLst>
-    <dgm:linClrLst meth="repeat">
-      <a:schemeClr val="accent2"/>
-      <a:schemeClr val="accent3"/>
-      <a:schemeClr val="accent4"/>
-      <a:schemeClr val="accent5"/>
-      <a:schemeClr val="accent6"/>
+      <a:schemeClr val="lt2"/>
     </dgm:linClrLst>
     <dgm:effectClrLst/>
     <dgm:txLinClrLst/>
@@ -190,14 +176,10 @@
   </dgm:styleLbl>
   <dgm:styleLbl name="lnNode1">
     <dgm:fillClrLst meth="repeat">
-      <a:schemeClr val="accent2"/>
-      <a:schemeClr val="accent3"/>
-      <a:schemeClr val="accent4"/>
-      <a:schemeClr val="accent5"/>
-      <a:schemeClr val="accent6"/>
+      <a:schemeClr val="dk2"/>
     </dgm:fillClrLst>
     <dgm:linClrLst meth="repeat">
-      <a:schemeClr val="lt1"/>
+      <a:schemeClr val="lt2"/>
     </dgm:linClrLst>
     <dgm:effectClrLst/>
     <dgm:txLinClrLst/>
@@ -206,24 +188,12 @@
   </dgm:styleLbl>
   <dgm:styleLbl name="vennNode1">
     <dgm:fillClrLst meth="repeat">
-      <a:schemeClr val="accent2">
-        <a:alpha val="50000"/>
-      </a:schemeClr>
-      <a:schemeClr val="accent3">
-        <a:alpha val="50000"/>
-      </a:schemeClr>
-      <a:schemeClr val="accent4">
-        <a:alpha val="50000"/>
-      </a:schemeClr>
-      <a:schemeClr val="accent5">
-        <a:alpha val="50000"/>
-      </a:schemeClr>
-      <a:schemeClr val="accent6">
+      <a:schemeClr val="dk2">
         <a:alpha val="50000"/>
       </a:schemeClr>
     </dgm:fillClrLst>
     <dgm:linClrLst meth="repeat">
-      <a:schemeClr val="lt1"/>
+      <a:schemeClr val="lt2"/>
     </dgm:linClrLst>
     <dgm:effectClrLst/>
     <dgm:txLinClrLst/>
@@ -231,11 +201,11 @@
     <dgm:txEffectClrLst/>
   </dgm:styleLbl>
   <dgm:styleLbl name="node2">
-    <dgm:fillClrLst>
-      <a:schemeClr val="accent2"/>
+    <dgm:fillClrLst meth="repeat">
+      <a:schemeClr val="dk2"/>
     </dgm:fillClrLst>
     <dgm:linClrLst meth="repeat">
-      <a:schemeClr val="lt1"/>
+      <a:schemeClr val="lt2"/>
     </dgm:linClrLst>
     <dgm:effectClrLst/>
     <dgm:txLinClrLst/>
@@ -243,11 +213,11 @@
     <dgm:txEffectClrLst/>
   </dgm:styleLbl>
   <dgm:styleLbl name="node3">
-    <dgm:fillClrLst>
-      <a:schemeClr val="accent3"/>
+    <dgm:fillClrLst meth="repeat">
+      <a:schemeClr val="dk2"/>
     </dgm:fillClrLst>
     <dgm:linClrLst meth="repeat">
-      <a:schemeClr val="lt1"/>
+      <a:schemeClr val="lt2"/>
     </dgm:linClrLst>
     <dgm:effectClrLst/>
     <dgm:txLinClrLst/>
@@ -255,11 +225,11 @@
     <dgm:txEffectClrLst/>
   </dgm:styleLbl>
   <dgm:styleLbl name="node4">
-    <dgm:fillClrLst>
-      <a:schemeClr val="accent4"/>
+    <dgm:fillClrLst meth="repeat">
+      <a:schemeClr val="dk2"/>
     </dgm:fillClrLst>
     <dgm:linClrLst meth="repeat">
-      <a:schemeClr val="lt1"/>
+      <a:schemeClr val="lt2"/>
     </dgm:linClrLst>
     <dgm:effectClrLst/>
     <dgm:txLinClrLst/>
@@ -268,80 +238,66 @@
   </dgm:styleLbl>
   <dgm:styleLbl name="fgImgPlace1">
     <dgm:fillClrLst meth="repeat">
-      <a:schemeClr val="accent2">
-        <a:tint val="50000"/>
-      </a:schemeClr>
-      <a:schemeClr val="accent3">
-        <a:tint val="50000"/>
-      </a:schemeClr>
-      <a:schemeClr val="accent4">
-        <a:tint val="50000"/>
-      </a:schemeClr>
-      <a:schemeClr val="accent5">
-        <a:tint val="50000"/>
-      </a:schemeClr>
-      <a:schemeClr val="accent6">
+      <a:schemeClr val="dk2">
         <a:tint val="50000"/>
       </a:schemeClr>
     </dgm:fillClrLst>
     <dgm:linClrLst meth="repeat">
-      <a:schemeClr val="lt1"/>
+      <a:schemeClr val="lt2"/>
     </dgm:linClrLst>
     <dgm:effectClrLst/>
     <dgm:txLinClrLst/>
     <dgm:txFillClrLst meth="repeat">
-      <a:schemeClr val="lt1"/>
+      <a:schemeClr val="lt2"/>
     </dgm:txFillClrLst>
     <dgm:txEffectClrLst/>
   </dgm:styleLbl>
   <dgm:styleLbl name="alignImgPlace1">
-    <dgm:fillClrLst>
-      <a:schemeClr val="accent1">
+    <dgm:fillClrLst meth="repeat">
+      <a:schemeClr val="dk2">
         <a:tint val="50000"/>
-      </a:schemeClr>
-      <a:schemeClr val="accent2">
-        <a:tint val="20000"/>
       </a:schemeClr>
     </dgm:fillClrLst>
     <dgm:linClrLst meth="repeat">
-      <a:schemeClr val="lt1"/>
+      <a:schemeClr val="dk2">
+        <a:shade val="80000"/>
+      </a:schemeClr>
     </dgm:linClrLst>
     <dgm:effectClrLst/>
     <dgm:txLinClrLst/>
     <dgm:txFillClrLst meth="repeat">
-      <a:schemeClr val="lt1"/>
+      <a:schemeClr val="lt2"/>
     </dgm:txFillClrLst>
     <dgm:txEffectClrLst/>
   </dgm:styleLbl>
   <dgm:styleLbl name="bgImgPlace1">
-    <dgm:fillClrLst>
-      <a:schemeClr val="accent1">
+    <dgm:fillClrLst meth="repeat">
+      <a:schemeClr val="dk2">
         <a:tint val="50000"/>
-      </a:schemeClr>
-      <a:schemeClr val="accent2">
-        <a:tint val="20000"/>
       </a:schemeClr>
     </dgm:fillClrLst>
     <dgm:linClrLst meth="repeat">
-      <a:schemeClr val="lt1"/>
+      <a:schemeClr val="dk2">
+        <a:shade val="80000"/>
+      </a:schemeClr>
     </dgm:linClrLst>
     <dgm:effectClrLst/>
     <dgm:txLinClrLst/>
     <dgm:txFillClrLst meth="repeat">
-      <a:schemeClr val="lt1"/>
+      <a:schemeClr val="lt2"/>
     </dgm:txFillClrLst>
     <dgm:txEffectClrLst/>
   </dgm:styleLbl>
   <dgm:styleLbl name="sibTrans2D1">
     <dgm:fillClrLst meth="repeat">
-      <a:schemeClr val="accent2"/>
-      <a:schemeClr val="accent3"/>
-      <a:schemeClr val="accent4"/>
-      <a:schemeClr val="accent5"/>
-      <a:schemeClr val="accent6"/>
+      <a:schemeClr val="dk2">
+        <a:tint val="60000"/>
+      </a:schemeClr>
     </dgm:fillClrLst>
-    <dgm:linClrLst meth="cycle">
-      <a:schemeClr val="lt1"/>
+    <dgm:linClrLst meth="repeat">
+      <a:schemeClr val="dk2">
+        <a:tint val="60000"/>
+      </a:schemeClr>
     </dgm:linClrLst>
     <dgm:effectClrLst/>
     <dgm:txLinClrLst/>
@@ -350,84 +306,72 @@
   </dgm:styleLbl>
   <dgm:styleLbl name="fgSibTrans2D1">
     <dgm:fillClrLst meth="repeat">
-      <a:schemeClr val="accent2"/>
-      <a:schemeClr val="accent3"/>
-      <a:schemeClr val="accent4"/>
-      <a:schemeClr val="accent5"/>
-      <a:schemeClr val="accent6"/>
+      <a:schemeClr val="dk2">
+        <a:tint val="60000"/>
+      </a:schemeClr>
     </dgm:fillClrLst>
-    <dgm:linClrLst meth="cycle">
-      <a:schemeClr val="lt1"/>
+    <dgm:linClrLst meth="repeat">
+      <a:schemeClr val="dk2">
+        <a:tint val="60000"/>
+      </a:schemeClr>
+    </dgm:linClrLst>
+    <dgm:effectClrLst/>
+    <dgm:txLinClrLst/>
+    <dgm:txFillClrLst/>
+    <dgm:txEffectClrLst/>
+  </dgm:styleLbl>
+  <dgm:styleLbl name="bgSibTrans2D1">
+    <dgm:fillClrLst meth="repeat">
+      <a:schemeClr val="dk2">
+        <a:tint val="60000"/>
+      </a:schemeClr>
+    </dgm:fillClrLst>
+    <dgm:linClrLst meth="repeat">
+      <a:schemeClr val="dk2">
+        <a:tint val="60000"/>
+      </a:schemeClr>
+    </dgm:linClrLst>
+    <dgm:effectClrLst/>
+    <dgm:txLinClrLst/>
+    <dgm:txFillClrLst/>
+    <dgm:txEffectClrLst/>
+  </dgm:styleLbl>
+  <dgm:styleLbl name="sibTrans1D1">
+    <dgm:fillClrLst meth="repeat">
+      <a:schemeClr val="dk2"/>
+    </dgm:fillClrLst>
+    <dgm:linClrLst meth="repeat">
+      <a:schemeClr val="dk2"/>
     </dgm:linClrLst>
     <dgm:effectClrLst/>
     <dgm:txLinClrLst/>
     <dgm:txFillClrLst meth="repeat">
-      <a:schemeClr val="lt1"/>
-    </dgm:txFillClrLst>
-    <dgm:txEffectClrLst/>
-  </dgm:styleLbl>
-  <dgm:styleLbl name="bgSibTrans2D1">
-    <dgm:fillClrLst meth="repeat">
-      <a:schemeClr val="accent2"/>
-      <a:schemeClr val="accent3"/>
-      <a:schemeClr val="accent4"/>
-      <a:schemeClr val="accent5"/>
-      <a:schemeClr val="accent6"/>
-    </dgm:fillClrLst>
-    <dgm:linClrLst meth="cycle">
-      <a:schemeClr val="lt1"/>
-    </dgm:linClrLst>
-    <dgm:effectClrLst/>
-    <dgm:txLinClrLst/>
-    <dgm:txFillClrLst meth="repeat">
-      <a:schemeClr val="lt1"/>
-    </dgm:txFillClrLst>
-    <dgm:txEffectClrLst/>
-  </dgm:styleLbl>
-  <dgm:styleLbl name="sibTrans1D1">
-    <dgm:fillClrLst meth="repeat">
-      <a:schemeClr val="accent2"/>
-      <a:schemeClr val="accent3"/>
-      <a:schemeClr val="accent4"/>
-      <a:schemeClr val="accent5"/>
-      <a:schemeClr val="accent6"/>
-    </dgm:fillClrLst>
-    <dgm:linClrLst meth="repeat">
-      <a:schemeClr val="accent2"/>
-      <a:schemeClr val="accent3"/>
-      <a:schemeClr val="accent4"/>
-      <a:schemeClr val="accent5"/>
-      <a:schemeClr val="accent6"/>
-    </dgm:linClrLst>
-    <dgm:effectClrLst/>
-    <dgm:txLinClrLst/>
-    <dgm:txFillClrLst meth="repeat">
-      <a:schemeClr val="tx1"/>
+      <a:schemeClr val="lt2"/>
     </dgm:txFillClrLst>
     <dgm:txEffectClrLst/>
   </dgm:styleLbl>
   <dgm:styleLbl name="callout">
     <dgm:fillClrLst meth="repeat">
-      <a:schemeClr val="accent2"/>
+      <a:schemeClr val="dk2"/>
     </dgm:fillClrLst>
     <dgm:linClrLst meth="repeat">
-      <a:schemeClr val="accent2">
+      <a:schemeClr val="dk2">
         <a:tint val="50000"/>
       </a:schemeClr>
     </dgm:linClrLst>
     <dgm:effectClrLst/>
     <dgm:txLinClrLst/>
     <dgm:txFillClrLst meth="repeat">
-      <a:schemeClr val="tx1"/>
+      <a:schemeClr val="lt2"/>
     </dgm:txFillClrLst>
     <dgm:txEffectClrLst/>
   </dgm:styleLbl>
   <dgm:styleLbl name="asst0">
     <dgm:fillClrLst meth="repeat">
-      <a:schemeClr val="accent1"/>
+      <a:schemeClr val="dk2"/>
     </dgm:fillClrLst>
     <dgm:linClrLst meth="repeat">
-      <a:schemeClr val="lt1"/>
+      <a:schemeClr val="lt2"/>
     </dgm:linClrLst>
     <dgm:effectClrLst/>
     <dgm:txLinClrLst/>
@@ -436,10 +380,10 @@
   </dgm:styleLbl>
   <dgm:styleLbl name="asst1">
     <dgm:fillClrLst meth="repeat">
-      <a:schemeClr val="accent2"/>
+      <a:schemeClr val="dk2"/>
     </dgm:fillClrLst>
     <dgm:linClrLst meth="repeat">
-      <a:schemeClr val="lt1"/>
+      <a:schemeClr val="lt2"/>
     </dgm:linClrLst>
     <dgm:effectClrLst/>
     <dgm:txLinClrLst/>
@@ -447,11 +391,11 @@
     <dgm:txEffectClrLst/>
   </dgm:styleLbl>
   <dgm:styleLbl name="asst2">
-    <dgm:fillClrLst>
-      <a:schemeClr val="accent3"/>
+    <dgm:fillClrLst meth="repeat">
+      <a:schemeClr val="dk2"/>
     </dgm:fillClrLst>
     <dgm:linClrLst meth="repeat">
-      <a:schemeClr val="lt1"/>
+      <a:schemeClr val="lt2"/>
     </dgm:linClrLst>
     <dgm:effectClrLst/>
     <dgm:txLinClrLst/>
@@ -459,11 +403,11 @@
     <dgm:txEffectClrLst/>
   </dgm:styleLbl>
   <dgm:styleLbl name="asst3">
-    <dgm:fillClrLst>
-      <a:schemeClr val="accent4"/>
+    <dgm:fillClrLst meth="repeat">
+      <a:schemeClr val="dk2"/>
     </dgm:fillClrLst>
     <dgm:linClrLst meth="repeat">
-      <a:schemeClr val="lt1"/>
+      <a:schemeClr val="lt2"/>
     </dgm:linClrLst>
     <dgm:effectClrLst/>
     <dgm:txLinClrLst/>
@@ -471,11 +415,11 @@
     <dgm:txEffectClrLst/>
   </dgm:styleLbl>
   <dgm:styleLbl name="asst4">
-    <dgm:fillClrLst>
-      <a:schemeClr val="accent5"/>
+    <dgm:fillClrLst meth="repeat">
+      <a:schemeClr val="dk2"/>
     </dgm:fillClrLst>
     <dgm:linClrLst meth="repeat">
-      <a:schemeClr val="lt1"/>
+      <a:schemeClr val="lt2"/>
     </dgm:linClrLst>
     <dgm:effectClrLst/>
     <dgm:txLinClrLst/>
@@ -484,62 +428,72 @@
   </dgm:styleLbl>
   <dgm:styleLbl name="parChTrans2D1">
     <dgm:fillClrLst meth="repeat">
-      <a:schemeClr val="accent2"/>
+      <a:schemeClr val="dk2">
+        <a:tint val="60000"/>
+      </a:schemeClr>
     </dgm:fillClrLst>
     <dgm:linClrLst meth="repeat">
-      <a:schemeClr val="lt1"/>
+      <a:schemeClr val="dk2">
+        <a:tint val="60000"/>
+      </a:schemeClr>
     </dgm:linClrLst>
     <dgm:effectClrLst/>
     <dgm:txLinClrLst/>
     <dgm:txFillClrLst meth="repeat">
-      <a:schemeClr val="lt1"/>
+      <a:schemeClr val="lt2"/>
     </dgm:txFillClrLst>
     <dgm:txEffectClrLst/>
   </dgm:styleLbl>
   <dgm:styleLbl name="parChTrans2D2">
     <dgm:fillClrLst meth="repeat">
-      <a:schemeClr val="accent3"/>
+      <a:schemeClr val="dk2"/>
     </dgm:fillClrLst>
     <dgm:linClrLst meth="repeat">
-      <a:schemeClr val="lt1"/>
+      <a:schemeClr val="dk2"/>
     </dgm:linClrLst>
     <dgm:effectClrLst/>
     <dgm:txLinClrLst/>
-    <dgm:txFillClrLst/>
+    <dgm:txFillClrLst meth="repeat">
+      <a:schemeClr val="lt2"/>
+    </dgm:txFillClrLst>
     <dgm:txEffectClrLst/>
   </dgm:styleLbl>
   <dgm:styleLbl name="parChTrans2D3">
     <dgm:fillClrLst meth="repeat">
-      <a:schemeClr val="accent4"/>
+      <a:schemeClr val="dk2"/>
     </dgm:fillClrLst>
     <dgm:linClrLst meth="repeat">
-      <a:schemeClr val="lt1"/>
+      <a:schemeClr val="dk2"/>
     </dgm:linClrLst>
     <dgm:effectClrLst/>
     <dgm:txLinClrLst/>
-    <dgm:txFillClrLst/>
+    <dgm:txFillClrLst meth="repeat">
+      <a:schemeClr val="lt2"/>
+    </dgm:txFillClrLst>
     <dgm:txEffectClrLst/>
   </dgm:styleLbl>
   <dgm:styleLbl name="parChTrans2D4">
     <dgm:fillClrLst meth="repeat">
-      <a:schemeClr val="accent5"/>
+      <a:schemeClr val="dk2"/>
     </dgm:fillClrLst>
     <dgm:linClrLst meth="repeat">
-      <a:schemeClr val="lt1"/>
+      <a:schemeClr val="dk2"/>
     </dgm:linClrLst>
     <dgm:effectClrLst/>
     <dgm:txLinClrLst/>
     <dgm:txFillClrLst meth="repeat">
-      <a:schemeClr val="lt1"/>
+      <a:schemeClr val="lt2"/>
     </dgm:txFillClrLst>
     <dgm:txEffectClrLst/>
   </dgm:styleLbl>
   <dgm:styleLbl name="parChTrans1D1">
     <dgm:fillClrLst meth="repeat">
-      <a:schemeClr val="accent2"/>
+      <a:schemeClr val="dk2"/>
     </dgm:fillClrLst>
     <dgm:linClrLst meth="repeat">
-      <a:schemeClr val="accent1"/>
+      <a:schemeClr val="dk2">
+        <a:shade val="60000"/>
+      </a:schemeClr>
     </dgm:linClrLst>
     <dgm:effectClrLst/>
     <dgm:txLinClrLst/>
@@ -550,12 +504,12 @@
   </dgm:styleLbl>
   <dgm:styleLbl name="parChTrans1D2">
     <dgm:fillClrLst meth="repeat">
-      <a:schemeClr val="accent3">
-        <a:tint val="90000"/>
-      </a:schemeClr>
+      <a:schemeClr val="dk2"/>
     </dgm:fillClrLst>
     <dgm:linClrLst meth="repeat">
-      <a:schemeClr val="accent2"/>
+      <a:schemeClr val="dk2">
+        <a:shade val="60000"/>
+      </a:schemeClr>
     </dgm:linClrLst>
     <dgm:effectClrLst/>
     <dgm:txLinClrLst/>
@@ -566,12 +520,12 @@
   </dgm:styleLbl>
   <dgm:styleLbl name="parChTrans1D3">
     <dgm:fillClrLst meth="repeat">
-      <a:schemeClr val="accent4">
-        <a:tint val="70000"/>
-      </a:schemeClr>
+      <a:schemeClr val="dk2"/>
     </dgm:fillClrLst>
     <dgm:linClrLst meth="repeat">
-      <a:schemeClr val="accent3"/>
+      <a:schemeClr val="dk2">
+        <a:shade val="80000"/>
+      </a:schemeClr>
     </dgm:linClrLst>
     <dgm:effectClrLst/>
     <dgm:txLinClrLst/>
@@ -582,12 +536,12 @@
   </dgm:styleLbl>
   <dgm:styleLbl name="parChTrans1D4">
     <dgm:fillClrLst meth="repeat">
-      <a:schemeClr val="accent5">
-        <a:tint val="50000"/>
-      </a:schemeClr>
+      <a:schemeClr val="dk2"/>
     </dgm:fillClrLst>
     <dgm:linClrLst meth="repeat">
-      <a:schemeClr val="accent4"/>
+      <a:schemeClr val="dk2">
+        <a:shade val="80000"/>
+      </a:schemeClr>
     </dgm:linClrLst>
     <dgm:effectClrLst/>
     <dgm:txLinClrLst/>
@@ -598,16 +552,12 @@
   </dgm:styleLbl>
   <dgm:styleLbl name="fgAcc1">
     <dgm:fillClrLst meth="repeat">
-      <a:schemeClr val="lt1">
+      <a:schemeClr val="lt2">
         <a:alpha val="90000"/>
       </a:schemeClr>
     </dgm:fillClrLst>
     <dgm:linClrLst meth="repeat">
-      <a:schemeClr val="accent2"/>
-      <a:schemeClr val="accent3"/>
-      <a:schemeClr val="accent4"/>
-      <a:schemeClr val="accent5"/>
-      <a:schemeClr val="accent6"/>
+      <a:schemeClr val="dk2"/>
     </dgm:linClrLst>
     <dgm:effectClrLst/>
     <dgm:txLinClrLst/>
@@ -618,16 +568,12 @@
   </dgm:styleLbl>
   <dgm:styleLbl name="conFgAcc1">
     <dgm:fillClrLst meth="repeat">
-      <a:schemeClr val="lt1">
+      <a:schemeClr val="lt2">
         <a:alpha val="90000"/>
       </a:schemeClr>
     </dgm:fillClrLst>
     <dgm:linClrLst meth="repeat">
-      <a:schemeClr val="accent2"/>
-      <a:schemeClr val="accent3"/>
-      <a:schemeClr val="accent4"/>
-      <a:schemeClr val="accent5"/>
-      <a:schemeClr val="accent6"/>
+      <a:schemeClr val="dk2"/>
     </dgm:linClrLst>
     <dgm:effectClrLst/>
     <dgm:txLinClrLst/>
@@ -638,16 +584,12 @@
   </dgm:styleLbl>
   <dgm:styleLbl name="alignAcc1">
     <dgm:fillClrLst meth="repeat">
-      <a:schemeClr val="lt1">
+      <a:schemeClr val="lt2">
         <a:alpha val="90000"/>
       </a:schemeClr>
     </dgm:fillClrLst>
     <dgm:linClrLst meth="repeat">
-      <a:schemeClr val="accent2"/>
-      <a:schemeClr val="accent3"/>
-      <a:schemeClr val="accent4"/>
-      <a:schemeClr val="accent5"/>
-      <a:schemeClr val="accent6"/>
+      <a:schemeClr val="dk2"/>
     </dgm:linClrLst>
     <dgm:effectClrLst/>
     <dgm:txLinClrLst/>
@@ -658,12 +600,12 @@
   </dgm:styleLbl>
   <dgm:styleLbl name="trAlignAcc1">
     <dgm:fillClrLst meth="repeat">
-      <a:schemeClr val="lt1">
+      <a:schemeClr val="lt2">
         <a:alpha val="40000"/>
       </a:schemeClr>
     </dgm:fillClrLst>
     <dgm:linClrLst meth="repeat">
-      <a:schemeClr val="accent1"/>
+      <a:schemeClr val="dk2"/>
     </dgm:linClrLst>
     <dgm:effectClrLst/>
     <dgm:txLinClrLst/>
@@ -674,16 +616,12 @@
   </dgm:styleLbl>
   <dgm:styleLbl name="bgAcc1">
     <dgm:fillClrLst meth="repeat">
-      <a:schemeClr val="lt1">
+      <a:schemeClr val="lt2">
         <a:alpha val="90000"/>
       </a:schemeClr>
     </dgm:fillClrLst>
     <dgm:linClrLst meth="repeat">
-      <a:schemeClr val="accent2"/>
-      <a:schemeClr val="accent3"/>
-      <a:schemeClr val="accent4"/>
-      <a:schemeClr val="accent5"/>
-      <a:schemeClr val="accent6"/>
+      <a:schemeClr val="dk2"/>
     </dgm:linClrLst>
     <dgm:effectClrLst/>
     <dgm:txLinClrLst/>
@@ -694,14 +632,10 @@
   </dgm:styleLbl>
   <dgm:styleLbl name="solidFgAcc1">
     <dgm:fillClrLst meth="repeat">
-      <a:schemeClr val="lt1"/>
+      <a:schemeClr val="lt2"/>
     </dgm:fillClrLst>
     <dgm:linClrLst meth="repeat">
-      <a:schemeClr val="accent2"/>
-      <a:schemeClr val="accent3"/>
-      <a:schemeClr val="accent4"/>
-      <a:schemeClr val="accent5"/>
-      <a:schemeClr val="accent6"/>
+      <a:schemeClr val="dk2"/>
     </dgm:linClrLst>
     <dgm:effectClrLst/>
     <dgm:txLinClrLst/>
@@ -712,14 +646,10 @@
   </dgm:styleLbl>
   <dgm:styleLbl name="solidAlignAcc1">
     <dgm:fillClrLst meth="repeat">
-      <a:schemeClr val="lt1"/>
+      <a:schemeClr val="lt2"/>
     </dgm:fillClrLst>
     <dgm:linClrLst meth="repeat">
-      <a:schemeClr val="accent2"/>
-      <a:schemeClr val="accent3"/>
-      <a:schemeClr val="accent4"/>
-      <a:schemeClr val="accent5"/>
-      <a:schemeClr val="accent6"/>
+      <a:schemeClr val="dk2"/>
     </dgm:linClrLst>
     <dgm:effectClrLst/>
     <dgm:txLinClrLst/>
@@ -730,14 +660,10 @@
   </dgm:styleLbl>
   <dgm:styleLbl name="solidBgAcc1">
     <dgm:fillClrLst meth="repeat">
-      <a:schemeClr val="lt1"/>
+      <a:schemeClr val="lt2"/>
     </dgm:fillClrLst>
     <dgm:linClrLst meth="repeat">
-      <a:schemeClr val="accent2"/>
-      <a:schemeClr val="accent3"/>
-      <a:schemeClr val="accent4"/>
-      <a:schemeClr val="accent5"/>
-      <a:schemeClr val="accent6"/>
+      <a:schemeClr val="dk2"/>
     </dgm:linClrLst>
     <dgm:effectClrLst/>
     <dgm:txLinClrLst/>
@@ -748,47 +674,15 @@
   </dgm:styleLbl>
   <dgm:styleLbl name="fgAccFollowNode1">
     <dgm:fillClrLst meth="repeat">
-      <a:schemeClr val="accent2">
+      <a:schemeClr val="dk2">
+        <a:alpha val="90000"/>
         <a:tint val="40000"/>
-        <a:alpha val="90000"/>
-      </a:schemeClr>
-      <a:schemeClr val="accent3">
-        <a:tint val="40000"/>
-        <a:alpha val="90000"/>
-      </a:schemeClr>
-      <a:schemeClr val="accent4">
-        <a:tint val="40000"/>
-        <a:alpha val="90000"/>
-      </a:schemeClr>
-      <a:schemeClr val="accent5">
-        <a:tint val="40000"/>
-        <a:alpha val="90000"/>
-      </a:schemeClr>
-      <a:schemeClr val="accent6">
-        <a:tint val="40000"/>
-        <a:alpha val="90000"/>
       </a:schemeClr>
     </dgm:fillClrLst>
     <dgm:linClrLst meth="repeat">
-      <a:schemeClr val="accent2">
+      <a:schemeClr val="dk2">
+        <a:alpha val="90000"/>
         <a:tint val="40000"/>
-        <a:alpha val="90000"/>
-      </a:schemeClr>
-      <a:schemeClr val="accent3">
-        <a:tint val="40000"/>
-        <a:alpha val="90000"/>
-      </a:schemeClr>
-      <a:schemeClr val="accent4">
-        <a:tint val="40000"/>
-        <a:alpha val="90000"/>
-      </a:schemeClr>
-      <a:schemeClr val="accent5">
-        <a:tint val="40000"/>
-        <a:alpha val="90000"/>
-      </a:schemeClr>
-      <a:schemeClr val="accent6">
-        <a:tint val="40000"/>
-        <a:alpha val="90000"/>
       </a:schemeClr>
     </dgm:linClrLst>
     <dgm:effectClrLst/>
@@ -800,47 +694,15 @@
   </dgm:styleLbl>
   <dgm:styleLbl name="alignAccFollowNode1">
     <dgm:fillClrLst meth="repeat">
-      <a:schemeClr val="accent2">
+      <a:schemeClr val="dk2">
+        <a:alpha val="90000"/>
         <a:tint val="40000"/>
-        <a:alpha val="90000"/>
-      </a:schemeClr>
-      <a:schemeClr val="accent3">
-        <a:tint val="40000"/>
-        <a:alpha val="90000"/>
-      </a:schemeClr>
-      <a:schemeClr val="accent4">
-        <a:tint val="40000"/>
-        <a:alpha val="90000"/>
-      </a:schemeClr>
-      <a:schemeClr val="accent5">
-        <a:tint val="40000"/>
-        <a:alpha val="90000"/>
-      </a:schemeClr>
-      <a:schemeClr val="accent6">
-        <a:tint val="40000"/>
-        <a:alpha val="90000"/>
       </a:schemeClr>
     </dgm:fillClrLst>
     <dgm:linClrLst meth="repeat">
-      <a:schemeClr val="accent2">
+      <a:schemeClr val="dk2">
+        <a:alpha val="90000"/>
         <a:tint val="40000"/>
-        <a:alpha val="90000"/>
-      </a:schemeClr>
-      <a:schemeClr val="accent3">
-        <a:tint val="40000"/>
-        <a:alpha val="90000"/>
-      </a:schemeClr>
-      <a:schemeClr val="accent4">
-        <a:tint val="40000"/>
-        <a:alpha val="90000"/>
-      </a:schemeClr>
-      <a:schemeClr val="accent5">
-        <a:tint val="40000"/>
-        <a:alpha val="90000"/>
-      </a:schemeClr>
-      <a:schemeClr val="accent6">
-        <a:tint val="40000"/>
-        <a:alpha val="90000"/>
       </a:schemeClr>
     </dgm:linClrLst>
     <dgm:effectClrLst/>
@@ -852,47 +714,15 @@
   </dgm:styleLbl>
   <dgm:styleLbl name="bgAccFollowNode1">
     <dgm:fillClrLst meth="repeat">
-      <a:schemeClr val="accent2">
+      <a:schemeClr val="dk2">
+        <a:alpha val="90000"/>
         <a:tint val="40000"/>
-        <a:alpha val="90000"/>
-      </a:schemeClr>
-      <a:schemeClr val="accent3">
-        <a:tint val="40000"/>
-        <a:alpha val="90000"/>
-      </a:schemeClr>
-      <a:schemeClr val="accent4">
-        <a:tint val="40000"/>
-        <a:alpha val="90000"/>
-      </a:schemeClr>
-      <a:schemeClr val="accent5">
-        <a:tint val="40000"/>
-        <a:alpha val="90000"/>
-      </a:schemeClr>
-      <a:schemeClr val="accent6">
-        <a:tint val="40000"/>
-        <a:alpha val="90000"/>
       </a:schemeClr>
     </dgm:fillClrLst>
     <dgm:linClrLst meth="repeat">
-      <a:schemeClr val="accent2">
+      <a:schemeClr val="dk2">
+        <a:alpha val="90000"/>
         <a:tint val="40000"/>
-        <a:alpha val="90000"/>
-      </a:schemeClr>
-      <a:schemeClr val="accent3">
-        <a:tint val="40000"/>
-        <a:alpha val="90000"/>
-      </a:schemeClr>
-      <a:schemeClr val="accent4">
-        <a:tint val="40000"/>
-        <a:alpha val="90000"/>
-      </a:schemeClr>
-      <a:schemeClr val="accent5">
-        <a:tint val="40000"/>
-        <a:alpha val="90000"/>
-      </a:schemeClr>
-      <a:schemeClr val="accent6">
-        <a:tint val="40000"/>
-        <a:alpha val="90000"/>
       </a:schemeClr>
     </dgm:linClrLst>
     <dgm:effectClrLst/>
@@ -904,12 +734,12 @@
   </dgm:styleLbl>
   <dgm:styleLbl name="fgAcc0">
     <dgm:fillClrLst meth="repeat">
-      <a:schemeClr val="lt1">
+      <a:schemeClr val="lt2">
         <a:alpha val="90000"/>
       </a:schemeClr>
     </dgm:fillClrLst>
-    <dgm:linClrLst>
-      <a:schemeClr val="accent1"/>
+    <dgm:linClrLst meth="repeat">
+      <a:schemeClr val="dk2"/>
     </dgm:linClrLst>
     <dgm:effectClrLst/>
     <dgm:txLinClrLst/>
@@ -920,12 +750,12 @@
   </dgm:styleLbl>
   <dgm:styleLbl name="fgAcc2">
     <dgm:fillClrLst meth="repeat">
-      <a:schemeClr val="lt1">
+      <a:schemeClr val="lt2">
         <a:alpha val="90000"/>
       </a:schemeClr>
     </dgm:fillClrLst>
-    <dgm:linClrLst>
-      <a:schemeClr val="accent2"/>
+    <dgm:linClrLst meth="repeat">
+      <a:schemeClr val="dk2"/>
     </dgm:linClrLst>
     <dgm:effectClrLst/>
     <dgm:txLinClrLst/>
@@ -936,12 +766,12 @@
   </dgm:styleLbl>
   <dgm:styleLbl name="fgAcc3">
     <dgm:fillClrLst meth="repeat">
-      <a:schemeClr val="lt1">
+      <a:schemeClr val="lt2">
         <a:alpha val="90000"/>
       </a:schemeClr>
     </dgm:fillClrLst>
-    <dgm:linClrLst>
-      <a:schemeClr val="accent3"/>
+    <dgm:linClrLst meth="repeat">
+      <a:schemeClr val="dk2"/>
     </dgm:linClrLst>
     <dgm:effectClrLst/>
     <dgm:txLinClrLst/>
@@ -952,12 +782,12 @@
   </dgm:styleLbl>
   <dgm:styleLbl name="fgAcc4">
     <dgm:fillClrLst meth="repeat">
-      <a:schemeClr val="lt1">
+      <a:schemeClr val="lt2">
         <a:alpha val="90000"/>
       </a:schemeClr>
     </dgm:fillClrLst>
-    <dgm:linClrLst>
-      <a:schemeClr val="accent4"/>
+    <dgm:linClrLst meth="repeat">
+      <a:schemeClr val="dk2"/>
     </dgm:linClrLst>
     <dgm:effectClrLst/>
     <dgm:txLinClrLst/>
@@ -968,12 +798,12 @@
   </dgm:styleLbl>
   <dgm:styleLbl name="bgShp">
     <dgm:fillClrLst meth="repeat">
-      <a:schemeClr val="accent2">
+      <a:schemeClr val="dk2">
         <a:tint val="40000"/>
       </a:schemeClr>
     </dgm:fillClrLst>
     <dgm:linClrLst meth="repeat">
-      <a:schemeClr val="dk1"/>
+      <a:schemeClr val="dk2"/>
     </dgm:linClrLst>
     <dgm:effectClrLst/>
     <dgm:txLinClrLst/>
@@ -984,12 +814,12 @@
   </dgm:styleLbl>
   <dgm:styleLbl name="dkBgShp">
     <dgm:fillClrLst meth="repeat">
-      <a:schemeClr val="accent2">
-        <a:shade val="90000"/>
+      <a:schemeClr val="dk2">
+        <a:shade val="80000"/>
       </a:schemeClr>
     </dgm:fillClrLst>
     <dgm:linClrLst meth="repeat">
-      <a:schemeClr val="dk1"/>
+      <a:schemeClr val="dk2"/>
     </dgm:linClrLst>
     <dgm:effectClrLst/>
     <dgm:txLinClrLst/>
@@ -1000,13 +830,13 @@
   </dgm:styleLbl>
   <dgm:styleLbl name="trBgShp">
     <dgm:fillClrLst meth="repeat">
-      <a:schemeClr val="accent1">
+      <a:schemeClr val="dk2">
         <a:tint val="50000"/>
         <a:alpha val="40000"/>
       </a:schemeClr>
     </dgm:fillClrLst>
     <dgm:linClrLst meth="repeat">
-      <a:schemeClr val="accent2"/>
+      <a:schemeClr val="dk2"/>
     </dgm:linClrLst>
     <dgm:effectClrLst/>
     <dgm:txLinClrLst/>
@@ -1017,12 +847,12 @@
   </dgm:styleLbl>
   <dgm:styleLbl name="fgShp">
     <dgm:fillClrLst meth="repeat">
-      <a:schemeClr val="accent2">
-        <a:tint val="40000"/>
+      <a:schemeClr val="dk2">
+        <a:tint val="60000"/>
       </a:schemeClr>
     </dgm:fillClrLst>
     <dgm:linClrLst meth="repeat">
-      <a:schemeClr val="lt1"/>
+      <a:schemeClr val="lt2"/>
     </dgm:linClrLst>
     <dgm:effectClrLst/>
     <dgm:txLinClrLst/>
@@ -1033,7 +863,7 @@
   </dgm:styleLbl>
   <dgm:styleLbl name="revTx">
     <dgm:fillClrLst meth="repeat">
-      <a:schemeClr val="lt1">
+      <a:schemeClr val="lt2">
         <a:alpha val="0"/>
       </a:schemeClr>
     </dgm:fillClrLst>
@@ -1056,43 +886,7 @@
 <dgm:dataModel xmlns:dgm="http://schemas.openxmlformats.org/drawingml/2006/diagram" xmlns:a="http://schemas.openxmlformats.org/drawingml/2006/main">
   <dgm:ptLst>
     <dgm:pt modelId="{AEFDA71F-0163-4378-B9B1-248E0325FB12}" type="doc">
-      <dgm:prSet loTypeId="urn:microsoft.com/office/officeart/2005/8/layout/vProcess5" loCatId="process" qsTypeId="urn:microsoft.com/office/officeart/2005/8/quickstyle/simple4" qsCatId="simple" csTypeId="urn:microsoft.com/office/officeart/2005/8/colors/colorful1" csCatId="colorful" phldr="1"/>
-      <dgm:spPr/>
-      <dgm:t>
-        <a:bodyPr/>
-        <a:lstStyle/>
-        <a:p>
-          <a:endParaRPr lang="en-US"/>
-        </a:p>
-      </dgm:t>
-    </dgm:pt>
-    <dgm:pt modelId="{34B3B087-ABCE-4D92-B820-00EDC0B202AC}">
-      <dgm:prSet/>
-      <dgm:spPr/>
-      <dgm:t>
-        <a:bodyPr/>
-        <a:lstStyle/>
-        <a:p>
-          <a:r>
-            <a:rPr lang="en-US" dirty="0"/>
-            <a:t>N8N</a:t>
-          </a:r>
-        </a:p>
-      </dgm:t>
-    </dgm:pt>
-    <dgm:pt modelId="{119B34E9-F0DB-42C7-923E-760BB2DDD384}" type="parTrans" cxnId="{6A4DBAFD-4976-457D-92CD-743517BF3792}">
-      <dgm:prSet/>
-      <dgm:spPr/>
-      <dgm:t>
-        <a:bodyPr/>
-        <a:lstStyle/>
-        <a:p>
-          <a:endParaRPr lang="en-US"/>
-        </a:p>
-      </dgm:t>
-    </dgm:pt>
-    <dgm:pt modelId="{9B00AA4C-E443-4A1B-982E-C1A03398B8B7}" type="sibTrans" cxnId="{6A4DBAFD-4976-457D-92CD-743517BF3792}">
-      <dgm:prSet/>
+      <dgm:prSet loTypeId="urn:microsoft.com/office/officeart/2005/8/layout/hierarchy1" loCatId="hierarchy" qsTypeId="urn:microsoft.com/office/officeart/2005/8/quickstyle/simple1" qsCatId="simple" csTypeId="urn:microsoft.com/office/officeart/2005/8/colors/accent0_3" csCatId="mainScheme" phldr="1"/>
       <dgm:spPr/>
       <dgm:t>
         <a:bodyPr/>
@@ -1132,32 +926,6 @@
       </dgm:t>
     </dgm:pt>
     <dgm:pt modelId="{8068AC80-2582-6045-9138-B65ECC696D76}" type="sibTrans" cxnId="{0A460A37-8B57-394F-BD3E-21B1C4009900}">
-      <dgm:prSet/>
-      <dgm:spPr/>
-      <dgm:t>
-        <a:bodyPr/>
-        <a:lstStyle/>
-        <a:p>
-          <a:endParaRPr lang="pt-BR"/>
-        </a:p>
-      </dgm:t>
-    </dgm:pt>
-    <dgm:pt modelId="{DAFCE89B-15C3-0541-A7C3-A03734D9AA2B}">
-      <dgm:prSet/>
-      <dgm:spPr/>
-    </dgm:pt>
-    <dgm:pt modelId="{AC1C849B-8E5F-CF4C-9973-6E8AB05E9F6E}" type="parTrans" cxnId="{E680DA47-627F-CC47-B281-41EC8DB05E73}">
-      <dgm:prSet/>
-      <dgm:spPr/>
-      <dgm:t>
-        <a:bodyPr/>
-        <a:lstStyle/>
-        <a:p>
-          <a:endParaRPr lang="pt-BR"/>
-        </a:p>
-      </dgm:t>
-    </dgm:pt>
-    <dgm:pt modelId="{34E5F3E5-5722-6347-BF1D-BF2F16ECE8D2}" type="sibTrans" cxnId="{E680DA47-627F-CC47-B281-41EC8DB05E73}">
       <dgm:prSet/>
       <dgm:spPr/>
       <dgm:t>
@@ -1226,6 +994,13 @@
     <dgm:pt modelId="{B352219A-8991-9C4E-8BA8-683CCE320B15}" type="parTrans" cxnId="{589B9C24-4C8A-3A4A-B565-666C96029BC6}">
       <dgm:prSet/>
       <dgm:spPr/>
+      <dgm:t>
+        <a:bodyPr/>
+        <a:lstStyle/>
+        <a:p>
+          <a:endParaRPr lang="pt-BR"/>
+        </a:p>
+      </dgm:t>
     </dgm:pt>
     <dgm:pt modelId="{B2C3B263-692F-8348-A236-5FD71F6D6D9B}" type="sibTrans" cxnId="{589B9C24-4C8A-3A4A-B565-666C96029BC6}">
       <dgm:prSet/>
@@ -1260,6 +1035,13 @@
     <dgm:pt modelId="{F4BEE5E7-5419-284E-B637-0188DBCD1A27}" type="parTrans" cxnId="{712611F6-6A6C-194F-990F-92D1E3208908}">
       <dgm:prSet/>
       <dgm:spPr/>
+      <dgm:t>
+        <a:bodyPr/>
+        <a:lstStyle/>
+        <a:p>
+          <a:endParaRPr lang="pt-BR"/>
+        </a:p>
+      </dgm:t>
     </dgm:pt>
     <dgm:pt modelId="{3237DA42-D2E6-BB46-AE38-85AA315C37CC}" type="sibTrans" cxnId="{712611F6-6A6C-194F-990F-92D1E3208908}">
       <dgm:prSet/>
@@ -1272,172 +1054,212 @@
         </a:p>
       </dgm:t>
     </dgm:pt>
-    <dgm:pt modelId="{B8907B23-35C0-FD43-95F3-FBE2225ACE75}" type="pres">
-      <dgm:prSet presAssocID="{AEFDA71F-0163-4378-B9B1-248E0325FB12}" presName="outerComposite" presStyleCnt="0">
+    <dgm:pt modelId="{8996DB53-A7A3-FC41-9902-E5E687BC08C7}">
+      <dgm:prSet/>
+      <dgm:spPr/>
+      <dgm:t>
+        <a:bodyPr/>
+        <a:lstStyle/>
+        <a:p>
+          <a:r>
+            <a:rPr lang="en-US" dirty="0"/>
+            <a:t>CASE</a:t>
+          </a:r>
+        </a:p>
+      </dgm:t>
+    </dgm:pt>
+    <dgm:pt modelId="{72124C82-F988-5E42-8FA1-D748A2AA9099}" type="parTrans" cxnId="{300B5DAD-6021-1746-B658-D203BB2A72EE}">
+      <dgm:prSet/>
+      <dgm:spPr/>
+      <dgm:t>
+        <a:bodyPr/>
+        <a:lstStyle/>
+        <a:p>
+          <a:endParaRPr lang="pt-BR"/>
+        </a:p>
+      </dgm:t>
+    </dgm:pt>
+    <dgm:pt modelId="{0C84679F-D78B-E944-A599-E3E8B24CB086}" type="sibTrans" cxnId="{300B5DAD-6021-1746-B658-D203BB2A72EE}">
+      <dgm:prSet/>
+      <dgm:spPr/>
+      <dgm:t>
+        <a:bodyPr/>
+        <a:lstStyle/>
+        <a:p>
+          <a:endParaRPr lang="pt-BR"/>
+        </a:p>
+      </dgm:t>
+    </dgm:pt>
+    <dgm:pt modelId="{A9798C16-CC93-A742-9227-6F66F446A80F}" type="pres">
+      <dgm:prSet presAssocID="{AEFDA71F-0163-4378-B9B1-248E0325FB12}" presName="hierChild1" presStyleCnt="0">
         <dgm:presLayoutVars>
-          <dgm:chMax val="5"/>
+          <dgm:chPref val="1"/>
           <dgm:dir/>
-          <dgm:resizeHandles val="exact"/>
+          <dgm:animOne val="branch"/>
+          <dgm:animLvl val="lvl"/>
+          <dgm:resizeHandles/>
         </dgm:presLayoutVars>
       </dgm:prSet>
       <dgm:spPr/>
     </dgm:pt>
-    <dgm:pt modelId="{B0056023-149F-1A41-9D38-2C84C1159526}" type="pres">
-      <dgm:prSet presAssocID="{AEFDA71F-0163-4378-B9B1-248E0325FB12}" presName="dummyMaxCanvas" presStyleCnt="0">
-        <dgm:presLayoutVars/>
-      </dgm:prSet>
+    <dgm:pt modelId="{BB949DD9-8B3A-CA4D-BB35-C23560508678}" type="pres">
+      <dgm:prSet presAssocID="{3AC3736C-FAF3-444F-B58C-19042A82B981}" presName="hierRoot1" presStyleCnt="0"/>
       <dgm:spPr/>
     </dgm:pt>
-    <dgm:pt modelId="{69FECABC-9AD8-5E41-B81E-36991D65D3CF}" type="pres">
-      <dgm:prSet presAssocID="{AEFDA71F-0163-4378-B9B1-248E0325FB12}" presName="FiveNodes_1" presStyleLbl="node1" presStyleIdx="0" presStyleCnt="5">
+    <dgm:pt modelId="{8A327C76-064C-444C-92AE-295935E54236}" type="pres">
+      <dgm:prSet presAssocID="{3AC3736C-FAF3-444F-B58C-19042A82B981}" presName="composite" presStyleCnt="0"/>
+      <dgm:spPr/>
+    </dgm:pt>
+    <dgm:pt modelId="{71057369-3000-5F4F-BA3F-FBCE26C879C3}" type="pres">
+      <dgm:prSet presAssocID="{3AC3736C-FAF3-444F-B58C-19042A82B981}" presName="background" presStyleLbl="node0" presStyleIdx="0" presStyleCnt="5"/>
+      <dgm:spPr/>
+    </dgm:pt>
+    <dgm:pt modelId="{184204BC-D4AB-F74D-9C84-635D36689146}" type="pres">
+      <dgm:prSet presAssocID="{3AC3736C-FAF3-444F-B58C-19042A82B981}" presName="text" presStyleLbl="fgAcc0" presStyleIdx="0" presStyleCnt="5">
         <dgm:presLayoutVars>
-          <dgm:bulletEnabled val="1"/>
+          <dgm:chPref val="3"/>
         </dgm:presLayoutVars>
       </dgm:prSet>
       <dgm:spPr/>
     </dgm:pt>
-    <dgm:pt modelId="{AA35AB83-E200-D34F-B068-A50CC9614969}" type="pres">
-      <dgm:prSet presAssocID="{AEFDA71F-0163-4378-B9B1-248E0325FB12}" presName="FiveNodes_2" presStyleLbl="node1" presStyleIdx="1" presStyleCnt="5">
+    <dgm:pt modelId="{2CAE7424-636B-9A47-818C-54973D52D19D}" type="pres">
+      <dgm:prSet presAssocID="{3AC3736C-FAF3-444F-B58C-19042A82B981}" presName="hierChild2" presStyleCnt="0"/>
+      <dgm:spPr/>
+    </dgm:pt>
+    <dgm:pt modelId="{48696C17-4BAA-E742-BB54-5650B3561176}" type="pres">
+      <dgm:prSet presAssocID="{5D1C53DB-6BC1-F14A-BF2D-502C89781C04}" presName="hierRoot1" presStyleCnt="0"/>
+      <dgm:spPr/>
+    </dgm:pt>
+    <dgm:pt modelId="{DAE5DD01-A0F3-6747-82F8-A11CE72DD3CE}" type="pres">
+      <dgm:prSet presAssocID="{5D1C53DB-6BC1-F14A-BF2D-502C89781C04}" presName="composite" presStyleCnt="0"/>
+      <dgm:spPr/>
+    </dgm:pt>
+    <dgm:pt modelId="{88071CE9-FB8C-A248-8C50-A91FD6F41A16}" type="pres">
+      <dgm:prSet presAssocID="{5D1C53DB-6BC1-F14A-BF2D-502C89781C04}" presName="background" presStyleLbl="node0" presStyleIdx="1" presStyleCnt="5"/>
+      <dgm:spPr/>
+    </dgm:pt>
+    <dgm:pt modelId="{6DF8D41F-2822-FD4E-ABDA-94569376EC46}" type="pres">
+      <dgm:prSet presAssocID="{5D1C53DB-6BC1-F14A-BF2D-502C89781C04}" presName="text" presStyleLbl="fgAcc0" presStyleIdx="1" presStyleCnt="5">
         <dgm:presLayoutVars>
-          <dgm:bulletEnabled val="1"/>
+          <dgm:chPref val="3"/>
         </dgm:presLayoutVars>
       </dgm:prSet>
       <dgm:spPr/>
     </dgm:pt>
-    <dgm:pt modelId="{7E22034E-F2BF-2843-B474-228AE7328AA9}" type="pres">
-      <dgm:prSet presAssocID="{AEFDA71F-0163-4378-B9B1-248E0325FB12}" presName="FiveNodes_3" presStyleLbl="node1" presStyleIdx="2" presStyleCnt="5">
+    <dgm:pt modelId="{3D6A126F-B2F0-974D-8668-6E3584836C3B}" type="pres">
+      <dgm:prSet presAssocID="{5D1C53DB-6BC1-F14A-BF2D-502C89781C04}" presName="hierChild2" presStyleCnt="0"/>
+      <dgm:spPr/>
+    </dgm:pt>
+    <dgm:pt modelId="{4DDD543C-9E42-7B46-B5E9-D9A099E04A9D}" type="pres">
+      <dgm:prSet presAssocID="{44B2D338-27ED-6E48-B8F5-91285AFE0E0D}" presName="hierRoot1" presStyleCnt="0"/>
+      <dgm:spPr/>
+    </dgm:pt>
+    <dgm:pt modelId="{D3E960AB-4394-7244-85DA-86A4FA25C701}" type="pres">
+      <dgm:prSet presAssocID="{44B2D338-27ED-6E48-B8F5-91285AFE0E0D}" presName="composite" presStyleCnt="0"/>
+      <dgm:spPr/>
+    </dgm:pt>
+    <dgm:pt modelId="{12AB831F-68FE-6D44-98F5-CE9B5A1CAB49}" type="pres">
+      <dgm:prSet presAssocID="{44B2D338-27ED-6E48-B8F5-91285AFE0E0D}" presName="background" presStyleLbl="node0" presStyleIdx="2" presStyleCnt="5"/>
+      <dgm:spPr/>
+    </dgm:pt>
+    <dgm:pt modelId="{93A87613-3691-B145-BB06-BB9F81E6A96D}" type="pres">
+      <dgm:prSet presAssocID="{44B2D338-27ED-6E48-B8F5-91285AFE0E0D}" presName="text" presStyleLbl="fgAcc0" presStyleIdx="2" presStyleCnt="5">
         <dgm:presLayoutVars>
-          <dgm:bulletEnabled val="1"/>
+          <dgm:chPref val="3"/>
         </dgm:presLayoutVars>
       </dgm:prSet>
       <dgm:spPr/>
     </dgm:pt>
-    <dgm:pt modelId="{C7A495B4-7FE3-CE49-95F1-60FC42E16927}" type="pres">
-      <dgm:prSet presAssocID="{AEFDA71F-0163-4378-B9B1-248E0325FB12}" presName="FiveNodes_4" presStyleLbl="node1" presStyleIdx="3" presStyleCnt="5">
+    <dgm:pt modelId="{0C96C3D9-C92E-6045-94F9-B429B77AC391}" type="pres">
+      <dgm:prSet presAssocID="{44B2D338-27ED-6E48-B8F5-91285AFE0E0D}" presName="hierChild2" presStyleCnt="0"/>
+      <dgm:spPr/>
+    </dgm:pt>
+    <dgm:pt modelId="{3AB81734-91BD-E240-AE85-C07F30E5DD62}" type="pres">
+      <dgm:prSet presAssocID="{DB95EF4D-D65D-8E4E-B918-FFA0B2A80B72}" presName="hierRoot1" presStyleCnt="0"/>
+      <dgm:spPr/>
+    </dgm:pt>
+    <dgm:pt modelId="{92BBD724-B357-764E-B995-F3F1DAE06D13}" type="pres">
+      <dgm:prSet presAssocID="{DB95EF4D-D65D-8E4E-B918-FFA0B2A80B72}" presName="composite" presStyleCnt="0"/>
+      <dgm:spPr/>
+    </dgm:pt>
+    <dgm:pt modelId="{E7717C18-68E3-6442-935C-1DEAD736B148}" type="pres">
+      <dgm:prSet presAssocID="{DB95EF4D-D65D-8E4E-B918-FFA0B2A80B72}" presName="background" presStyleLbl="node0" presStyleIdx="3" presStyleCnt="5"/>
+      <dgm:spPr/>
+    </dgm:pt>
+    <dgm:pt modelId="{16E7E428-D111-A443-BC88-22C0EE804168}" type="pres">
+      <dgm:prSet presAssocID="{DB95EF4D-D65D-8E4E-B918-FFA0B2A80B72}" presName="text" presStyleLbl="fgAcc0" presStyleIdx="3" presStyleCnt="5">
         <dgm:presLayoutVars>
-          <dgm:bulletEnabled val="1"/>
+          <dgm:chPref val="3"/>
         </dgm:presLayoutVars>
       </dgm:prSet>
       <dgm:spPr/>
     </dgm:pt>
-    <dgm:pt modelId="{0BCE861B-2FF1-E04A-A1BE-5B0DBC934993}" type="pres">
-      <dgm:prSet presAssocID="{AEFDA71F-0163-4378-B9B1-248E0325FB12}" presName="FiveNodes_5" presStyleLbl="node1" presStyleIdx="4" presStyleCnt="5">
+    <dgm:pt modelId="{F6360520-BF96-3841-9684-72A74D2BE07A}" type="pres">
+      <dgm:prSet presAssocID="{DB95EF4D-D65D-8E4E-B918-FFA0B2A80B72}" presName="hierChild2" presStyleCnt="0"/>
+      <dgm:spPr/>
+    </dgm:pt>
+    <dgm:pt modelId="{9FCAB685-4065-7940-9793-28BE777C3622}" type="pres">
+      <dgm:prSet presAssocID="{8996DB53-A7A3-FC41-9902-E5E687BC08C7}" presName="hierRoot1" presStyleCnt="0"/>
+      <dgm:spPr/>
+    </dgm:pt>
+    <dgm:pt modelId="{3557BF37-ADC5-E94F-AE08-503FC1CE5852}" type="pres">
+      <dgm:prSet presAssocID="{8996DB53-A7A3-FC41-9902-E5E687BC08C7}" presName="composite" presStyleCnt="0"/>
+      <dgm:spPr/>
+    </dgm:pt>
+    <dgm:pt modelId="{D0D092E4-DC85-AA48-9889-F4EDB38F7E65}" type="pres">
+      <dgm:prSet presAssocID="{8996DB53-A7A3-FC41-9902-E5E687BC08C7}" presName="background" presStyleLbl="node0" presStyleIdx="4" presStyleCnt="5"/>
+      <dgm:spPr/>
+    </dgm:pt>
+    <dgm:pt modelId="{D6562687-DAB0-284A-A639-A07B267170B8}" type="pres">
+      <dgm:prSet presAssocID="{8996DB53-A7A3-FC41-9902-E5E687BC08C7}" presName="text" presStyleLbl="fgAcc0" presStyleIdx="4" presStyleCnt="5">
         <dgm:presLayoutVars>
-          <dgm:bulletEnabled val="1"/>
+          <dgm:chPref val="3"/>
         </dgm:presLayoutVars>
       </dgm:prSet>
       <dgm:spPr/>
     </dgm:pt>
-    <dgm:pt modelId="{B10AEBEC-BCFE-EA40-93AB-D4A7C46A30F6}" type="pres">
-      <dgm:prSet presAssocID="{AEFDA71F-0163-4378-B9B1-248E0325FB12}" presName="FiveConn_1-2" presStyleLbl="fgAccFollowNode1" presStyleIdx="0" presStyleCnt="4">
-        <dgm:presLayoutVars>
-          <dgm:bulletEnabled val="1"/>
-        </dgm:presLayoutVars>
-      </dgm:prSet>
-      <dgm:spPr/>
-    </dgm:pt>
-    <dgm:pt modelId="{99BEBA6A-7590-4648-BBB5-249DB66BED28}" type="pres">
-      <dgm:prSet presAssocID="{AEFDA71F-0163-4378-B9B1-248E0325FB12}" presName="FiveConn_2-3" presStyleLbl="fgAccFollowNode1" presStyleIdx="1" presStyleCnt="4">
-        <dgm:presLayoutVars>
-          <dgm:bulletEnabled val="1"/>
-        </dgm:presLayoutVars>
-      </dgm:prSet>
-      <dgm:spPr/>
-    </dgm:pt>
-    <dgm:pt modelId="{10097E75-E169-2E44-AE31-8669BEDF194B}" type="pres">
-      <dgm:prSet presAssocID="{AEFDA71F-0163-4378-B9B1-248E0325FB12}" presName="FiveConn_3-4" presStyleLbl="fgAccFollowNode1" presStyleIdx="2" presStyleCnt="4">
-        <dgm:presLayoutVars>
-          <dgm:bulletEnabled val="1"/>
-        </dgm:presLayoutVars>
-      </dgm:prSet>
-      <dgm:spPr/>
-    </dgm:pt>
-    <dgm:pt modelId="{049B1779-43CE-824B-8D00-BB972C4152F5}" type="pres">
-      <dgm:prSet presAssocID="{AEFDA71F-0163-4378-B9B1-248E0325FB12}" presName="FiveConn_4-5" presStyleLbl="fgAccFollowNode1" presStyleIdx="3" presStyleCnt="4">
-        <dgm:presLayoutVars>
-          <dgm:bulletEnabled val="1"/>
-        </dgm:presLayoutVars>
-      </dgm:prSet>
-      <dgm:spPr/>
-    </dgm:pt>
-    <dgm:pt modelId="{4DF6D93E-A2DF-AD47-A99F-FA3CFAB40101}" type="pres">
-      <dgm:prSet presAssocID="{AEFDA71F-0163-4378-B9B1-248E0325FB12}" presName="FiveNodes_1_text" presStyleLbl="node1" presStyleIdx="4" presStyleCnt="5">
-        <dgm:presLayoutVars>
-          <dgm:bulletEnabled val="1"/>
-        </dgm:presLayoutVars>
-      </dgm:prSet>
-      <dgm:spPr/>
-    </dgm:pt>
-    <dgm:pt modelId="{77F40323-923E-2747-AD04-4F5A3684DBD9}" type="pres">
-      <dgm:prSet presAssocID="{AEFDA71F-0163-4378-B9B1-248E0325FB12}" presName="FiveNodes_2_text" presStyleLbl="node1" presStyleIdx="4" presStyleCnt="5">
-        <dgm:presLayoutVars>
-          <dgm:bulletEnabled val="1"/>
-        </dgm:presLayoutVars>
-      </dgm:prSet>
-      <dgm:spPr/>
-    </dgm:pt>
-    <dgm:pt modelId="{DB0BB96B-FCC6-5F4A-8152-B4F5CB89BA4F}" type="pres">
-      <dgm:prSet presAssocID="{AEFDA71F-0163-4378-B9B1-248E0325FB12}" presName="FiveNodes_3_text" presStyleLbl="node1" presStyleIdx="4" presStyleCnt="5">
-        <dgm:presLayoutVars>
-          <dgm:bulletEnabled val="1"/>
-        </dgm:presLayoutVars>
-      </dgm:prSet>
-      <dgm:spPr/>
-    </dgm:pt>
-    <dgm:pt modelId="{A97678A5-C789-5549-8E23-80234A067C37}" type="pres">
-      <dgm:prSet presAssocID="{AEFDA71F-0163-4378-B9B1-248E0325FB12}" presName="FiveNodes_4_text" presStyleLbl="node1" presStyleIdx="4" presStyleCnt="5">
-        <dgm:presLayoutVars>
-          <dgm:bulletEnabled val="1"/>
-        </dgm:presLayoutVars>
-      </dgm:prSet>
-      <dgm:spPr/>
-    </dgm:pt>
-    <dgm:pt modelId="{5D431374-37A0-2449-8E4E-2DF73ADACB01}" type="pres">
-      <dgm:prSet presAssocID="{AEFDA71F-0163-4378-B9B1-248E0325FB12}" presName="FiveNodes_5_text" presStyleLbl="node1" presStyleIdx="4" presStyleCnt="5">
-        <dgm:presLayoutVars>
-          <dgm:bulletEnabled val="1"/>
-        </dgm:presLayoutVars>
-      </dgm:prSet>
+    <dgm:pt modelId="{C8D8EEE4-AC6A-D943-90F1-FE5A0080E73E}" type="pres">
+      <dgm:prSet presAssocID="{8996DB53-A7A3-FC41-9902-E5E687BC08C7}" presName="hierChild2" presStyleCnt="0"/>
       <dgm:spPr/>
     </dgm:pt>
   </dgm:ptLst>
   <dgm:cxnLst>
-    <dgm:cxn modelId="{57A91C06-CDC3-9B40-9001-4069045F66BA}" type="presOf" srcId="{B2C3B263-692F-8348-A236-5FD71F6D6D9B}" destId="{049B1779-43CE-824B-8D00-BB972C4152F5}" srcOrd="0" destOrd="0" presId="urn:microsoft.com/office/officeart/2005/8/layout/vProcess5"/>
-    <dgm:cxn modelId="{46DA540C-A211-544A-A740-A8380AEB3770}" type="presOf" srcId="{44B2D338-27ED-6E48-B8F5-91285AFE0E0D}" destId="{DB0BB96B-FCC6-5F4A-8152-B4F5CB89BA4F}" srcOrd="1" destOrd="0" presId="urn:microsoft.com/office/officeart/2005/8/layout/vProcess5"/>
-    <dgm:cxn modelId="{D31C6515-E05B-EE48-843D-88DDF97757FF}" type="presOf" srcId="{34B3B087-ABCE-4D92-B820-00EDC0B202AC}" destId="{5D431374-37A0-2449-8E4E-2DF73ADACB01}" srcOrd="1" destOrd="0" presId="urn:microsoft.com/office/officeart/2005/8/layout/vProcess5"/>
-    <dgm:cxn modelId="{A3432417-B3DA-8546-BAD0-37E38F477F2C}" type="presOf" srcId="{3AC3736C-FAF3-444F-B58C-19042A82B981}" destId="{69FECABC-9AD8-5E41-B81E-36991D65D3CF}" srcOrd="0" destOrd="0" presId="urn:microsoft.com/office/officeart/2005/8/layout/vProcess5"/>
-    <dgm:cxn modelId="{0B16A922-B156-FC45-B6F9-789C55179DE0}" type="presOf" srcId="{5D1C53DB-6BC1-F14A-BF2D-502C89781C04}" destId="{77F40323-923E-2747-AD04-4F5A3684DBD9}" srcOrd="1" destOrd="0" presId="urn:microsoft.com/office/officeart/2005/8/layout/vProcess5"/>
     <dgm:cxn modelId="{589B9C24-4C8A-3A4A-B565-666C96029BC6}" srcId="{AEFDA71F-0163-4378-B9B1-248E0325FB12}" destId="{DB95EF4D-D65D-8E4E-B918-FFA0B2A80B72}" srcOrd="3" destOrd="0" parTransId="{B352219A-8991-9C4E-8BA8-683CCE320B15}" sibTransId="{B2C3B263-692F-8348-A236-5FD71F6D6D9B}"/>
-    <dgm:cxn modelId="{5C9E8D29-7E34-2844-A415-EDF76755E48A}" type="presOf" srcId="{8068AC80-2582-6045-9138-B65ECC696D76}" destId="{10097E75-E169-2E44-AE31-8669BEDF194B}" srcOrd="0" destOrd="0" presId="urn:microsoft.com/office/officeart/2005/8/layout/vProcess5"/>
     <dgm:cxn modelId="{0A460A37-8B57-394F-BD3E-21B1C4009900}" srcId="{AEFDA71F-0163-4378-B9B1-248E0325FB12}" destId="{44B2D338-27ED-6E48-B8F5-91285AFE0E0D}" srcOrd="2" destOrd="0" parTransId="{B18C5C5E-6B26-654A-9661-9520EBD96556}" sibTransId="{8068AC80-2582-6045-9138-B65ECC696D76}"/>
-    <dgm:cxn modelId="{E680DA47-627F-CC47-B281-41EC8DB05E73}" srcId="{AEFDA71F-0163-4378-B9B1-248E0325FB12}" destId="{DAFCE89B-15C3-0541-A7C3-A03734D9AA2B}" srcOrd="5" destOrd="0" parTransId="{AC1C849B-8E5F-CF4C-9973-6E8AB05E9F6E}" sibTransId="{34E5F3E5-5722-6347-BF1D-BF2F16ECE8D2}"/>
-    <dgm:cxn modelId="{40DF9F83-37EE-0A47-A380-3807F8478A4A}" type="presOf" srcId="{01249915-9D02-744F-B0CA-518027B06F39}" destId="{B10AEBEC-BCFE-EA40-93AB-D4A7C46A30F6}" srcOrd="0" destOrd="0" presId="urn:microsoft.com/office/officeart/2005/8/layout/vProcess5"/>
-    <dgm:cxn modelId="{FC851285-BEC5-724E-B960-764FE09D62CD}" type="presOf" srcId="{3237DA42-D2E6-BB46-AE38-85AA315C37CC}" destId="{99BEBA6A-7590-4648-BBB5-249DB66BED28}" srcOrd="0" destOrd="0" presId="urn:microsoft.com/office/officeart/2005/8/layout/vProcess5"/>
-    <dgm:cxn modelId="{6234928C-E328-1048-839E-08808A4826DC}" type="presOf" srcId="{DB95EF4D-D65D-8E4E-B918-FFA0B2A80B72}" destId="{A97678A5-C789-5549-8E23-80234A067C37}" srcOrd="1" destOrd="0" presId="urn:microsoft.com/office/officeart/2005/8/layout/vProcess5"/>
-    <dgm:cxn modelId="{485C0D9B-C30E-EC40-B7DA-2C3F888774D3}" type="presOf" srcId="{44B2D338-27ED-6E48-B8F5-91285AFE0E0D}" destId="{7E22034E-F2BF-2843-B474-228AE7328AA9}" srcOrd="0" destOrd="0" presId="urn:microsoft.com/office/officeart/2005/8/layout/vProcess5"/>
-    <dgm:cxn modelId="{ED968AA5-8B01-E140-9B19-95EB9A2DB724}" type="presOf" srcId="{5D1C53DB-6BC1-F14A-BF2D-502C89781C04}" destId="{AA35AB83-E200-D34F-B068-A50CC9614969}" srcOrd="0" destOrd="0" presId="urn:microsoft.com/office/officeart/2005/8/layout/vProcess5"/>
-    <dgm:cxn modelId="{2E0614B5-684C-4C43-880E-50202CFE3609}" type="presOf" srcId="{34B3B087-ABCE-4D92-B820-00EDC0B202AC}" destId="{0BCE861B-2FF1-E04A-A1BE-5B0DBC934993}" srcOrd="0" destOrd="0" presId="urn:microsoft.com/office/officeart/2005/8/layout/vProcess5"/>
-    <dgm:cxn modelId="{ED7267BE-3C36-6349-A968-BE12C2E80E1B}" type="presOf" srcId="{DB95EF4D-D65D-8E4E-B918-FFA0B2A80B72}" destId="{C7A495B4-7FE3-CE49-95F1-60FC42E16927}" srcOrd="0" destOrd="0" presId="urn:microsoft.com/office/officeart/2005/8/layout/vProcess5"/>
+    <dgm:cxn modelId="{7B3CF93B-D361-2F44-A83E-03EFE5E2672A}" type="presOf" srcId="{5D1C53DB-6BC1-F14A-BF2D-502C89781C04}" destId="{6DF8D41F-2822-FD4E-ABDA-94569376EC46}" srcOrd="0" destOrd="0" presId="urn:microsoft.com/office/officeart/2005/8/layout/hierarchy1"/>
+    <dgm:cxn modelId="{9FBC535A-DA6F-E34E-8D42-02489D4281D7}" type="presOf" srcId="{44B2D338-27ED-6E48-B8F5-91285AFE0E0D}" destId="{93A87613-3691-B145-BB06-BB9F81E6A96D}" srcOrd="0" destOrd="0" presId="urn:microsoft.com/office/officeart/2005/8/layout/hierarchy1"/>
+    <dgm:cxn modelId="{8128B68B-6FEE-3B43-B7F4-9FB7B5BC0E19}" type="presOf" srcId="{3AC3736C-FAF3-444F-B58C-19042A82B981}" destId="{184204BC-D4AB-F74D-9C84-635D36689146}" srcOrd="0" destOrd="0" presId="urn:microsoft.com/office/officeart/2005/8/layout/hierarchy1"/>
+    <dgm:cxn modelId="{300B5DAD-6021-1746-B658-D203BB2A72EE}" srcId="{AEFDA71F-0163-4378-B9B1-248E0325FB12}" destId="{8996DB53-A7A3-FC41-9902-E5E687BC08C7}" srcOrd="4" destOrd="0" parTransId="{72124C82-F988-5E42-8FA1-D748A2AA9099}" sibTransId="{0C84679F-D78B-E944-A599-E3E8B24CB086}"/>
+    <dgm:cxn modelId="{AEDBB0C2-48EC-1A4A-8358-66452F75D984}" type="presOf" srcId="{8996DB53-A7A3-FC41-9902-E5E687BC08C7}" destId="{D6562687-DAB0-284A-A639-A07B267170B8}" srcOrd="0" destOrd="0" presId="urn:microsoft.com/office/officeart/2005/8/layout/hierarchy1"/>
+    <dgm:cxn modelId="{331B08CE-E5F0-604F-99BF-6443825CBD73}" type="presOf" srcId="{AEFDA71F-0163-4378-B9B1-248E0325FB12}" destId="{A9798C16-CC93-A742-9227-6F66F446A80F}" srcOrd="0" destOrd="0" presId="urn:microsoft.com/office/officeart/2005/8/layout/hierarchy1"/>
     <dgm:cxn modelId="{BA57EFD5-57CA-4942-A681-6F98C2C0BAAB}" srcId="{AEFDA71F-0163-4378-B9B1-248E0325FB12}" destId="{3AC3736C-FAF3-444F-B58C-19042A82B981}" srcOrd="0" destOrd="0" parTransId="{E111B57D-48DB-DE44-90D8-81C1029AF272}" sibTransId="{01249915-9D02-744F-B0CA-518027B06F39}"/>
-    <dgm:cxn modelId="{660221F1-2910-DD4C-8EC0-1A70B56A27F3}" type="presOf" srcId="{3AC3736C-FAF3-444F-B58C-19042A82B981}" destId="{4DF6D93E-A2DF-AD47-A99F-FA3CFAB40101}" srcOrd="1" destOrd="0" presId="urn:microsoft.com/office/officeart/2005/8/layout/vProcess5"/>
     <dgm:cxn modelId="{712611F6-6A6C-194F-990F-92D1E3208908}" srcId="{AEFDA71F-0163-4378-B9B1-248E0325FB12}" destId="{5D1C53DB-6BC1-F14A-BF2D-502C89781C04}" srcOrd="1" destOrd="0" parTransId="{F4BEE5E7-5419-284E-B637-0188DBCD1A27}" sibTransId="{3237DA42-D2E6-BB46-AE38-85AA315C37CC}"/>
-    <dgm:cxn modelId="{001158F7-3789-0A48-96F9-FFDDD183AACE}" type="presOf" srcId="{AEFDA71F-0163-4378-B9B1-248E0325FB12}" destId="{B8907B23-35C0-FD43-95F3-FBE2225ACE75}" srcOrd="0" destOrd="0" presId="urn:microsoft.com/office/officeart/2005/8/layout/vProcess5"/>
-    <dgm:cxn modelId="{6A4DBAFD-4976-457D-92CD-743517BF3792}" srcId="{AEFDA71F-0163-4378-B9B1-248E0325FB12}" destId="{34B3B087-ABCE-4D92-B820-00EDC0B202AC}" srcOrd="4" destOrd="0" parTransId="{119B34E9-F0DB-42C7-923E-760BB2DDD384}" sibTransId="{9B00AA4C-E443-4A1B-982E-C1A03398B8B7}"/>
-    <dgm:cxn modelId="{CCCFF659-1771-274A-99AE-1E3235F93CDA}" type="presParOf" srcId="{B8907B23-35C0-FD43-95F3-FBE2225ACE75}" destId="{B0056023-149F-1A41-9D38-2C84C1159526}" srcOrd="0" destOrd="0" presId="urn:microsoft.com/office/officeart/2005/8/layout/vProcess5"/>
-    <dgm:cxn modelId="{C14D7CFC-EFE8-7141-B89C-D08BC7517D4D}" type="presParOf" srcId="{B8907B23-35C0-FD43-95F3-FBE2225ACE75}" destId="{69FECABC-9AD8-5E41-B81E-36991D65D3CF}" srcOrd="1" destOrd="0" presId="urn:microsoft.com/office/officeart/2005/8/layout/vProcess5"/>
-    <dgm:cxn modelId="{AB759814-24FF-EF49-A373-1833890B667D}" type="presParOf" srcId="{B8907B23-35C0-FD43-95F3-FBE2225ACE75}" destId="{AA35AB83-E200-D34F-B068-A50CC9614969}" srcOrd="2" destOrd="0" presId="urn:microsoft.com/office/officeart/2005/8/layout/vProcess5"/>
-    <dgm:cxn modelId="{E24F0706-2E43-1148-BFA4-52154715636D}" type="presParOf" srcId="{B8907B23-35C0-FD43-95F3-FBE2225ACE75}" destId="{7E22034E-F2BF-2843-B474-228AE7328AA9}" srcOrd="3" destOrd="0" presId="urn:microsoft.com/office/officeart/2005/8/layout/vProcess5"/>
-    <dgm:cxn modelId="{709F7E16-CB9A-A449-80E4-9B8A74110F62}" type="presParOf" srcId="{B8907B23-35C0-FD43-95F3-FBE2225ACE75}" destId="{C7A495B4-7FE3-CE49-95F1-60FC42E16927}" srcOrd="4" destOrd="0" presId="urn:microsoft.com/office/officeart/2005/8/layout/vProcess5"/>
-    <dgm:cxn modelId="{AFE9C023-F6E6-954F-9B9B-674148715C8B}" type="presParOf" srcId="{B8907B23-35C0-FD43-95F3-FBE2225ACE75}" destId="{0BCE861B-2FF1-E04A-A1BE-5B0DBC934993}" srcOrd="5" destOrd="0" presId="urn:microsoft.com/office/officeart/2005/8/layout/vProcess5"/>
-    <dgm:cxn modelId="{D8902986-A4EA-A640-A9AB-77664166263A}" type="presParOf" srcId="{B8907B23-35C0-FD43-95F3-FBE2225ACE75}" destId="{B10AEBEC-BCFE-EA40-93AB-D4A7C46A30F6}" srcOrd="6" destOrd="0" presId="urn:microsoft.com/office/officeart/2005/8/layout/vProcess5"/>
-    <dgm:cxn modelId="{F97360A4-F0BF-5842-A437-A9029CDA78EB}" type="presParOf" srcId="{B8907B23-35C0-FD43-95F3-FBE2225ACE75}" destId="{99BEBA6A-7590-4648-BBB5-249DB66BED28}" srcOrd="7" destOrd="0" presId="urn:microsoft.com/office/officeart/2005/8/layout/vProcess5"/>
-    <dgm:cxn modelId="{961DB672-6DD1-FB4E-99E4-4133EC1C7635}" type="presParOf" srcId="{B8907B23-35C0-FD43-95F3-FBE2225ACE75}" destId="{10097E75-E169-2E44-AE31-8669BEDF194B}" srcOrd="8" destOrd="0" presId="urn:microsoft.com/office/officeart/2005/8/layout/vProcess5"/>
-    <dgm:cxn modelId="{5930C02B-D112-8F42-B353-09EA811ECA0E}" type="presParOf" srcId="{B8907B23-35C0-FD43-95F3-FBE2225ACE75}" destId="{049B1779-43CE-824B-8D00-BB972C4152F5}" srcOrd="9" destOrd="0" presId="urn:microsoft.com/office/officeart/2005/8/layout/vProcess5"/>
-    <dgm:cxn modelId="{19F0DE73-7501-A34E-8C9A-A7C5A5536F63}" type="presParOf" srcId="{B8907B23-35C0-FD43-95F3-FBE2225ACE75}" destId="{4DF6D93E-A2DF-AD47-A99F-FA3CFAB40101}" srcOrd="10" destOrd="0" presId="urn:microsoft.com/office/officeart/2005/8/layout/vProcess5"/>
-    <dgm:cxn modelId="{A35A96B5-9DD3-5544-8D63-2EFC8BC9AECA}" type="presParOf" srcId="{B8907B23-35C0-FD43-95F3-FBE2225ACE75}" destId="{77F40323-923E-2747-AD04-4F5A3684DBD9}" srcOrd="11" destOrd="0" presId="urn:microsoft.com/office/officeart/2005/8/layout/vProcess5"/>
-    <dgm:cxn modelId="{42952019-3B4C-F342-9956-E61D322CC13F}" type="presParOf" srcId="{B8907B23-35C0-FD43-95F3-FBE2225ACE75}" destId="{DB0BB96B-FCC6-5F4A-8152-B4F5CB89BA4F}" srcOrd="12" destOrd="0" presId="urn:microsoft.com/office/officeart/2005/8/layout/vProcess5"/>
-    <dgm:cxn modelId="{60FF205D-F205-1643-A5C2-BC63CCBD879D}" type="presParOf" srcId="{B8907B23-35C0-FD43-95F3-FBE2225ACE75}" destId="{A97678A5-C789-5549-8E23-80234A067C37}" srcOrd="13" destOrd="0" presId="urn:microsoft.com/office/officeart/2005/8/layout/vProcess5"/>
-    <dgm:cxn modelId="{89671652-0311-8745-8D35-DE048C5DDDCE}" type="presParOf" srcId="{B8907B23-35C0-FD43-95F3-FBE2225ACE75}" destId="{5D431374-37A0-2449-8E4E-2DF73ADACB01}" srcOrd="14" destOrd="0" presId="urn:microsoft.com/office/officeart/2005/8/layout/vProcess5"/>
+    <dgm:cxn modelId="{7C3C26FF-E907-EA4B-B06B-47393759FB82}" type="presOf" srcId="{DB95EF4D-D65D-8E4E-B918-FFA0B2A80B72}" destId="{16E7E428-D111-A443-BC88-22C0EE804168}" srcOrd="0" destOrd="0" presId="urn:microsoft.com/office/officeart/2005/8/layout/hierarchy1"/>
+    <dgm:cxn modelId="{06FE5206-1E40-0B49-BA07-EBBC08B346C5}" type="presParOf" srcId="{A9798C16-CC93-A742-9227-6F66F446A80F}" destId="{BB949DD9-8B3A-CA4D-BB35-C23560508678}" srcOrd="0" destOrd="0" presId="urn:microsoft.com/office/officeart/2005/8/layout/hierarchy1"/>
+    <dgm:cxn modelId="{4D5BB4EF-2806-EE49-8429-8D21FEBADED4}" type="presParOf" srcId="{BB949DD9-8B3A-CA4D-BB35-C23560508678}" destId="{8A327C76-064C-444C-92AE-295935E54236}" srcOrd="0" destOrd="0" presId="urn:microsoft.com/office/officeart/2005/8/layout/hierarchy1"/>
+    <dgm:cxn modelId="{518519F7-9F3E-FC49-A4E8-2430C9FAA55A}" type="presParOf" srcId="{8A327C76-064C-444C-92AE-295935E54236}" destId="{71057369-3000-5F4F-BA3F-FBCE26C879C3}" srcOrd="0" destOrd="0" presId="urn:microsoft.com/office/officeart/2005/8/layout/hierarchy1"/>
+    <dgm:cxn modelId="{51C010BC-96A1-BB43-8639-2A10D39E91B5}" type="presParOf" srcId="{8A327C76-064C-444C-92AE-295935E54236}" destId="{184204BC-D4AB-F74D-9C84-635D36689146}" srcOrd="1" destOrd="0" presId="urn:microsoft.com/office/officeart/2005/8/layout/hierarchy1"/>
+    <dgm:cxn modelId="{D4A1E8F2-625C-FE46-9715-55F97DEADB50}" type="presParOf" srcId="{BB949DD9-8B3A-CA4D-BB35-C23560508678}" destId="{2CAE7424-636B-9A47-818C-54973D52D19D}" srcOrd="1" destOrd="0" presId="urn:microsoft.com/office/officeart/2005/8/layout/hierarchy1"/>
+    <dgm:cxn modelId="{836C699F-B9DB-7A46-8B89-C067CBEAEEF2}" type="presParOf" srcId="{A9798C16-CC93-A742-9227-6F66F446A80F}" destId="{48696C17-4BAA-E742-BB54-5650B3561176}" srcOrd="1" destOrd="0" presId="urn:microsoft.com/office/officeart/2005/8/layout/hierarchy1"/>
+    <dgm:cxn modelId="{8E7186E1-BA84-0648-B065-5FCD2D234814}" type="presParOf" srcId="{48696C17-4BAA-E742-BB54-5650B3561176}" destId="{DAE5DD01-A0F3-6747-82F8-A11CE72DD3CE}" srcOrd="0" destOrd="0" presId="urn:microsoft.com/office/officeart/2005/8/layout/hierarchy1"/>
+    <dgm:cxn modelId="{3E834CEB-84CE-9A42-A691-6CFE2FC08994}" type="presParOf" srcId="{DAE5DD01-A0F3-6747-82F8-A11CE72DD3CE}" destId="{88071CE9-FB8C-A248-8C50-A91FD6F41A16}" srcOrd="0" destOrd="0" presId="urn:microsoft.com/office/officeart/2005/8/layout/hierarchy1"/>
+    <dgm:cxn modelId="{D9B3F96E-E770-1045-86F1-0DFF8981F9AB}" type="presParOf" srcId="{DAE5DD01-A0F3-6747-82F8-A11CE72DD3CE}" destId="{6DF8D41F-2822-FD4E-ABDA-94569376EC46}" srcOrd="1" destOrd="0" presId="urn:microsoft.com/office/officeart/2005/8/layout/hierarchy1"/>
+    <dgm:cxn modelId="{E97740DF-0E57-C340-B2C2-B400DA602A6F}" type="presParOf" srcId="{48696C17-4BAA-E742-BB54-5650B3561176}" destId="{3D6A126F-B2F0-974D-8668-6E3584836C3B}" srcOrd="1" destOrd="0" presId="urn:microsoft.com/office/officeart/2005/8/layout/hierarchy1"/>
+    <dgm:cxn modelId="{4C481D6A-E257-2344-922B-047A43BFC46E}" type="presParOf" srcId="{A9798C16-CC93-A742-9227-6F66F446A80F}" destId="{4DDD543C-9E42-7B46-B5E9-D9A099E04A9D}" srcOrd="2" destOrd="0" presId="urn:microsoft.com/office/officeart/2005/8/layout/hierarchy1"/>
+    <dgm:cxn modelId="{F711E3BF-8C42-B94A-99CD-6AFA9091898D}" type="presParOf" srcId="{4DDD543C-9E42-7B46-B5E9-D9A099E04A9D}" destId="{D3E960AB-4394-7244-85DA-86A4FA25C701}" srcOrd="0" destOrd="0" presId="urn:microsoft.com/office/officeart/2005/8/layout/hierarchy1"/>
+    <dgm:cxn modelId="{1E329067-88B1-F347-997B-1291ECBA18FA}" type="presParOf" srcId="{D3E960AB-4394-7244-85DA-86A4FA25C701}" destId="{12AB831F-68FE-6D44-98F5-CE9B5A1CAB49}" srcOrd="0" destOrd="0" presId="urn:microsoft.com/office/officeart/2005/8/layout/hierarchy1"/>
+    <dgm:cxn modelId="{9C9371BB-CEDB-704E-8670-959A64555858}" type="presParOf" srcId="{D3E960AB-4394-7244-85DA-86A4FA25C701}" destId="{93A87613-3691-B145-BB06-BB9F81E6A96D}" srcOrd="1" destOrd="0" presId="urn:microsoft.com/office/officeart/2005/8/layout/hierarchy1"/>
+    <dgm:cxn modelId="{419A377D-EFFB-914C-AA8A-24CC00EEED12}" type="presParOf" srcId="{4DDD543C-9E42-7B46-B5E9-D9A099E04A9D}" destId="{0C96C3D9-C92E-6045-94F9-B429B77AC391}" srcOrd="1" destOrd="0" presId="urn:microsoft.com/office/officeart/2005/8/layout/hierarchy1"/>
+    <dgm:cxn modelId="{3522D6D6-5461-EA43-96D1-82D2621DBDEA}" type="presParOf" srcId="{A9798C16-CC93-A742-9227-6F66F446A80F}" destId="{3AB81734-91BD-E240-AE85-C07F30E5DD62}" srcOrd="3" destOrd="0" presId="urn:microsoft.com/office/officeart/2005/8/layout/hierarchy1"/>
+    <dgm:cxn modelId="{1C2B1D58-D047-D042-A64E-653923FE6E78}" type="presParOf" srcId="{3AB81734-91BD-E240-AE85-C07F30E5DD62}" destId="{92BBD724-B357-764E-B995-F3F1DAE06D13}" srcOrd="0" destOrd="0" presId="urn:microsoft.com/office/officeart/2005/8/layout/hierarchy1"/>
+    <dgm:cxn modelId="{D6FAC0CE-F3EB-7340-9AD9-40CA4AECD607}" type="presParOf" srcId="{92BBD724-B357-764E-B995-F3F1DAE06D13}" destId="{E7717C18-68E3-6442-935C-1DEAD736B148}" srcOrd="0" destOrd="0" presId="urn:microsoft.com/office/officeart/2005/8/layout/hierarchy1"/>
+    <dgm:cxn modelId="{3CD5381D-DCA0-C745-81EC-2B2CADCBAFDA}" type="presParOf" srcId="{92BBD724-B357-764E-B995-F3F1DAE06D13}" destId="{16E7E428-D111-A443-BC88-22C0EE804168}" srcOrd="1" destOrd="0" presId="urn:microsoft.com/office/officeart/2005/8/layout/hierarchy1"/>
+    <dgm:cxn modelId="{710B6E78-3C48-5349-8FF0-E5E9429ACD95}" type="presParOf" srcId="{3AB81734-91BD-E240-AE85-C07F30E5DD62}" destId="{F6360520-BF96-3841-9684-72A74D2BE07A}" srcOrd="1" destOrd="0" presId="urn:microsoft.com/office/officeart/2005/8/layout/hierarchy1"/>
+    <dgm:cxn modelId="{36A313FB-A5EC-A440-8D1F-CB890CE84BA2}" type="presParOf" srcId="{A9798C16-CC93-A742-9227-6F66F446A80F}" destId="{9FCAB685-4065-7940-9793-28BE777C3622}" srcOrd="4" destOrd="0" presId="urn:microsoft.com/office/officeart/2005/8/layout/hierarchy1"/>
+    <dgm:cxn modelId="{ACD780A7-EEC7-B64C-96B8-C7F3B4EDAE3A}" type="presParOf" srcId="{9FCAB685-4065-7940-9793-28BE777C3622}" destId="{3557BF37-ADC5-E94F-AE08-503FC1CE5852}" srcOrd="0" destOrd="0" presId="urn:microsoft.com/office/officeart/2005/8/layout/hierarchy1"/>
+    <dgm:cxn modelId="{3F1F12EE-F95B-484A-B88C-A0BF78E6E58F}" type="presParOf" srcId="{3557BF37-ADC5-E94F-AE08-503FC1CE5852}" destId="{D0D092E4-DC85-AA48-9889-F4EDB38F7E65}" srcOrd="0" destOrd="0" presId="urn:microsoft.com/office/officeart/2005/8/layout/hierarchy1"/>
+    <dgm:cxn modelId="{BE045C7B-D4DC-3247-8947-BEA84579D60F}" type="presParOf" srcId="{3557BF37-ADC5-E94F-AE08-503FC1CE5852}" destId="{D6562687-DAB0-284A-A639-A07B267170B8}" srcOrd="1" destOrd="0" presId="urn:microsoft.com/office/officeart/2005/8/layout/hierarchy1"/>
+    <dgm:cxn modelId="{73B397E7-F033-DD4A-B0DA-AAB4FDD46991}" type="presParOf" srcId="{9FCAB685-4065-7940-9793-28BE777C3622}" destId="{C8D8EEE4-AC6A-D943-90F1-FE5A0080E73E}" srcOrd="1" destOrd="0" presId="urn:microsoft.com/office/officeart/2005/8/layout/hierarchy1"/>
   </dgm:cxnLst>
   <dgm:bg/>
   <dgm:whole/>
@@ -1457,78 +1279,113 @@
       <dsp:cNvGrpSpPr/>
     </dsp:nvGrpSpPr>
     <dsp:grpSpPr/>
-    <dsp:sp modelId="{69FECABC-9AD8-5E41-B81E-36991D65D3CF}">
+    <dsp:sp modelId="{71057369-3000-5F4F-BA3F-FBCE26C879C3}">
       <dsp:nvSpPr>
         <dsp:cNvPr id="0" name=""/>
         <dsp:cNvSpPr/>
       </dsp:nvSpPr>
       <dsp:spPr>
         <a:xfrm>
-          <a:off x="0" y="0"/>
-          <a:ext cx="4655522" cy="829055"/>
+          <a:off x="3385" y="1082807"/>
+          <a:ext cx="1649871" cy="1047668"/>
         </a:xfrm>
         <a:prstGeom prst="roundRect">
           <a:avLst>
             <a:gd name="adj" fmla="val 10000"/>
           </a:avLst>
         </a:prstGeom>
-        <a:gradFill rotWithShape="0">
-          <a:gsLst>
-            <a:gs pos="0">
-              <a:schemeClr val="accent2">
-                <a:hueOff val="0"/>
-                <a:satOff val="0"/>
-                <a:lumOff val="0"/>
-                <a:alphaOff val="0"/>
-                <a:tint val="96000"/>
-                <a:lumMod val="104000"/>
-              </a:schemeClr>
-            </a:gs>
-            <a:gs pos="100000">
-              <a:schemeClr val="accent2">
-                <a:hueOff val="0"/>
-                <a:satOff val="0"/>
-                <a:lumOff val="0"/>
-                <a:alphaOff val="0"/>
-                <a:shade val="84000"/>
-                <a:lumMod val="84000"/>
-              </a:schemeClr>
-            </a:gs>
-          </a:gsLst>
-          <a:lin ang="5400000" scaled="0"/>
-        </a:gradFill>
-        <a:ln>
-          <a:noFill/>
+        <a:solidFill>
+          <a:schemeClr val="dk2">
+            <a:hueOff val="0"/>
+            <a:satOff val="0"/>
+            <a:lumOff val="0"/>
+            <a:alphaOff val="0"/>
+          </a:schemeClr>
+        </a:solidFill>
+        <a:ln w="19050" cap="rnd" cmpd="sng" algn="ctr">
+          <a:solidFill>
+            <a:schemeClr val="lt2">
+              <a:hueOff val="0"/>
+              <a:satOff val="0"/>
+              <a:lumOff val="0"/>
+              <a:alphaOff val="0"/>
+            </a:schemeClr>
+          </a:solidFill>
+          <a:prstDash val="solid"/>
         </a:ln>
-        <a:effectLst>
-          <a:innerShdw blurRad="50800" dist="25400" dir="13500000">
-            <a:srgbClr val="000000">
-              <a:alpha val="55000"/>
-            </a:srgbClr>
-          </a:innerShdw>
-        </a:effectLst>
+        <a:effectLst/>
       </dsp:spPr>
       <dsp:style>
-        <a:lnRef idx="0">
+        <a:lnRef idx="2">
           <a:scrgbClr r="0" g="0" b="0"/>
         </a:lnRef>
-        <a:fillRef idx="3">
+        <a:fillRef idx="1">
           <a:scrgbClr r="0" g="0" b="0"/>
         </a:fillRef>
-        <a:effectRef idx="2">
+        <a:effectRef idx="0">
           <a:scrgbClr r="0" g="0" b="0"/>
         </a:effectRef>
         <a:fontRef idx="minor">
           <a:schemeClr val="lt1"/>
         </a:fontRef>
       </dsp:style>
+    </dsp:sp>
+    <dsp:sp modelId="{184204BC-D4AB-F74D-9C84-635D36689146}">
+      <dsp:nvSpPr>
+        <dsp:cNvPr id="0" name=""/>
+        <dsp:cNvSpPr/>
+      </dsp:nvSpPr>
+      <dsp:spPr>
+        <a:xfrm>
+          <a:off x="186704" y="1256960"/>
+          <a:ext cx="1649871" cy="1047668"/>
+        </a:xfrm>
+        <a:prstGeom prst="roundRect">
+          <a:avLst>
+            <a:gd name="adj" fmla="val 10000"/>
+          </a:avLst>
+        </a:prstGeom>
+        <a:solidFill>
+          <a:schemeClr val="lt2">
+            <a:alpha val="90000"/>
+            <a:hueOff val="0"/>
+            <a:satOff val="0"/>
+            <a:lumOff val="0"/>
+            <a:alphaOff val="0"/>
+          </a:schemeClr>
+        </a:solidFill>
+        <a:ln w="19050" cap="rnd" cmpd="sng" algn="ctr">
+          <a:solidFill>
+            <a:schemeClr val="dk2">
+              <a:hueOff val="0"/>
+              <a:satOff val="0"/>
+              <a:lumOff val="0"/>
+              <a:alphaOff val="0"/>
+            </a:schemeClr>
+          </a:solidFill>
+          <a:prstDash val="solid"/>
+        </a:ln>
+        <a:effectLst/>
+      </dsp:spPr>
+      <dsp:style>
+        <a:lnRef idx="2">
+          <a:scrgbClr r="0" g="0" b="0"/>
+        </a:lnRef>
+        <a:fillRef idx="1">
+          <a:scrgbClr r="0" g="0" b="0"/>
+        </a:fillRef>
+        <a:effectRef idx="0">
+          <a:scrgbClr r="0" g="0" b="0"/>
+        </a:effectRef>
+        <a:fontRef idx="minor"/>
+      </dsp:style>
       <dsp:txBody>
-        <a:bodyPr spcFirstLastPara="0" vert="horz" wrap="square" lIns="137160" tIns="137160" rIns="137160" bIns="137160" numCol="1" spcCol="1270" anchor="ctr" anchorCtr="0">
+        <a:bodyPr spcFirstLastPara="0" vert="horz" wrap="square" lIns="87630" tIns="87630" rIns="87630" bIns="87630" numCol="1" spcCol="1270" anchor="ctr" anchorCtr="0">
           <a:noAutofit/>
         </a:bodyPr>
         <a:lstStyle/>
         <a:p>
-          <a:pPr marL="0" lvl="0" indent="0" algn="l" defTabSz="1600200">
+          <a:pPr marL="0" lvl="0" indent="0" algn="ctr" defTabSz="1022350">
             <a:lnSpc>
               <a:spcPct val="90000"/>
             </a:lnSpc>
@@ -1541,93 +1398,128 @@
             <a:buNone/>
           </a:pPr>
           <a:r>
-            <a:rPr lang="en-US" sz="3600" kern="1200" dirty="0"/>
+            <a:rPr lang="en-US" sz="2300" kern="1200" dirty="0"/>
             <a:t>Antes e </a:t>
           </a:r>
           <a:r>
-            <a:rPr lang="en-US" sz="3600" kern="1200" dirty="0" err="1"/>
+            <a:rPr lang="en-US" sz="2300" kern="1200" dirty="0" err="1"/>
             <a:t>Depois</a:t>
           </a:r>
-          <a:endParaRPr lang="en-US" sz="3600" kern="1200" dirty="0"/>
+          <a:endParaRPr lang="en-US" sz="2300" kern="1200" dirty="0"/>
         </a:p>
       </dsp:txBody>
       <dsp:txXfrm>
-        <a:off x="24282" y="24282"/>
-        <a:ext cx="3663907" cy="780491"/>
+        <a:off x="217389" y="1287645"/>
+        <a:ext cx="1588501" cy="986298"/>
       </dsp:txXfrm>
     </dsp:sp>
-    <dsp:sp modelId="{AA35AB83-E200-D34F-B068-A50CC9614969}">
+    <dsp:sp modelId="{88071CE9-FB8C-A248-8C50-A91FD6F41A16}">
       <dsp:nvSpPr>
         <dsp:cNvPr id="0" name=""/>
         <dsp:cNvSpPr/>
       </dsp:nvSpPr>
       <dsp:spPr>
         <a:xfrm>
-          <a:off x="347652" y="944202"/>
-          <a:ext cx="4655522" cy="829055"/>
+          <a:off x="2019895" y="1082807"/>
+          <a:ext cx="1649871" cy="1047668"/>
         </a:xfrm>
         <a:prstGeom prst="roundRect">
           <a:avLst>
             <a:gd name="adj" fmla="val 10000"/>
           </a:avLst>
         </a:prstGeom>
-        <a:gradFill rotWithShape="0">
-          <a:gsLst>
-            <a:gs pos="0">
-              <a:schemeClr val="accent3">
-                <a:hueOff val="0"/>
-                <a:satOff val="0"/>
-                <a:lumOff val="0"/>
-                <a:alphaOff val="0"/>
-                <a:tint val="96000"/>
-                <a:lumMod val="104000"/>
-              </a:schemeClr>
-            </a:gs>
-            <a:gs pos="100000">
-              <a:schemeClr val="accent3">
-                <a:hueOff val="0"/>
-                <a:satOff val="0"/>
-                <a:lumOff val="0"/>
-                <a:alphaOff val="0"/>
-                <a:shade val="84000"/>
-                <a:lumMod val="84000"/>
-              </a:schemeClr>
-            </a:gs>
-          </a:gsLst>
-          <a:lin ang="5400000" scaled="0"/>
-        </a:gradFill>
-        <a:ln>
-          <a:noFill/>
+        <a:solidFill>
+          <a:schemeClr val="dk2">
+            <a:hueOff val="0"/>
+            <a:satOff val="0"/>
+            <a:lumOff val="0"/>
+            <a:alphaOff val="0"/>
+          </a:schemeClr>
+        </a:solidFill>
+        <a:ln w="19050" cap="rnd" cmpd="sng" algn="ctr">
+          <a:solidFill>
+            <a:schemeClr val="lt2">
+              <a:hueOff val="0"/>
+              <a:satOff val="0"/>
+              <a:lumOff val="0"/>
+              <a:alphaOff val="0"/>
+            </a:schemeClr>
+          </a:solidFill>
+          <a:prstDash val="solid"/>
         </a:ln>
-        <a:effectLst>
-          <a:innerShdw blurRad="50800" dist="25400" dir="13500000">
-            <a:srgbClr val="000000">
-              <a:alpha val="55000"/>
-            </a:srgbClr>
-          </a:innerShdw>
-        </a:effectLst>
+        <a:effectLst/>
       </dsp:spPr>
       <dsp:style>
-        <a:lnRef idx="0">
+        <a:lnRef idx="2">
           <a:scrgbClr r="0" g="0" b="0"/>
         </a:lnRef>
-        <a:fillRef idx="3">
+        <a:fillRef idx="1">
           <a:scrgbClr r="0" g="0" b="0"/>
         </a:fillRef>
-        <a:effectRef idx="2">
+        <a:effectRef idx="0">
           <a:scrgbClr r="0" g="0" b="0"/>
         </a:effectRef>
         <a:fontRef idx="minor">
           <a:schemeClr val="lt1"/>
         </a:fontRef>
       </dsp:style>
+    </dsp:sp>
+    <dsp:sp modelId="{6DF8D41F-2822-FD4E-ABDA-94569376EC46}">
+      <dsp:nvSpPr>
+        <dsp:cNvPr id="0" name=""/>
+        <dsp:cNvSpPr/>
+      </dsp:nvSpPr>
+      <dsp:spPr>
+        <a:xfrm>
+          <a:off x="2203214" y="1256960"/>
+          <a:ext cx="1649871" cy="1047668"/>
+        </a:xfrm>
+        <a:prstGeom prst="roundRect">
+          <a:avLst>
+            <a:gd name="adj" fmla="val 10000"/>
+          </a:avLst>
+        </a:prstGeom>
+        <a:solidFill>
+          <a:schemeClr val="lt2">
+            <a:alpha val="90000"/>
+            <a:hueOff val="0"/>
+            <a:satOff val="0"/>
+            <a:lumOff val="0"/>
+            <a:alphaOff val="0"/>
+          </a:schemeClr>
+        </a:solidFill>
+        <a:ln w="19050" cap="rnd" cmpd="sng" algn="ctr">
+          <a:solidFill>
+            <a:schemeClr val="dk2">
+              <a:hueOff val="0"/>
+              <a:satOff val="0"/>
+              <a:lumOff val="0"/>
+              <a:alphaOff val="0"/>
+            </a:schemeClr>
+          </a:solidFill>
+          <a:prstDash val="solid"/>
+        </a:ln>
+        <a:effectLst/>
+      </dsp:spPr>
+      <dsp:style>
+        <a:lnRef idx="2">
+          <a:scrgbClr r="0" g="0" b="0"/>
+        </a:lnRef>
+        <a:fillRef idx="1">
+          <a:scrgbClr r="0" g="0" b="0"/>
+        </a:fillRef>
+        <a:effectRef idx="0">
+          <a:scrgbClr r="0" g="0" b="0"/>
+        </a:effectRef>
+        <a:fontRef idx="minor"/>
+      </dsp:style>
       <dsp:txBody>
-        <a:bodyPr spcFirstLastPara="0" vert="horz" wrap="square" lIns="137160" tIns="137160" rIns="137160" bIns="137160" numCol="1" spcCol="1270" anchor="ctr" anchorCtr="0">
+        <a:bodyPr spcFirstLastPara="0" vert="horz" wrap="square" lIns="87630" tIns="87630" rIns="87630" bIns="87630" numCol="1" spcCol="1270" anchor="ctr" anchorCtr="0">
           <a:noAutofit/>
         </a:bodyPr>
         <a:lstStyle/>
         <a:p>
-          <a:pPr marL="0" lvl="0" indent="0" algn="l" defTabSz="1600200">
+          <a:pPr marL="0" lvl="0" indent="0" algn="ctr" defTabSz="1022350">
             <a:lnSpc>
               <a:spcPct val="90000"/>
             </a:lnSpc>
@@ -1640,93 +1532,128 @@
             <a:buNone/>
           </a:pPr>
           <a:r>
-            <a:rPr lang="en-US" sz="3600" kern="1200" dirty="0"/>
+            <a:rPr lang="en-US" sz="2300" kern="1200" dirty="0"/>
             <a:t>Pré-</a:t>
           </a:r>
           <a:r>
-            <a:rPr lang="en-US" sz="3600" kern="1200" dirty="0" err="1"/>
+            <a:rPr lang="en-US" sz="2300" kern="1200" dirty="0" err="1"/>
             <a:t>Requisitos</a:t>
           </a:r>
-          <a:endParaRPr lang="en-US" sz="3600" kern="1200" dirty="0"/>
+          <a:endParaRPr lang="en-US" sz="2300" kern="1200" dirty="0"/>
         </a:p>
       </dsp:txBody>
       <dsp:txXfrm>
-        <a:off x="371934" y="968484"/>
-        <a:ext cx="3720419" cy="780491"/>
+        <a:off x="2233899" y="1287645"/>
+        <a:ext cx="1588501" cy="986298"/>
       </dsp:txXfrm>
     </dsp:sp>
-    <dsp:sp modelId="{7E22034E-F2BF-2843-B474-228AE7328AA9}">
+    <dsp:sp modelId="{12AB831F-68FE-6D44-98F5-CE9B5A1CAB49}">
       <dsp:nvSpPr>
         <dsp:cNvPr id="0" name=""/>
         <dsp:cNvSpPr/>
       </dsp:nvSpPr>
       <dsp:spPr>
         <a:xfrm>
-          <a:off x="695305" y="1888405"/>
-          <a:ext cx="4655522" cy="829055"/>
+          <a:off x="4036404" y="1082807"/>
+          <a:ext cx="1649871" cy="1047668"/>
         </a:xfrm>
         <a:prstGeom prst="roundRect">
           <a:avLst>
             <a:gd name="adj" fmla="val 10000"/>
           </a:avLst>
         </a:prstGeom>
-        <a:gradFill rotWithShape="0">
-          <a:gsLst>
-            <a:gs pos="0">
-              <a:schemeClr val="accent4">
-                <a:hueOff val="0"/>
-                <a:satOff val="0"/>
-                <a:lumOff val="0"/>
-                <a:alphaOff val="0"/>
-                <a:tint val="96000"/>
-                <a:lumMod val="104000"/>
-              </a:schemeClr>
-            </a:gs>
-            <a:gs pos="100000">
-              <a:schemeClr val="accent4">
-                <a:hueOff val="0"/>
-                <a:satOff val="0"/>
-                <a:lumOff val="0"/>
-                <a:alphaOff val="0"/>
-                <a:shade val="84000"/>
-                <a:lumMod val="84000"/>
-              </a:schemeClr>
-            </a:gs>
-          </a:gsLst>
-          <a:lin ang="5400000" scaled="0"/>
-        </a:gradFill>
-        <a:ln>
-          <a:noFill/>
+        <a:solidFill>
+          <a:schemeClr val="dk2">
+            <a:hueOff val="0"/>
+            <a:satOff val="0"/>
+            <a:lumOff val="0"/>
+            <a:alphaOff val="0"/>
+          </a:schemeClr>
+        </a:solidFill>
+        <a:ln w="19050" cap="rnd" cmpd="sng" algn="ctr">
+          <a:solidFill>
+            <a:schemeClr val="lt2">
+              <a:hueOff val="0"/>
+              <a:satOff val="0"/>
+              <a:lumOff val="0"/>
+              <a:alphaOff val="0"/>
+            </a:schemeClr>
+          </a:solidFill>
+          <a:prstDash val="solid"/>
         </a:ln>
-        <a:effectLst>
-          <a:innerShdw blurRad="50800" dist="25400" dir="13500000">
-            <a:srgbClr val="000000">
-              <a:alpha val="55000"/>
-            </a:srgbClr>
-          </a:innerShdw>
-        </a:effectLst>
+        <a:effectLst/>
       </dsp:spPr>
       <dsp:style>
-        <a:lnRef idx="0">
+        <a:lnRef idx="2">
           <a:scrgbClr r="0" g="0" b="0"/>
         </a:lnRef>
-        <a:fillRef idx="3">
+        <a:fillRef idx="1">
           <a:scrgbClr r="0" g="0" b="0"/>
         </a:fillRef>
-        <a:effectRef idx="2">
+        <a:effectRef idx="0">
           <a:scrgbClr r="0" g="0" b="0"/>
         </a:effectRef>
         <a:fontRef idx="minor">
           <a:schemeClr val="lt1"/>
         </a:fontRef>
       </dsp:style>
+    </dsp:sp>
+    <dsp:sp modelId="{93A87613-3691-B145-BB06-BB9F81E6A96D}">
+      <dsp:nvSpPr>
+        <dsp:cNvPr id="0" name=""/>
+        <dsp:cNvSpPr/>
+      </dsp:nvSpPr>
+      <dsp:spPr>
+        <a:xfrm>
+          <a:off x="4219723" y="1256960"/>
+          <a:ext cx="1649871" cy="1047668"/>
+        </a:xfrm>
+        <a:prstGeom prst="roundRect">
+          <a:avLst>
+            <a:gd name="adj" fmla="val 10000"/>
+          </a:avLst>
+        </a:prstGeom>
+        <a:solidFill>
+          <a:schemeClr val="lt2">
+            <a:alpha val="90000"/>
+            <a:hueOff val="0"/>
+            <a:satOff val="0"/>
+            <a:lumOff val="0"/>
+            <a:alphaOff val="0"/>
+          </a:schemeClr>
+        </a:solidFill>
+        <a:ln w="19050" cap="rnd" cmpd="sng" algn="ctr">
+          <a:solidFill>
+            <a:schemeClr val="dk2">
+              <a:hueOff val="0"/>
+              <a:satOff val="0"/>
+              <a:lumOff val="0"/>
+              <a:alphaOff val="0"/>
+            </a:schemeClr>
+          </a:solidFill>
+          <a:prstDash val="solid"/>
+        </a:ln>
+        <a:effectLst/>
+      </dsp:spPr>
+      <dsp:style>
+        <a:lnRef idx="2">
+          <a:scrgbClr r="0" g="0" b="0"/>
+        </a:lnRef>
+        <a:fillRef idx="1">
+          <a:scrgbClr r="0" g="0" b="0"/>
+        </a:fillRef>
+        <a:effectRef idx="0">
+          <a:scrgbClr r="0" g="0" b="0"/>
+        </a:effectRef>
+        <a:fontRef idx="minor"/>
+      </dsp:style>
       <dsp:txBody>
-        <a:bodyPr spcFirstLastPara="0" vert="horz" wrap="square" lIns="137160" tIns="137160" rIns="137160" bIns="137160" numCol="1" spcCol="1270" anchor="ctr" anchorCtr="0">
+        <a:bodyPr spcFirstLastPara="0" vert="horz" wrap="square" lIns="87630" tIns="87630" rIns="87630" bIns="87630" numCol="1" spcCol="1270" anchor="ctr" anchorCtr="0">
           <a:noAutofit/>
         </a:bodyPr>
         <a:lstStyle/>
         <a:p>
-          <a:pPr marL="0" lvl="0" indent="0" algn="l" defTabSz="1600200">
+          <a:pPr marL="0" lvl="0" indent="0" algn="ctr" defTabSz="1022350">
             <a:lnSpc>
               <a:spcPct val="90000"/>
             </a:lnSpc>
@@ -1739,92 +1666,127 @@
             <a:buNone/>
           </a:pPr>
           <a:r>
-            <a:rPr lang="en-US" sz="3600" kern="1200" dirty="0" err="1"/>
+            <a:rPr lang="en-US" sz="2300" kern="1200" dirty="0" err="1"/>
             <a:t>Agentes</a:t>
           </a:r>
           <a:r>
-            <a:rPr lang="en-US" sz="3600" kern="1200" dirty="0"/>
+            <a:rPr lang="en-US" sz="2300" kern="1200" dirty="0"/>
             <a:t> de IA</a:t>
           </a:r>
         </a:p>
       </dsp:txBody>
       <dsp:txXfrm>
-        <a:off x="719587" y="1912687"/>
-        <a:ext cx="3720419" cy="780491"/>
+        <a:off x="4250408" y="1287645"/>
+        <a:ext cx="1588501" cy="986298"/>
       </dsp:txXfrm>
     </dsp:sp>
-    <dsp:sp modelId="{C7A495B4-7FE3-CE49-95F1-60FC42E16927}">
+    <dsp:sp modelId="{E7717C18-68E3-6442-935C-1DEAD736B148}">
       <dsp:nvSpPr>
         <dsp:cNvPr id="0" name=""/>
         <dsp:cNvSpPr/>
       </dsp:nvSpPr>
       <dsp:spPr>
         <a:xfrm>
-          <a:off x="1042957" y="2832607"/>
-          <a:ext cx="4655522" cy="829055"/>
+          <a:off x="6052914" y="1082807"/>
+          <a:ext cx="1649871" cy="1047668"/>
         </a:xfrm>
         <a:prstGeom prst="roundRect">
           <a:avLst>
             <a:gd name="adj" fmla="val 10000"/>
           </a:avLst>
         </a:prstGeom>
-        <a:gradFill rotWithShape="0">
-          <a:gsLst>
-            <a:gs pos="0">
-              <a:schemeClr val="accent5">
-                <a:hueOff val="0"/>
-                <a:satOff val="0"/>
-                <a:lumOff val="0"/>
-                <a:alphaOff val="0"/>
-                <a:tint val="96000"/>
-                <a:lumMod val="104000"/>
-              </a:schemeClr>
-            </a:gs>
-            <a:gs pos="100000">
-              <a:schemeClr val="accent5">
-                <a:hueOff val="0"/>
-                <a:satOff val="0"/>
-                <a:lumOff val="0"/>
-                <a:alphaOff val="0"/>
-                <a:shade val="84000"/>
-                <a:lumMod val="84000"/>
-              </a:schemeClr>
-            </a:gs>
-          </a:gsLst>
-          <a:lin ang="5400000" scaled="0"/>
-        </a:gradFill>
-        <a:ln>
-          <a:noFill/>
+        <a:solidFill>
+          <a:schemeClr val="dk2">
+            <a:hueOff val="0"/>
+            <a:satOff val="0"/>
+            <a:lumOff val="0"/>
+            <a:alphaOff val="0"/>
+          </a:schemeClr>
+        </a:solidFill>
+        <a:ln w="19050" cap="rnd" cmpd="sng" algn="ctr">
+          <a:solidFill>
+            <a:schemeClr val="lt2">
+              <a:hueOff val="0"/>
+              <a:satOff val="0"/>
+              <a:lumOff val="0"/>
+              <a:alphaOff val="0"/>
+            </a:schemeClr>
+          </a:solidFill>
+          <a:prstDash val="solid"/>
         </a:ln>
-        <a:effectLst>
-          <a:innerShdw blurRad="50800" dist="25400" dir="13500000">
-            <a:srgbClr val="000000">
-              <a:alpha val="55000"/>
-            </a:srgbClr>
-          </a:innerShdw>
-        </a:effectLst>
+        <a:effectLst/>
       </dsp:spPr>
       <dsp:style>
-        <a:lnRef idx="0">
+        <a:lnRef idx="2">
           <a:scrgbClr r="0" g="0" b="0"/>
         </a:lnRef>
-        <a:fillRef idx="3">
+        <a:fillRef idx="1">
           <a:scrgbClr r="0" g="0" b="0"/>
         </a:fillRef>
-        <a:effectRef idx="2">
+        <a:effectRef idx="0">
           <a:scrgbClr r="0" g="0" b="0"/>
         </a:effectRef>
         <a:fontRef idx="minor">
           <a:schemeClr val="lt1"/>
         </a:fontRef>
       </dsp:style>
+    </dsp:sp>
+    <dsp:sp modelId="{16E7E428-D111-A443-BC88-22C0EE804168}">
+      <dsp:nvSpPr>
+        <dsp:cNvPr id="0" name=""/>
+        <dsp:cNvSpPr/>
+      </dsp:nvSpPr>
+      <dsp:spPr>
+        <a:xfrm>
+          <a:off x="6236233" y="1256960"/>
+          <a:ext cx="1649871" cy="1047668"/>
+        </a:xfrm>
+        <a:prstGeom prst="roundRect">
+          <a:avLst>
+            <a:gd name="adj" fmla="val 10000"/>
+          </a:avLst>
+        </a:prstGeom>
+        <a:solidFill>
+          <a:schemeClr val="lt2">
+            <a:alpha val="90000"/>
+            <a:hueOff val="0"/>
+            <a:satOff val="0"/>
+            <a:lumOff val="0"/>
+            <a:alphaOff val="0"/>
+          </a:schemeClr>
+        </a:solidFill>
+        <a:ln w="19050" cap="rnd" cmpd="sng" algn="ctr">
+          <a:solidFill>
+            <a:schemeClr val="dk2">
+              <a:hueOff val="0"/>
+              <a:satOff val="0"/>
+              <a:lumOff val="0"/>
+              <a:alphaOff val="0"/>
+            </a:schemeClr>
+          </a:solidFill>
+          <a:prstDash val="solid"/>
+        </a:ln>
+        <a:effectLst/>
+      </dsp:spPr>
+      <dsp:style>
+        <a:lnRef idx="2">
+          <a:scrgbClr r="0" g="0" b="0"/>
+        </a:lnRef>
+        <a:fillRef idx="1">
+          <a:scrgbClr r="0" g="0" b="0"/>
+        </a:fillRef>
+        <a:effectRef idx="0">
+          <a:scrgbClr r="0" g="0" b="0"/>
+        </a:effectRef>
+        <a:fontRef idx="minor"/>
+      </dsp:style>
       <dsp:txBody>
-        <a:bodyPr spcFirstLastPara="0" vert="horz" wrap="square" lIns="137160" tIns="137160" rIns="137160" bIns="137160" numCol="1" spcCol="1270" anchor="ctr" anchorCtr="0">
+        <a:bodyPr spcFirstLastPara="0" vert="horz" wrap="square" lIns="87630" tIns="87630" rIns="87630" bIns="87630" numCol="1" spcCol="1270" anchor="ctr" anchorCtr="0">
           <a:noAutofit/>
         </a:bodyPr>
         <a:lstStyle/>
         <a:p>
-          <a:pPr marL="0" lvl="0" indent="0" algn="l" defTabSz="1600200">
+          <a:pPr marL="0" lvl="0" indent="0" algn="ctr" defTabSz="1022350">
             <a:lnSpc>
               <a:spcPct val="90000"/>
             </a:lnSpc>
@@ -1837,88 +1799,123 @@
             <a:buNone/>
           </a:pPr>
           <a:r>
-            <a:rPr lang="en-US" sz="3600" kern="1200" dirty="0"/>
+            <a:rPr lang="en-US" sz="2300" kern="1200" dirty="0"/>
             <a:t>RAG</a:t>
           </a:r>
         </a:p>
       </dsp:txBody>
       <dsp:txXfrm>
-        <a:off x="1067239" y="2856889"/>
-        <a:ext cx="3720419" cy="780491"/>
+        <a:off x="6266918" y="1287645"/>
+        <a:ext cx="1588501" cy="986298"/>
       </dsp:txXfrm>
     </dsp:sp>
-    <dsp:sp modelId="{0BCE861B-2FF1-E04A-A1BE-5B0DBC934993}">
+    <dsp:sp modelId="{D0D092E4-DC85-AA48-9889-F4EDB38F7E65}">
       <dsp:nvSpPr>
         <dsp:cNvPr id="0" name=""/>
         <dsp:cNvSpPr/>
       </dsp:nvSpPr>
       <dsp:spPr>
         <a:xfrm>
-          <a:off x="1390610" y="3776810"/>
-          <a:ext cx="4655522" cy="829055"/>
+          <a:off x="8069423" y="1082807"/>
+          <a:ext cx="1649871" cy="1047668"/>
         </a:xfrm>
         <a:prstGeom prst="roundRect">
           <a:avLst>
             <a:gd name="adj" fmla="val 10000"/>
           </a:avLst>
         </a:prstGeom>
-        <a:gradFill rotWithShape="0">
-          <a:gsLst>
-            <a:gs pos="0">
-              <a:schemeClr val="accent6">
-                <a:hueOff val="0"/>
-                <a:satOff val="0"/>
-                <a:lumOff val="0"/>
-                <a:alphaOff val="0"/>
-                <a:tint val="96000"/>
-                <a:lumMod val="104000"/>
-              </a:schemeClr>
-            </a:gs>
-            <a:gs pos="100000">
-              <a:schemeClr val="accent6">
-                <a:hueOff val="0"/>
-                <a:satOff val="0"/>
-                <a:lumOff val="0"/>
-                <a:alphaOff val="0"/>
-                <a:shade val="84000"/>
-                <a:lumMod val="84000"/>
-              </a:schemeClr>
-            </a:gs>
-          </a:gsLst>
-          <a:lin ang="5400000" scaled="0"/>
-        </a:gradFill>
-        <a:ln>
-          <a:noFill/>
+        <a:solidFill>
+          <a:schemeClr val="dk2">
+            <a:hueOff val="0"/>
+            <a:satOff val="0"/>
+            <a:lumOff val="0"/>
+            <a:alphaOff val="0"/>
+          </a:schemeClr>
+        </a:solidFill>
+        <a:ln w="19050" cap="rnd" cmpd="sng" algn="ctr">
+          <a:solidFill>
+            <a:schemeClr val="lt2">
+              <a:hueOff val="0"/>
+              <a:satOff val="0"/>
+              <a:lumOff val="0"/>
+              <a:alphaOff val="0"/>
+            </a:schemeClr>
+          </a:solidFill>
+          <a:prstDash val="solid"/>
         </a:ln>
-        <a:effectLst>
-          <a:innerShdw blurRad="50800" dist="25400" dir="13500000">
-            <a:srgbClr val="000000">
-              <a:alpha val="55000"/>
-            </a:srgbClr>
-          </a:innerShdw>
-        </a:effectLst>
+        <a:effectLst/>
       </dsp:spPr>
       <dsp:style>
-        <a:lnRef idx="0">
+        <a:lnRef idx="2">
           <a:scrgbClr r="0" g="0" b="0"/>
         </a:lnRef>
-        <a:fillRef idx="3">
+        <a:fillRef idx="1">
           <a:scrgbClr r="0" g="0" b="0"/>
         </a:fillRef>
-        <a:effectRef idx="2">
+        <a:effectRef idx="0">
           <a:scrgbClr r="0" g="0" b="0"/>
         </a:effectRef>
         <a:fontRef idx="minor">
           <a:schemeClr val="lt1"/>
         </a:fontRef>
       </dsp:style>
+    </dsp:sp>
+    <dsp:sp modelId="{D6562687-DAB0-284A-A639-A07B267170B8}">
+      <dsp:nvSpPr>
+        <dsp:cNvPr id="0" name=""/>
+        <dsp:cNvSpPr/>
+      </dsp:nvSpPr>
+      <dsp:spPr>
+        <a:xfrm>
+          <a:off x="8252742" y="1256960"/>
+          <a:ext cx="1649871" cy="1047668"/>
+        </a:xfrm>
+        <a:prstGeom prst="roundRect">
+          <a:avLst>
+            <a:gd name="adj" fmla="val 10000"/>
+          </a:avLst>
+        </a:prstGeom>
+        <a:solidFill>
+          <a:schemeClr val="lt2">
+            <a:alpha val="90000"/>
+            <a:hueOff val="0"/>
+            <a:satOff val="0"/>
+            <a:lumOff val="0"/>
+            <a:alphaOff val="0"/>
+          </a:schemeClr>
+        </a:solidFill>
+        <a:ln w="19050" cap="rnd" cmpd="sng" algn="ctr">
+          <a:solidFill>
+            <a:schemeClr val="dk2">
+              <a:hueOff val="0"/>
+              <a:satOff val="0"/>
+              <a:lumOff val="0"/>
+              <a:alphaOff val="0"/>
+            </a:schemeClr>
+          </a:solidFill>
+          <a:prstDash val="solid"/>
+        </a:ln>
+        <a:effectLst/>
+      </dsp:spPr>
+      <dsp:style>
+        <a:lnRef idx="2">
+          <a:scrgbClr r="0" g="0" b="0"/>
+        </a:lnRef>
+        <a:fillRef idx="1">
+          <a:scrgbClr r="0" g="0" b="0"/>
+        </a:fillRef>
+        <a:effectRef idx="0">
+          <a:scrgbClr r="0" g="0" b="0"/>
+        </a:effectRef>
+        <a:fontRef idx="minor"/>
+      </dsp:style>
       <dsp:txBody>
-        <a:bodyPr spcFirstLastPara="0" vert="horz" wrap="square" lIns="137160" tIns="137160" rIns="137160" bIns="137160" numCol="1" spcCol="1270" anchor="ctr" anchorCtr="0">
+        <a:bodyPr spcFirstLastPara="0" vert="horz" wrap="square" lIns="87630" tIns="87630" rIns="87630" bIns="87630" numCol="1" spcCol="1270" anchor="ctr" anchorCtr="0">
           <a:noAutofit/>
         </a:bodyPr>
         <a:lstStyle/>
         <a:p>
-          <a:pPr marL="0" lvl="0" indent="0" algn="l" defTabSz="1600200">
+          <a:pPr marL="0" lvl="0" indent="0" algn="ctr" defTabSz="1022350">
             <a:lnSpc>
               <a:spcPct val="90000"/>
             </a:lnSpc>
@@ -1931,330 +1928,14 @@
             <a:buNone/>
           </a:pPr>
           <a:r>
-            <a:rPr lang="en-US" sz="3600" kern="1200" dirty="0"/>
-            <a:t>N8N</a:t>
+            <a:rPr lang="en-US" sz="2300" kern="1200" dirty="0"/>
+            <a:t>CASE</a:t>
           </a:r>
         </a:p>
       </dsp:txBody>
       <dsp:txXfrm>
-        <a:off x="1414892" y="3801092"/>
-        <a:ext cx="3720419" cy="780491"/>
-      </dsp:txXfrm>
-    </dsp:sp>
-    <dsp:sp modelId="{B10AEBEC-BCFE-EA40-93AB-D4A7C46A30F6}">
-      <dsp:nvSpPr>
-        <dsp:cNvPr id="0" name=""/>
-        <dsp:cNvSpPr/>
-      </dsp:nvSpPr>
-      <dsp:spPr>
-        <a:xfrm>
-          <a:off x="4116636" y="605671"/>
-          <a:ext cx="538886" cy="538886"/>
-        </a:xfrm>
-        <a:prstGeom prst="downArrow">
-          <a:avLst>
-            <a:gd name="adj1" fmla="val 55000"/>
-            <a:gd name="adj2" fmla="val 45000"/>
-          </a:avLst>
-        </a:prstGeom>
-        <a:solidFill>
-          <a:schemeClr val="accent2">
-            <a:tint val="40000"/>
-            <a:alpha val="90000"/>
-            <a:hueOff val="0"/>
-            <a:satOff val="0"/>
-            <a:lumOff val="0"/>
-            <a:alphaOff val="0"/>
-          </a:schemeClr>
-        </a:solidFill>
-        <a:ln w="9525" cap="rnd" cmpd="sng" algn="ctr">
-          <a:solidFill>
-            <a:schemeClr val="accent2">
-              <a:tint val="40000"/>
-              <a:alpha val="90000"/>
-              <a:hueOff val="0"/>
-              <a:satOff val="0"/>
-              <a:lumOff val="0"/>
-              <a:alphaOff val="0"/>
-            </a:schemeClr>
-          </a:solidFill>
-          <a:prstDash val="solid"/>
-        </a:ln>
-        <a:effectLst/>
-      </dsp:spPr>
-      <dsp:style>
-        <a:lnRef idx="1">
-          <a:scrgbClr r="0" g="0" b="0"/>
-        </a:lnRef>
-        <a:fillRef idx="1">
-          <a:scrgbClr r="0" g="0" b="0"/>
-        </a:fillRef>
-        <a:effectRef idx="0">
-          <a:scrgbClr r="0" g="0" b="0"/>
-        </a:effectRef>
-        <a:fontRef idx="minor"/>
-      </dsp:style>
-      <dsp:txBody>
-        <a:bodyPr spcFirstLastPara="0" vert="horz" wrap="square" lIns="30480" tIns="30480" rIns="30480" bIns="30480" numCol="1" spcCol="1270" anchor="ctr" anchorCtr="0">
-          <a:noAutofit/>
-        </a:bodyPr>
-        <a:lstStyle/>
-        <a:p>
-          <a:pPr marL="0" lvl="0" indent="0" algn="ctr" defTabSz="1066800">
-            <a:lnSpc>
-              <a:spcPct val="90000"/>
-            </a:lnSpc>
-            <a:spcBef>
-              <a:spcPct val="0"/>
-            </a:spcBef>
-            <a:spcAft>
-              <a:spcPct val="35000"/>
-            </a:spcAft>
-            <a:buNone/>
-          </a:pPr>
-          <a:endParaRPr lang="pt-BR" sz="2400" kern="1200"/>
-        </a:p>
-      </dsp:txBody>
-      <dsp:txXfrm>
-        <a:off x="4237885" y="605671"/>
-        <a:ext cx="296388" cy="405512"/>
-      </dsp:txXfrm>
-    </dsp:sp>
-    <dsp:sp modelId="{99BEBA6A-7590-4648-BBB5-249DB66BED28}">
-      <dsp:nvSpPr>
-        <dsp:cNvPr id="0" name=""/>
-        <dsp:cNvSpPr/>
-      </dsp:nvSpPr>
-      <dsp:spPr>
-        <a:xfrm>
-          <a:off x="4464288" y="1549873"/>
-          <a:ext cx="538886" cy="538886"/>
-        </a:xfrm>
-        <a:prstGeom prst="downArrow">
-          <a:avLst>
-            <a:gd name="adj1" fmla="val 55000"/>
-            <a:gd name="adj2" fmla="val 45000"/>
-          </a:avLst>
-        </a:prstGeom>
-        <a:solidFill>
-          <a:schemeClr val="accent3">
-            <a:tint val="40000"/>
-            <a:alpha val="90000"/>
-            <a:hueOff val="0"/>
-            <a:satOff val="0"/>
-            <a:lumOff val="0"/>
-            <a:alphaOff val="0"/>
-          </a:schemeClr>
-        </a:solidFill>
-        <a:ln w="9525" cap="rnd" cmpd="sng" algn="ctr">
-          <a:solidFill>
-            <a:schemeClr val="accent3">
-              <a:tint val="40000"/>
-              <a:alpha val="90000"/>
-              <a:hueOff val="0"/>
-              <a:satOff val="0"/>
-              <a:lumOff val="0"/>
-              <a:alphaOff val="0"/>
-            </a:schemeClr>
-          </a:solidFill>
-          <a:prstDash val="solid"/>
-        </a:ln>
-        <a:effectLst/>
-      </dsp:spPr>
-      <dsp:style>
-        <a:lnRef idx="1">
-          <a:scrgbClr r="0" g="0" b="0"/>
-        </a:lnRef>
-        <a:fillRef idx="1">
-          <a:scrgbClr r="0" g="0" b="0"/>
-        </a:fillRef>
-        <a:effectRef idx="0">
-          <a:scrgbClr r="0" g="0" b="0"/>
-        </a:effectRef>
-        <a:fontRef idx="minor"/>
-      </dsp:style>
-      <dsp:txBody>
-        <a:bodyPr spcFirstLastPara="0" vert="horz" wrap="square" lIns="30480" tIns="30480" rIns="30480" bIns="30480" numCol="1" spcCol="1270" anchor="ctr" anchorCtr="0">
-          <a:noAutofit/>
-        </a:bodyPr>
-        <a:lstStyle/>
-        <a:p>
-          <a:pPr marL="0" lvl="0" indent="0" algn="ctr" defTabSz="1066800">
-            <a:lnSpc>
-              <a:spcPct val="90000"/>
-            </a:lnSpc>
-            <a:spcBef>
-              <a:spcPct val="0"/>
-            </a:spcBef>
-            <a:spcAft>
-              <a:spcPct val="35000"/>
-            </a:spcAft>
-            <a:buNone/>
-          </a:pPr>
-          <a:endParaRPr lang="pt-BR" sz="2400" kern="1200"/>
-        </a:p>
-      </dsp:txBody>
-      <dsp:txXfrm>
-        <a:off x="4585537" y="1549873"/>
-        <a:ext cx="296388" cy="405512"/>
-      </dsp:txXfrm>
-    </dsp:sp>
-    <dsp:sp modelId="{10097E75-E169-2E44-AE31-8669BEDF194B}">
-      <dsp:nvSpPr>
-        <dsp:cNvPr id="0" name=""/>
-        <dsp:cNvSpPr/>
-      </dsp:nvSpPr>
-      <dsp:spPr>
-        <a:xfrm>
-          <a:off x="4811941" y="2480258"/>
-          <a:ext cx="538886" cy="538886"/>
-        </a:xfrm>
-        <a:prstGeom prst="downArrow">
-          <a:avLst>
-            <a:gd name="adj1" fmla="val 55000"/>
-            <a:gd name="adj2" fmla="val 45000"/>
-          </a:avLst>
-        </a:prstGeom>
-        <a:solidFill>
-          <a:schemeClr val="accent4">
-            <a:tint val="40000"/>
-            <a:alpha val="90000"/>
-            <a:hueOff val="0"/>
-            <a:satOff val="0"/>
-            <a:lumOff val="0"/>
-            <a:alphaOff val="0"/>
-          </a:schemeClr>
-        </a:solidFill>
-        <a:ln w="9525" cap="rnd" cmpd="sng" algn="ctr">
-          <a:solidFill>
-            <a:schemeClr val="accent4">
-              <a:tint val="40000"/>
-              <a:alpha val="90000"/>
-              <a:hueOff val="0"/>
-              <a:satOff val="0"/>
-              <a:lumOff val="0"/>
-              <a:alphaOff val="0"/>
-            </a:schemeClr>
-          </a:solidFill>
-          <a:prstDash val="solid"/>
-        </a:ln>
-        <a:effectLst/>
-      </dsp:spPr>
-      <dsp:style>
-        <a:lnRef idx="1">
-          <a:scrgbClr r="0" g="0" b="0"/>
-        </a:lnRef>
-        <a:fillRef idx="1">
-          <a:scrgbClr r="0" g="0" b="0"/>
-        </a:fillRef>
-        <a:effectRef idx="0">
-          <a:scrgbClr r="0" g="0" b="0"/>
-        </a:effectRef>
-        <a:fontRef idx="minor"/>
-      </dsp:style>
-      <dsp:txBody>
-        <a:bodyPr spcFirstLastPara="0" vert="horz" wrap="square" lIns="30480" tIns="30480" rIns="30480" bIns="30480" numCol="1" spcCol="1270" anchor="ctr" anchorCtr="0">
-          <a:noAutofit/>
-        </a:bodyPr>
-        <a:lstStyle/>
-        <a:p>
-          <a:pPr marL="0" lvl="0" indent="0" algn="ctr" defTabSz="1066800">
-            <a:lnSpc>
-              <a:spcPct val="90000"/>
-            </a:lnSpc>
-            <a:spcBef>
-              <a:spcPct val="0"/>
-            </a:spcBef>
-            <a:spcAft>
-              <a:spcPct val="35000"/>
-            </a:spcAft>
-            <a:buNone/>
-          </a:pPr>
-          <a:endParaRPr lang="pt-BR" sz="2400" kern="1200"/>
-        </a:p>
-      </dsp:txBody>
-      <dsp:txXfrm>
-        <a:off x="4933190" y="2480258"/>
-        <a:ext cx="296388" cy="405512"/>
-      </dsp:txXfrm>
-    </dsp:sp>
-    <dsp:sp modelId="{049B1779-43CE-824B-8D00-BB972C4152F5}">
-      <dsp:nvSpPr>
-        <dsp:cNvPr id="0" name=""/>
-        <dsp:cNvSpPr/>
-      </dsp:nvSpPr>
-      <dsp:spPr>
-        <a:xfrm>
-          <a:off x="5159594" y="3433673"/>
-          <a:ext cx="538886" cy="538886"/>
-        </a:xfrm>
-        <a:prstGeom prst="downArrow">
-          <a:avLst>
-            <a:gd name="adj1" fmla="val 55000"/>
-            <a:gd name="adj2" fmla="val 45000"/>
-          </a:avLst>
-        </a:prstGeom>
-        <a:solidFill>
-          <a:schemeClr val="accent5">
-            <a:tint val="40000"/>
-            <a:alpha val="90000"/>
-            <a:hueOff val="0"/>
-            <a:satOff val="0"/>
-            <a:lumOff val="0"/>
-            <a:alphaOff val="0"/>
-          </a:schemeClr>
-        </a:solidFill>
-        <a:ln w="9525" cap="rnd" cmpd="sng" algn="ctr">
-          <a:solidFill>
-            <a:schemeClr val="accent5">
-              <a:tint val="40000"/>
-              <a:alpha val="90000"/>
-              <a:hueOff val="0"/>
-              <a:satOff val="0"/>
-              <a:lumOff val="0"/>
-              <a:alphaOff val="0"/>
-            </a:schemeClr>
-          </a:solidFill>
-          <a:prstDash val="solid"/>
-        </a:ln>
-        <a:effectLst/>
-      </dsp:spPr>
-      <dsp:style>
-        <a:lnRef idx="1">
-          <a:scrgbClr r="0" g="0" b="0"/>
-        </a:lnRef>
-        <a:fillRef idx="1">
-          <a:scrgbClr r="0" g="0" b="0"/>
-        </a:fillRef>
-        <a:effectRef idx="0">
-          <a:scrgbClr r="0" g="0" b="0"/>
-        </a:effectRef>
-        <a:fontRef idx="minor"/>
-      </dsp:style>
-      <dsp:txBody>
-        <a:bodyPr spcFirstLastPara="0" vert="horz" wrap="square" lIns="30480" tIns="30480" rIns="30480" bIns="30480" numCol="1" spcCol="1270" anchor="ctr" anchorCtr="0">
-          <a:noAutofit/>
-        </a:bodyPr>
-        <a:lstStyle/>
-        <a:p>
-          <a:pPr marL="0" lvl="0" indent="0" algn="ctr" defTabSz="1066800">
-            <a:lnSpc>
-              <a:spcPct val="90000"/>
-            </a:lnSpc>
-            <a:spcBef>
-              <a:spcPct val="0"/>
-            </a:spcBef>
-            <a:spcAft>
-              <a:spcPct val="35000"/>
-            </a:spcAft>
-            <a:buNone/>
-          </a:pPr>
-          <a:endParaRPr lang="pt-BR" sz="2400" kern="1200"/>
-        </a:p>
-      </dsp:txBody>
-      <dsp:txXfrm>
-        <a:off x="5280843" y="3433673"/>
-        <a:ext cx="296388" cy="405512"/>
+        <a:off x="8283427" y="1287645"/>
+        <a:ext cx="1588501" cy="986298"/>
       </dsp:txXfrm>
     </dsp:sp>
   </dsp:spTree>
@@ -2262,11 +1943,11 @@
 </file>
 
 <file path=ppt/diagrams/layout1.xml><?xml version="1.0" encoding="utf-8"?>
-<dgm:layoutDef xmlns:dgm="http://schemas.openxmlformats.org/drawingml/2006/diagram" xmlns:a="http://schemas.openxmlformats.org/drawingml/2006/main" uniqueId="urn:microsoft.com/office/officeart/2005/8/layout/vProcess5">
+<dgm:layoutDef xmlns:dgm="http://schemas.openxmlformats.org/drawingml/2006/diagram" xmlns:a="http://schemas.openxmlformats.org/drawingml/2006/main" uniqueId="urn:microsoft.com/office/officeart/2005/8/layout/hierarchy1">
   <dgm:title val=""/>
   <dgm:desc val=""/>
   <dgm:catLst>
-    <dgm:cat type="process" pri="14000"/>
+    <dgm:cat type="hierarchy" pri="2000"/>
   </dgm:catLst>
   <dgm:sampData>
     <dgm:dataModel>
@@ -2278,14 +1959,26 @@
         <dgm:pt modelId="2">
           <dgm:prSet phldr="1"/>
         </dgm:pt>
+        <dgm:pt modelId="21">
+          <dgm:prSet phldr="1"/>
+        </dgm:pt>
+        <dgm:pt modelId="22">
+          <dgm:prSet phldr="1"/>
+        </dgm:pt>
         <dgm:pt modelId="3">
+          <dgm:prSet phldr="1"/>
+        </dgm:pt>
+        <dgm:pt modelId="31">
           <dgm:prSet phldr="1"/>
         </dgm:pt>
       </dgm:ptLst>
       <dgm:cxnLst>
-        <dgm:cxn modelId="5" srcId="0" destId="1" srcOrd="0" destOrd="0"/>
-        <dgm:cxn modelId="6" srcId="0" destId="2" srcOrd="1" destOrd="0"/>
-        <dgm:cxn modelId="7" srcId="0" destId="3" srcOrd="2" destOrd="0"/>
+        <dgm:cxn modelId="4" srcId="0" destId="1" srcOrd="0" destOrd="0"/>
+        <dgm:cxn modelId="5" srcId="1" destId="2" srcOrd="0" destOrd="0"/>
+        <dgm:cxn modelId="6" srcId="1" destId="3" srcOrd="1" destOrd="0"/>
+        <dgm:cxn modelId="23" srcId="2" destId="21" srcOrd="0" destOrd="0"/>
+        <dgm:cxn modelId="24" srcId="2" destId="22" srcOrd="1" destOrd="0"/>
+        <dgm:cxn modelId="33" srcId="3" destId="31" srcOrd="0" destOrd="0"/>
       </dgm:cxnLst>
       <dgm:bg/>
       <dgm:whole/>
@@ -2296,11 +1989,13 @@
       <dgm:ptLst>
         <dgm:pt modelId="0" type="doc"/>
         <dgm:pt modelId="1"/>
-        <dgm:pt modelId="2"/>
+        <dgm:pt modelId="11"/>
+        <dgm:pt modelId="12"/>
       </dgm:ptLst>
       <dgm:cxnLst>
-        <dgm:cxn modelId="3" srcId="0" destId="1" srcOrd="0" destOrd="0"/>
-        <dgm:cxn modelId="4" srcId="0" destId="2" srcOrd="1" destOrd="0"/>
+        <dgm:cxn modelId="2" srcId="0" destId="1" srcOrd="0" destOrd="0"/>
+        <dgm:cxn modelId="13" srcId="1" destId="11" srcOrd="0" destOrd="0"/>
+        <dgm:cxn modelId="14" srcId="1" destId="12" srcOrd="1" destOrd="0"/>
       </dgm:cxnLst>
       <dgm:bg/>
       <dgm:whole/>
@@ -2312,1187 +2007,510 @@
         <dgm:pt modelId="0" type="doc"/>
         <dgm:pt modelId="1"/>
         <dgm:pt modelId="2"/>
+        <dgm:pt modelId="21"/>
+        <dgm:pt modelId="211"/>
         <dgm:pt modelId="3"/>
-        <dgm:pt modelId="4"/>
+        <dgm:pt modelId="31"/>
+        <dgm:pt modelId="311"/>
       </dgm:ptLst>
       <dgm:cxnLst>
-        <dgm:cxn modelId="6" srcId="0" destId="1" srcOrd="0" destOrd="0"/>
-        <dgm:cxn modelId="7" srcId="0" destId="2" srcOrd="1" destOrd="0"/>
-        <dgm:cxn modelId="8" srcId="0" destId="3" srcOrd="2" destOrd="0"/>
-        <dgm:cxn modelId="9" srcId="0" destId="4" srcOrd="3" destOrd="0"/>
+        <dgm:cxn modelId="4" srcId="0" destId="1" srcOrd="0" destOrd="0"/>
+        <dgm:cxn modelId="5" srcId="1" destId="2" srcOrd="0" destOrd="0"/>
+        <dgm:cxn modelId="6" srcId="1" destId="3" srcOrd="1" destOrd="0"/>
+        <dgm:cxn modelId="23" srcId="2" destId="21" srcOrd="0" destOrd="0"/>
+        <dgm:cxn modelId="24" srcId="21" destId="211" srcOrd="0" destOrd="0"/>
+        <dgm:cxn modelId="33" srcId="3" destId="31" srcOrd="0" destOrd="0"/>
+        <dgm:cxn modelId="34" srcId="31" destId="311" srcOrd="0" destOrd="0"/>
       </dgm:cxnLst>
       <dgm:bg/>
       <dgm:whole/>
     </dgm:dataModel>
   </dgm:clrData>
-  <dgm:layoutNode name="outerComposite">
+  <dgm:layoutNode name="hierChild1">
     <dgm:varLst>
-      <dgm:chMax val="5"/>
+      <dgm:chPref val="1"/>
       <dgm:dir/>
-      <dgm:resizeHandles val="exact"/>
+      <dgm:animOne val="branch"/>
+      <dgm:animLvl val="lvl"/>
+      <dgm:resizeHandles/>
     </dgm:varLst>
-    <dgm:alg type="composite"/>
+    <dgm:choose name="Name0">
+      <dgm:if name="Name1" func="var" arg="dir" op="equ" val="norm">
+        <dgm:alg type="hierChild">
+          <dgm:param type="linDir" val="fromL"/>
+        </dgm:alg>
+      </dgm:if>
+      <dgm:else name="Name2">
+        <dgm:alg type="hierChild">
+          <dgm:param type="linDir" val="fromR"/>
+        </dgm:alg>
+      </dgm:else>
+    </dgm:choose>
     <dgm:shape xmlns:r="http://schemas.openxmlformats.org/officeDocument/2006/relationships" r:blip="">
       <dgm:adjLst/>
     </dgm:shape>
     <dgm:presOf/>
-    <dgm:choose name="Name0">
-      <dgm:if name="Name1" func="var" arg="dir" op="equ" val="norm">
-        <dgm:constrLst>
-          <dgm:constr type="primFontSz" for="ch" ptType="node" op="equ" val="65"/>
-          <dgm:constr type="w" for="ch" forName="dummyMaxCanvas" refType="w"/>
-          <dgm:constr type="h" for="ch" forName="dummyMaxCanvas" refType="h"/>
-          <dgm:constr type="w" for="ch" forName="OneNode_1" refType="w"/>
-          <dgm:constr type="h" for="ch" forName="OneNode_1" refType="h" fact="0.5"/>
-          <dgm:constr type="ctrY" for="ch" forName="OneNode_1" refType="h" fact="0.5"/>
-          <dgm:constr type="w" for="ch" forName="TwoNodes_1" refType="w" fact="0.85"/>
-          <dgm:constr type="h" for="ch" forName="TwoNodes_1" refType="h" fact="0.45"/>
-          <dgm:constr type="t" for="ch" forName="TwoNodes_1"/>
-          <dgm:constr type="l" for="ch" forName="TwoNodes_1"/>
-          <dgm:constr type="w" for="ch" forName="TwoNodes_2" refType="w" fact="0.85"/>
-          <dgm:constr type="h" for="ch" forName="TwoNodes_2" refType="h" fact="0.45"/>
-          <dgm:constr type="b" for="ch" forName="TwoNodes_2" refType="h"/>
-          <dgm:constr type="r" for="ch" forName="TwoNodes_2" refType="w"/>
-          <dgm:constr type="w" for="ch" forName="TwoConn_1-2" refType="h" refFor="ch" refForName="TwoNodes_1" fact="0.65"/>
-          <dgm:constr type="h" for="ch" forName="TwoConn_1-2" refType="h" refFor="ch" refForName="TwoNodes_1" fact="0.65"/>
-          <dgm:constr type="ctrY" for="ch" forName="TwoConn_1-2" refType="h" fact="0.5"/>
-          <dgm:constr type="r" for="ch" forName="TwoConn_1-2" refType="r" refFor="ch" refForName="TwoNodes_1"/>
-          <dgm:constr type="r" for="ch" forName="TwoNodes_1_text" refType="l" refFor="ch" refForName="TwoConn_1-2"/>
-          <dgm:constr type="rOff" for="ch" forName="TwoNodes_1_text" refType="w" refFor="ch" refForName="TwoConn_1-2" fact="-0.5"/>
-          <dgm:constr type="t" for="ch" forName="TwoNodes_1_text" refType="t" refFor="ch" refForName="TwoNodes_1"/>
-          <dgm:constr type="b" for="ch" forName="TwoNodes_1_text" refType="b" refFor="ch" refForName="TwoNodes_1"/>
-          <dgm:constr type="l" for="ch" forName="TwoNodes_1_text" refType="l" refFor="ch" refForName="TwoNodes_1"/>
-          <dgm:constr type="r" for="ch" forName="TwoNodes_2_text" refType="l" refFor="ch" refForName="TwoConn_1-2"/>
-          <dgm:constr type="t" for="ch" forName="TwoNodes_2_text" refType="t" refFor="ch" refForName="TwoNodes_2"/>
-          <dgm:constr type="b" for="ch" forName="TwoNodes_2_text" refType="b" refFor="ch" refForName="TwoNodes_2"/>
-          <dgm:constr type="l" for="ch" forName="TwoNodes_2_text" refType="l" refFor="ch" refForName="TwoNodes_2"/>
-          <dgm:constr type="w" for="ch" forName="ThreeNodes_1" refType="w" fact="0.85"/>
-          <dgm:constr type="h" for="ch" forName="ThreeNodes_1" refType="h" fact="0.3"/>
-          <dgm:constr type="t" for="ch" forName="ThreeNodes_1"/>
-          <dgm:constr type="l" for="ch" forName="ThreeNodes_1"/>
-          <dgm:constr type="w" for="ch" forName="ThreeNodes_2" refType="w" fact="0.85"/>
-          <dgm:constr type="h" for="ch" forName="ThreeNodes_2" refType="h" fact="0.3"/>
-          <dgm:constr type="ctrY" for="ch" forName="ThreeNodes_2" refType="h" fact="0.5"/>
-          <dgm:constr type="ctrX" for="ch" forName="ThreeNodes_2" refType="w" fact="0.5"/>
-          <dgm:constr type="w" for="ch" forName="ThreeNodes_3" refType="w" fact="0.85"/>
-          <dgm:constr type="h" for="ch" forName="ThreeNodes_3" refType="h" fact="0.3"/>
-          <dgm:constr type="b" for="ch" forName="ThreeNodes_3" refType="h"/>
-          <dgm:constr type="r" for="ch" forName="ThreeNodes_3" refType="w"/>
-          <dgm:constr type="w" for="ch" forName="ThreeConn_1-2" refType="h" refFor="ch" refForName="ThreeNodes_1" fact="0.65"/>
-          <dgm:constr type="h" for="ch" forName="ThreeConn_1-2" refType="h" refFor="ch" refForName="ThreeNodes_1" fact="0.65"/>
-          <dgm:constr type="ctrY" for="ch" forName="ThreeConn_1-2" refType="h" fact="0.325"/>
-          <dgm:constr type="r" for="ch" forName="ThreeConn_1-2" refType="r" refFor="ch" refForName="ThreeNodes_1"/>
-          <dgm:constr type="w" for="ch" forName="ThreeConn_2-3" refType="h" refFor="ch" refForName="ThreeNodes_2" fact="0.65"/>
-          <dgm:constr type="h" for="ch" forName="ThreeConn_2-3" refType="h" refFor="ch" refForName="ThreeNodes_2" fact="0.65"/>
-          <dgm:constr type="ctrY" for="ch" forName="ThreeConn_2-3" refType="h" fact="0.673"/>
-          <dgm:constr type="r" for="ch" forName="ThreeConn_2-3" refType="r" refFor="ch" refForName="ThreeNodes_2"/>
-          <dgm:constr type="r" for="ch" forName="ThreeNodes_1_text" refType="l" refFor="ch" refForName="ThreeConn_1-2"/>
-          <dgm:constr type="rOff" for="ch" forName="ThreeNodes_1_text" refType="w" refFor="ch" refForName="ThreeConn_1-2" fact="-0.57"/>
-          <dgm:constr type="t" for="ch" forName="ThreeNodes_1_text" refType="t" refFor="ch" refForName="ThreeNodes_1"/>
-          <dgm:constr type="b" for="ch" forName="ThreeNodes_1_text" refType="b" refFor="ch" refForName="ThreeNodes_1"/>
-          <dgm:constr type="l" for="ch" forName="ThreeNodes_1_text" refType="l" refFor="ch" refForName="ThreeNodes_1"/>
-          <dgm:constr type="r" for="ch" forName="ThreeNodes_2_text" refType="l" refFor="ch" refForName="ThreeConn_1-2"/>
-          <dgm:constr type="t" for="ch" forName="ThreeNodes_2_text" refType="t" refFor="ch" refForName="ThreeNodes_2"/>
-          <dgm:constr type="b" for="ch" forName="ThreeNodes_2_text" refType="b" refFor="ch" refForName="ThreeNodes_2"/>
-          <dgm:constr type="l" for="ch" forName="ThreeNodes_2_text" refType="l" refFor="ch" refForName="ThreeNodes_2"/>
-          <dgm:constr type="r" for="ch" forName="ThreeNodes_3_text" refType="l" refFor="ch" refForName="ThreeConn_2-3"/>
-          <dgm:constr type="t" for="ch" forName="ThreeNodes_3_text" refType="t" refFor="ch" refForName="ThreeNodes_3"/>
-          <dgm:constr type="b" for="ch" forName="ThreeNodes_3_text" refType="b" refFor="ch" refForName="ThreeNodes_3"/>
-          <dgm:constr type="l" for="ch" forName="ThreeNodes_3_text" refType="l" refFor="ch" refForName="ThreeNodes_3"/>
-          <dgm:constr type="w" for="ch" forName="FourNodes_1" refType="w" fact="0.8"/>
-          <dgm:constr type="h" for="ch" forName="FourNodes_1" refType="h" fact="0.22"/>
-          <dgm:constr type="t" for="ch" forName="FourNodes_1"/>
-          <dgm:constr type="l" for="ch" forName="FourNodes_1"/>
-          <dgm:constr type="w" for="ch" forName="FourNodes_2" refType="w" fact="0.8"/>
-          <dgm:constr type="h" for="ch" forName="FourNodes_2" refType="h" fact="0.22"/>
-          <dgm:constr type="ctrY" for="ch" forName="FourNodes_2" refType="h" fact="0.37"/>
-          <dgm:constr type="ctrX" for="ch" forName="FourNodes_2" refType="w" fact="0.467"/>
-          <dgm:constr type="w" for="ch" forName="FourNodes_3" refType="w" fact="0.8"/>
-          <dgm:constr type="h" for="ch" forName="FourNodes_3" refType="h" fact="0.22"/>
-          <dgm:constr type="ctrY" for="ch" forName="FourNodes_3" refType="h" fact="0.63"/>
-          <dgm:constr type="ctrX" for="ch" forName="FourNodes_3" refType="w" fact="0.533"/>
-          <dgm:constr type="w" for="ch" forName="FourNodes_4" refType="w" fact="0.8"/>
-          <dgm:constr type="h" for="ch" forName="FourNodes_4" refType="h" fact="0.22"/>
-          <dgm:constr type="b" for="ch" forName="FourNodes_4" refType="h"/>
-          <dgm:constr type="r" for="ch" forName="FourNodes_4" refType="w"/>
-          <dgm:constr type="w" for="ch" forName="FourConn_1-2" refType="h" refFor="ch" refForName="FourNodes_1" fact="0.65"/>
-          <dgm:constr type="h" for="ch" forName="FourConn_1-2" refType="h" refFor="ch" refForName="FourNodes_1" fact="0.65"/>
-          <dgm:constr type="ctrY" for="ch" forName="FourConn_1-2" refType="h" fact="0.24"/>
-          <dgm:constr type="r" for="ch" forName="FourConn_1-2" refType="r" refFor="ch" refForName="FourNodes_1"/>
-          <dgm:constr type="w" for="ch" forName="FourConn_2-3" refType="h" refFor="ch" refForName="FourNodes_2" fact="0.65"/>
-          <dgm:constr type="h" for="ch" forName="FourConn_2-3" refType="h" refFor="ch" refForName="FourNodes_2" fact="0.65"/>
-          <dgm:constr type="ctrY" for="ch" forName="FourConn_2-3" refType="h" fact="0.5"/>
-          <dgm:constr type="r" for="ch" forName="FourConn_2-3" refType="r" refFor="ch" refForName="FourNodes_2"/>
-          <dgm:constr type="w" for="ch" forName="FourConn_3-4" refType="h" refFor="ch" refForName="FourNodes_3" fact="0.65"/>
-          <dgm:constr type="h" for="ch" forName="FourConn_3-4" refType="h" refFor="ch" refForName="FourNodes_3" fact="0.65"/>
-          <dgm:constr type="ctrY" for="ch" forName="FourConn_3-4" refType="h" fact="0.76"/>
-          <dgm:constr type="r" for="ch" forName="FourConn_3-4" refType="r" refFor="ch" refForName="FourNodes_3"/>
-          <dgm:constr type="r" for="ch" forName="FourNodes_1_text" refType="l" refFor="ch" refForName="FourConn_1-2"/>
-          <dgm:constr type="rOff" for="ch" forName="FourNodes_1_text" refType="w" refFor="ch" refForName="FourConn_1-2" fact="-0.7"/>
-          <dgm:constr type="t" for="ch" forName="FourNodes_1_text" refType="t" refFor="ch" refForName="FourNodes_1"/>
-          <dgm:constr type="b" for="ch" forName="FourNodes_1_text" refType="b" refFor="ch" refForName="FourNodes_1"/>
-          <dgm:constr type="l" for="ch" forName="FourNodes_1_text" refType="l" refFor="ch" refForName="FourNodes_1"/>
-          <dgm:constr type="r" for="ch" forName="FourNodes_2_text" refType="l" refFor="ch" refForName="FourConn_1-2"/>
-          <dgm:constr type="t" for="ch" forName="FourNodes_2_text" refType="t" refFor="ch" refForName="FourNodes_2"/>
-          <dgm:constr type="b" for="ch" forName="FourNodes_2_text" refType="b" refFor="ch" refForName="FourNodes_2"/>
-          <dgm:constr type="l" for="ch" forName="FourNodes_2_text" refType="l" refFor="ch" refForName="FourNodes_2"/>
-          <dgm:constr type="r" for="ch" forName="FourNodes_3_text" refType="l" refFor="ch" refForName="FourConn_2-3"/>
-          <dgm:constr type="t" for="ch" forName="FourNodes_3_text" refType="t" refFor="ch" refForName="FourNodes_3"/>
-          <dgm:constr type="b" for="ch" forName="FourNodes_3_text" refType="b" refFor="ch" refForName="FourNodes_3"/>
-          <dgm:constr type="l" for="ch" forName="FourNodes_3_text" refType="l" refFor="ch" refForName="FourNodes_3"/>
-          <dgm:constr type="r" for="ch" forName="FourNodes_4_text" refType="l" refFor="ch" refForName="FourConn_3-4"/>
-          <dgm:constr type="t" for="ch" forName="FourNodes_4_text" refType="t" refFor="ch" refForName="FourNodes_4"/>
-          <dgm:constr type="b" for="ch" forName="FourNodes_4_text" refType="b" refFor="ch" refForName="FourNodes_4"/>
-          <dgm:constr type="l" for="ch" forName="FourNodes_4_text" refType="l" refFor="ch" refForName="FourNodes_4"/>
-          <dgm:constr type="w" for="ch" forName="FiveNodes_1" refType="w" fact="0.77"/>
-          <dgm:constr type="h" for="ch" forName="FiveNodes_1" refType="h" fact="0.18"/>
-          <dgm:constr type="t" for="ch" forName="FiveNodes_1"/>
-          <dgm:constr type="l" for="ch" forName="FiveNodes_1"/>
-          <dgm:constr type="w" for="ch" forName="FiveNodes_2" refType="w" fact="0.77"/>
-          <dgm:constr type="h" for="ch" forName="FiveNodes_2" refType="h" fact="0.18"/>
-          <dgm:constr type="ctrY" for="ch" forName="FiveNodes_2" refType="h" fact="0.295"/>
-          <dgm:constr type="ctrX" for="ch" forName="FiveNodes_2" refType="w" fact="0.4425"/>
-          <dgm:constr type="w" for="ch" forName="FiveNodes_3" refType="w" fact="0.77"/>
-          <dgm:constr type="h" for="ch" forName="FiveNodes_3" refType="h" fact="0.18"/>
-          <dgm:constr type="ctrY" for="ch" forName="FiveNodes_3" refType="h" fact="0.5"/>
-          <dgm:constr type="ctrX" for="ch" forName="FiveNodes_3" refType="w" fact="0.5"/>
-          <dgm:constr type="w" for="ch" forName="FiveNodes_4" refType="w" fact="0.77"/>
-          <dgm:constr type="h" for="ch" forName="FiveNodes_4" refType="h" fact="0.18"/>
-          <dgm:constr type="ctrY" for="ch" forName="FiveNodes_4" refType="h" fact="0.705"/>
-          <dgm:constr type="ctrX" for="ch" forName="FiveNodes_4" refType="w" fact="0.5575"/>
-          <dgm:constr type="w" for="ch" forName="FiveNodes_5" refType="w" fact="0.77"/>
-          <dgm:constr type="h" for="ch" forName="FiveNodes_5" refType="h" fact="0.18"/>
-          <dgm:constr type="b" for="ch" forName="FiveNodes_5" refType="h"/>
-          <dgm:constr type="r" for="ch" forName="FiveNodes_5" refType="w"/>
-          <dgm:constr type="w" for="ch" forName="FiveConn_1-2" refType="h" refFor="ch" refForName="FiveNodes_1" fact="0.65"/>
-          <dgm:constr type="h" for="ch" forName="FiveConn_1-2" refType="h" refFor="ch" refForName="FiveNodes_1" fact="0.65"/>
-          <dgm:constr type="ctrY" for="ch" forName="FiveConn_1-2" refType="h" fact="0.19"/>
-          <dgm:constr type="r" for="ch" forName="FiveConn_1-2" refType="r" refFor="ch" refForName="FiveNodes_1"/>
-          <dgm:constr type="w" for="ch" forName="FiveConn_2-3" refType="h" refFor="ch" refForName="FiveNodes_2" fact="0.65"/>
-          <dgm:constr type="h" for="ch" forName="FiveConn_2-3" refType="h" refFor="ch" refForName="FiveNodes_2" fact="0.65"/>
-          <dgm:constr type="ctrY" for="ch" forName="FiveConn_2-3" refType="h" fact="0.395"/>
-          <dgm:constr type="r" for="ch" forName="FiveConn_2-3" refType="r" refFor="ch" refForName="FiveNodes_2"/>
-          <dgm:constr type="w" for="ch" forName="FiveConn_3-4" refType="h" refFor="ch" refForName="FiveNodes_3" fact="0.65"/>
-          <dgm:constr type="h" for="ch" forName="FiveConn_3-4" refType="h" refFor="ch" refForName="FiveNodes_3" fact="0.65"/>
-          <dgm:constr type="ctrY" for="ch" forName="FiveConn_3-4" refType="h" fact="0.597"/>
-          <dgm:constr type="r" for="ch" forName="FiveConn_3-4" refType="r" refFor="ch" refForName="FiveNodes_3"/>
-          <dgm:constr type="w" for="ch" forName="FiveConn_4-5" refType="h" refFor="ch" refForName="FiveNodes_4" fact="0.65"/>
-          <dgm:constr type="h" for="ch" forName="FiveConn_4-5" refType="h" refFor="ch" refForName="FiveNodes_4" fact="0.65"/>
-          <dgm:constr type="ctrY" for="ch" forName="FiveConn_4-5" refType="h" fact="0.804"/>
-          <dgm:constr type="r" for="ch" forName="FiveConn_4-5" refType="r" refFor="ch" refForName="FiveNodes_4"/>
-          <dgm:constr type="r" for="ch" forName="FiveNodes_1_text" refType="l" refFor="ch" refForName="FiveConn_1-2"/>
-          <dgm:constr type="rOff" for="ch" forName="FiveNodes_1_text" refType="w" refFor="ch" refForName="FiveConn_1-2" fact="-0.75"/>
-          <dgm:constr type="t" for="ch" forName="FiveNodes_1_text" refType="t" refFor="ch" refForName="FiveNodes_1"/>
-          <dgm:constr type="b" for="ch" forName="FiveNodes_1_text" refType="b" refFor="ch" refForName="FiveNodes_1"/>
-          <dgm:constr type="l" for="ch" forName="FiveNodes_1_text" refType="l" refFor="ch" refForName="FiveNodes_1"/>
-          <dgm:constr type="r" for="ch" forName="FiveNodes_2_text" refType="l" refFor="ch" refForName="FiveConn_1-2"/>
-          <dgm:constr type="t" for="ch" forName="FiveNodes_2_text" refType="t" refFor="ch" refForName="FiveNodes_2"/>
-          <dgm:constr type="b" for="ch" forName="FiveNodes_2_text" refType="b" refFor="ch" refForName="FiveNodes_2"/>
-          <dgm:constr type="l" for="ch" forName="FiveNodes_2_text" refType="l" refFor="ch" refForName="FiveNodes_2"/>
-          <dgm:constr type="r" for="ch" forName="FiveNodes_3_text" refType="l" refFor="ch" refForName="FiveConn_2-3"/>
-          <dgm:constr type="t" for="ch" forName="FiveNodes_3_text" refType="t" refFor="ch" refForName="FiveNodes_3"/>
-          <dgm:constr type="b" for="ch" forName="FiveNodes_3_text" refType="b" refFor="ch" refForName="FiveNodes_3"/>
-          <dgm:constr type="l" for="ch" forName="FiveNodes_3_text" refType="l" refFor="ch" refForName="FiveNodes_3"/>
-          <dgm:constr type="r" for="ch" forName="FiveNodes_4_text" refType="l" refFor="ch" refForName="FiveConn_3-4"/>
-          <dgm:constr type="t" for="ch" forName="FiveNodes_4_text" refType="t" refFor="ch" refForName="FiveNodes_4"/>
-          <dgm:constr type="b" for="ch" forName="FiveNodes_4_text" refType="b" refFor="ch" refForName="FiveNodes_4"/>
-          <dgm:constr type="l" for="ch" forName="FiveNodes_4_text" refType="l" refFor="ch" refForName="FiveNodes_4"/>
-          <dgm:constr type="r" for="ch" forName="FiveNodes_5_text" refType="l" refFor="ch" refForName="FiveConn_4-5"/>
-          <dgm:constr type="t" for="ch" forName="FiveNodes_5_text" refType="t" refFor="ch" refForName="FiveNodes_5"/>
-          <dgm:constr type="b" for="ch" forName="FiveNodes_5_text" refType="b" refFor="ch" refForName="FiveNodes_5"/>
-          <dgm:constr type="l" for="ch" forName="FiveNodes_5_text" refType="l" refFor="ch" refForName="FiveNodes_5"/>
-        </dgm:constrLst>
-      </dgm:if>
-      <dgm:else name="Name2">
-        <dgm:constrLst>
-          <dgm:constr type="primFontSz" for="ch" ptType="node" op="equ" val="65"/>
-          <dgm:constr type="w" for="ch" forName="dummyMaxCanvas" refType="w"/>
-          <dgm:constr type="h" for="ch" forName="dummyMaxCanvas" refType="h"/>
-          <dgm:constr type="w" for="ch" forName="OneNode_1" refType="w"/>
-          <dgm:constr type="h" for="ch" forName="OneNode_1" refType="h" fact="0.5"/>
-          <dgm:constr type="ctrY" for="ch" forName="OneNode_1" refType="h" fact="0.5"/>
-          <dgm:constr type="w" for="ch" forName="TwoNodes_1" refType="w" fact="0.85"/>
-          <dgm:constr type="h" for="ch" forName="TwoNodes_1" refType="h" fact="0.45"/>
-          <dgm:constr type="t" for="ch" forName="TwoNodes_1"/>
-          <dgm:constr type="r" for="ch" forName="TwoNodes_1" refType="w"/>
-          <dgm:constr type="w" for="ch" forName="TwoNodes_2" refType="w" fact="0.85"/>
-          <dgm:constr type="h" for="ch" forName="TwoNodes_2" refType="h" fact="0.45"/>
-          <dgm:constr type="b" for="ch" forName="TwoNodes_2" refType="h"/>
-          <dgm:constr type="l" for="ch" forName="TwoNodes_2"/>
-          <dgm:constr type="w" for="ch" forName="TwoConn_1-2" refType="h" refFor="ch" refForName="TwoNodes_1" fact="0.65"/>
-          <dgm:constr type="h" for="ch" forName="TwoConn_1-2" refType="h" refFor="ch" refForName="TwoNodes_1" fact="0.65"/>
-          <dgm:constr type="ctrY" for="ch" forName="TwoConn_1-2" refType="h" fact="0.5"/>
-          <dgm:constr type="l" for="ch" forName="TwoConn_1-2" refType="l" refFor="ch" refForName="TwoNodes_1"/>
-          <dgm:constr type="l" for="ch" forName="TwoNodes_1_text" refType="r" refFor="ch" refForName="TwoConn_1-2"/>
-          <dgm:constr type="lOff" for="ch" forName="TwoNodes_1_text" refType="w" refFor="ch" refForName="TwoConn_1-2" fact="0.5"/>
-          <dgm:constr type="t" for="ch" forName="TwoNodes_1_text" refType="t" refFor="ch" refForName="TwoNodes_1"/>
-          <dgm:constr type="b" for="ch" forName="TwoNodes_1_text" refType="b" refFor="ch" refForName="TwoNodes_1"/>
-          <dgm:constr type="r" for="ch" forName="TwoNodes_1_text" refType="r" refFor="ch" refForName="TwoNodes_1"/>
-          <dgm:constr type="l" for="ch" forName="TwoNodes_2_text" refType="r" refFor="ch" refForName="TwoConn_1-2"/>
-          <dgm:constr type="t" for="ch" forName="TwoNodes_2_text" refType="t" refFor="ch" refForName="TwoNodes_2"/>
-          <dgm:constr type="b" for="ch" forName="TwoNodes_2_text" refType="b" refFor="ch" refForName="TwoNodes_2"/>
-          <dgm:constr type="r" for="ch" forName="TwoNodes_2_text" refType="r" refFor="ch" refForName="TwoNodes_2"/>
-          <dgm:constr type="w" for="ch" forName="ThreeNodes_1" refType="w" fact="0.85"/>
-          <dgm:constr type="h" for="ch" forName="ThreeNodes_1" refType="h" fact="0.3"/>
-          <dgm:constr type="t" for="ch" forName="ThreeNodes_1"/>
-          <dgm:constr type="r" for="ch" forName="ThreeNodes_1" refType="w"/>
-          <dgm:constr type="w" for="ch" forName="ThreeNodes_2" refType="w" fact="0.85"/>
-          <dgm:constr type="h" for="ch" forName="ThreeNodes_2" refType="h" fact="0.3"/>
-          <dgm:constr type="ctrY" for="ch" forName="ThreeNodes_2" refType="h" fact="0.5"/>
-          <dgm:constr type="ctrX" for="ch" forName="ThreeNodes_2" refType="w" fact="0.5"/>
-          <dgm:constr type="w" for="ch" forName="ThreeNodes_3" refType="w" fact="0.85"/>
-          <dgm:constr type="h" for="ch" forName="ThreeNodes_3" refType="h" fact="0.3"/>
-          <dgm:constr type="b" for="ch" forName="ThreeNodes_3" refType="h"/>
-          <dgm:constr type="l" for="ch" forName="ThreeNodes_3"/>
-          <dgm:constr type="w" for="ch" forName="ThreeConn_1-2" refType="h" refFor="ch" refForName="ThreeNodes_1" fact="0.65"/>
-          <dgm:constr type="h" for="ch" forName="ThreeConn_1-2" refType="h" refFor="ch" refForName="ThreeNodes_1" fact="0.65"/>
-          <dgm:constr type="ctrY" for="ch" forName="ThreeConn_1-2" refType="h" fact="0.325"/>
-          <dgm:constr type="l" for="ch" forName="ThreeConn_1-2" refType="l" refFor="ch" refForName="ThreeNodes_1"/>
-          <dgm:constr type="w" for="ch" forName="ThreeConn_2-3" refType="h" refFor="ch" refForName="ThreeNodes_2" fact="0.65"/>
-          <dgm:constr type="h" for="ch" forName="ThreeConn_2-3" refType="h" refFor="ch" refForName="ThreeNodes_2" fact="0.65"/>
-          <dgm:constr type="ctrY" for="ch" forName="ThreeConn_2-3" refType="h" fact="0.673"/>
-          <dgm:constr type="l" for="ch" forName="ThreeConn_2-3" refType="l" refFor="ch" refForName="ThreeNodes_2"/>
-          <dgm:constr type="l" for="ch" forName="ThreeNodes_1_text" refType="r" refFor="ch" refForName="ThreeConn_1-2"/>
-          <dgm:constr type="lOff" for="ch" forName="ThreeNodes_1_text" refType="w" refFor="ch" refForName="ThreeConn_1-2" fact="0.55"/>
-          <dgm:constr type="t" for="ch" forName="ThreeNodes_1_text" refType="t" refFor="ch" refForName="ThreeNodes_1"/>
-          <dgm:constr type="b" for="ch" forName="ThreeNodes_1_text" refType="b" refFor="ch" refForName="ThreeNodes_1"/>
-          <dgm:constr type="r" for="ch" forName="ThreeNodes_1_text" refType="r" refFor="ch" refForName="ThreeNodes_1"/>
-          <dgm:constr type="l" for="ch" forName="ThreeNodes_2_text" refType="r" refFor="ch" refForName="ThreeConn_1-2"/>
-          <dgm:constr type="t" for="ch" forName="ThreeNodes_2_text" refType="t" refFor="ch" refForName="ThreeNodes_2"/>
-          <dgm:constr type="b" for="ch" forName="ThreeNodes_2_text" refType="b" refFor="ch" refForName="ThreeNodes_2"/>
-          <dgm:constr type="r" for="ch" forName="ThreeNodes_2_text" refType="r" refFor="ch" refForName="ThreeNodes_2"/>
-          <dgm:constr type="l" for="ch" forName="ThreeNodes_3_text" refType="r" refFor="ch" refForName="ThreeConn_2-3"/>
-          <dgm:constr type="t" for="ch" forName="ThreeNodes_3_text" refType="t" refFor="ch" refForName="ThreeNodes_3"/>
-          <dgm:constr type="b" for="ch" forName="ThreeNodes_3_text" refType="b" refFor="ch" refForName="ThreeNodes_3"/>
-          <dgm:constr type="r" for="ch" forName="ThreeNodes_3_text" refType="r" refFor="ch" refForName="ThreeNodes_3"/>
-          <dgm:constr type="w" for="ch" forName="FourNodes_1" refType="w" fact="0.8"/>
-          <dgm:constr type="h" for="ch" forName="FourNodes_1" refType="h" fact="0.22"/>
-          <dgm:constr type="t" for="ch" forName="FourNodes_1"/>
-          <dgm:constr type="r" for="ch" forName="FourNodes_1" refType="w"/>
-          <dgm:constr type="w" for="ch" forName="FourNodes_2" refType="w" fact="0.8"/>
-          <dgm:constr type="h" for="ch" forName="FourNodes_2" refType="h" fact="0.22"/>
-          <dgm:constr type="ctrY" for="ch" forName="FourNodes_2" refType="h" fact="0.37"/>
-          <dgm:constr type="ctrX" for="ch" forName="FourNodes_2" refType="w" fact="0.533"/>
-          <dgm:constr type="w" for="ch" forName="FourNodes_3" refType="w" fact="0.8"/>
-          <dgm:constr type="h" for="ch" forName="FourNodes_3" refType="h" fact="0.22"/>
-          <dgm:constr type="ctrY" for="ch" forName="FourNodes_3" refType="h" fact="0.63"/>
-          <dgm:constr type="ctrX" for="ch" forName="FourNodes_3" refType="w" fact="0.467"/>
-          <dgm:constr type="w" for="ch" forName="FourNodes_4" refType="w" fact="0.8"/>
-          <dgm:constr type="h" for="ch" forName="FourNodes_4" refType="h" fact="0.22"/>
-          <dgm:constr type="b" for="ch" forName="FourNodes_4" refType="h"/>
-          <dgm:constr type="l" for="ch" forName="FourNodes_4"/>
-          <dgm:constr type="w" for="ch" forName="FourConn_1-2" refType="h" refFor="ch" refForName="FourNodes_1" fact="0.65"/>
-          <dgm:constr type="h" for="ch" forName="FourConn_1-2" refType="h" refFor="ch" refForName="FourNodes_1" fact="0.65"/>
-          <dgm:constr type="ctrY" for="ch" forName="FourConn_1-2" refType="h" fact="0.24"/>
-          <dgm:constr type="l" for="ch" forName="FourConn_1-2" refType="l" refFor="ch" refForName="FourNodes_1"/>
-          <dgm:constr type="w" for="ch" forName="FourConn_2-3" refType="h" refFor="ch" refForName="FourNodes_2" fact="0.65"/>
-          <dgm:constr type="h" for="ch" forName="FourConn_2-3" refType="h" refFor="ch" refForName="FourNodes_2" fact="0.65"/>
-          <dgm:constr type="ctrY" for="ch" forName="FourConn_2-3" refType="h" fact="0.5"/>
-          <dgm:constr type="l" for="ch" forName="FourConn_2-3" refType="l" refFor="ch" refForName="FourNodes_2"/>
-          <dgm:constr type="w" for="ch" forName="FourConn_3-4" refType="h" refFor="ch" refForName="FourNodes_3" fact="0.65"/>
-          <dgm:constr type="h" for="ch" forName="FourConn_3-4" refType="h" refFor="ch" refForName="FourNodes_3" fact="0.65"/>
-          <dgm:constr type="ctrY" for="ch" forName="FourConn_3-4" refType="h" fact="0.76"/>
-          <dgm:constr type="l" for="ch" forName="FourConn_3-4" refType="l" refFor="ch" refForName="FourNodes_3"/>
-          <dgm:constr type="l" for="ch" forName="FourNodes_1_text" refType="r" refFor="ch" refForName="FourConn_1-2"/>
-          <dgm:constr type="lOff" for="ch" forName="FourNodes_1_text" refType="w" refFor="ch" refForName="FourConn_1-2" fact="0.69"/>
-          <dgm:constr type="t" for="ch" forName="FourNodes_1_text" refType="t" refFor="ch" refForName="FourNodes_1"/>
-          <dgm:constr type="b" for="ch" forName="FourNodes_1_text" refType="b" refFor="ch" refForName="FourNodes_1"/>
-          <dgm:constr type="r" for="ch" forName="FourNodes_1_text" refType="r" refFor="ch" refForName="FourNodes_1"/>
-          <dgm:constr type="l" for="ch" forName="FourNodes_2_text" refType="r" refFor="ch" refForName="FourConn_1-2"/>
-          <dgm:constr type="t" for="ch" forName="FourNodes_2_text" refType="t" refFor="ch" refForName="FourNodes_2"/>
-          <dgm:constr type="b" for="ch" forName="FourNodes_2_text" refType="b" refFor="ch" refForName="FourNodes_2"/>
-          <dgm:constr type="r" for="ch" forName="FourNodes_2_text" refType="r" refFor="ch" refForName="FourNodes_2"/>
-          <dgm:constr type="l" for="ch" forName="FourNodes_3_text" refType="r" refFor="ch" refForName="FourConn_2-3"/>
-          <dgm:constr type="t" for="ch" forName="FourNodes_3_text" refType="t" refFor="ch" refForName="FourNodes_3"/>
-          <dgm:constr type="b" for="ch" forName="FourNodes_3_text" refType="b" refFor="ch" refForName="FourNodes_3"/>
-          <dgm:constr type="r" for="ch" forName="FourNodes_3_text" refType="r" refFor="ch" refForName="FourNodes_3"/>
-          <dgm:constr type="l" for="ch" forName="FourNodes_4_text" refType="r" refFor="ch" refForName="FourConn_3-4"/>
-          <dgm:constr type="t" for="ch" forName="FourNodes_4_text" refType="t" refFor="ch" refForName="FourNodes_4"/>
-          <dgm:constr type="b" for="ch" forName="FourNodes_4_text" refType="b" refFor="ch" refForName="FourNodes_4"/>
-          <dgm:constr type="r" for="ch" forName="FourNodes_4_text" refType="r" refFor="ch" refForName="FourNodes_4"/>
-          <dgm:constr type="w" for="ch" forName="FiveNodes_1" refType="w" fact="0.77"/>
-          <dgm:constr type="h" for="ch" forName="FiveNodes_1" refType="h" fact="0.18"/>
-          <dgm:constr type="t" for="ch" forName="FiveNodes_1"/>
-          <dgm:constr type="r" for="ch" forName="FiveNodes_1" refType="w"/>
-          <dgm:constr type="w" for="ch" forName="FiveNodes_2" refType="w" fact="0.77"/>
-          <dgm:constr type="h" for="ch" forName="FiveNodes_2" refType="h" fact="0.18"/>
-          <dgm:constr type="ctrY" for="ch" forName="FiveNodes_2" refType="h" fact="0.295"/>
-          <dgm:constr type="ctrX" for="ch" forName="FiveNodes_2" refType="w" fact="0.5575"/>
-          <dgm:constr type="w" for="ch" forName="FiveNodes_3" refType="w" fact="0.77"/>
-          <dgm:constr type="h" for="ch" forName="FiveNodes_3" refType="h" fact="0.18"/>
-          <dgm:constr type="ctrY" for="ch" forName="FiveNodes_3" refType="h" fact="0.5"/>
-          <dgm:constr type="ctrX" for="ch" forName="FiveNodes_3" refType="w" fact="0.5"/>
-          <dgm:constr type="w" for="ch" forName="FiveNodes_4" refType="w" fact="0.77"/>
-          <dgm:constr type="h" for="ch" forName="FiveNodes_4" refType="h" fact="0.18"/>
-          <dgm:constr type="ctrY" for="ch" forName="FiveNodes_4" refType="h" fact="0.705"/>
-          <dgm:constr type="ctrX" for="ch" forName="FiveNodes_4" refType="w" fact="0.4425"/>
-          <dgm:constr type="w" for="ch" forName="FiveNodes_5" refType="w" fact="0.77"/>
-          <dgm:constr type="h" for="ch" forName="FiveNodes_5" refType="h" fact="0.18"/>
-          <dgm:constr type="b" for="ch" forName="FiveNodes_5" refType="h"/>
-          <dgm:constr type="l" for="ch" forName="FiveNodes_5"/>
-          <dgm:constr type="w" for="ch" forName="FiveConn_1-2" refType="h" refFor="ch" refForName="FiveNodes_1" fact="0.65"/>
-          <dgm:constr type="h" for="ch" forName="FiveConn_1-2" refType="h" refFor="ch" refForName="FiveNodes_1" fact="0.65"/>
-          <dgm:constr type="ctrY" for="ch" forName="FiveConn_1-2" refType="h" fact="0.19"/>
-          <dgm:constr type="l" for="ch" forName="FiveConn_1-2" refType="l" refFor="ch" refForName="FiveNodes_1"/>
-          <dgm:constr type="w" for="ch" forName="FiveConn_2-3" refType="h" refFor="ch" refForName="FiveNodes_2" fact="0.65"/>
-          <dgm:constr type="h" for="ch" forName="FiveConn_2-3" refType="h" refFor="ch" refForName="FiveNodes_2" fact="0.65"/>
-          <dgm:constr type="ctrY" for="ch" forName="FiveConn_2-3" refType="h" fact="0.395"/>
-          <dgm:constr type="l" for="ch" forName="FiveConn_2-3" refType="l" refFor="ch" refForName="FiveNodes_2"/>
-          <dgm:constr type="w" for="ch" forName="FiveConn_3-4" refType="h" refFor="ch" refForName="FiveNodes_3" fact="0.65"/>
-          <dgm:constr type="h" for="ch" forName="FiveConn_3-4" refType="h" refFor="ch" refForName="FiveNodes_3" fact="0.65"/>
-          <dgm:constr type="ctrY" for="ch" forName="FiveConn_3-4" refType="h" fact="0.597"/>
-          <dgm:constr type="l" for="ch" forName="FiveConn_3-4" refType="l" refFor="ch" refForName="FiveNodes_3"/>
-          <dgm:constr type="w" for="ch" forName="FiveConn_4-5" refType="h" refFor="ch" refForName="FiveNodes_4" fact="0.65"/>
-          <dgm:constr type="h" for="ch" forName="FiveConn_4-5" refType="h" refFor="ch" refForName="FiveNodes_4" fact="0.65"/>
-          <dgm:constr type="ctrY" for="ch" forName="FiveConn_4-5" refType="h" fact="0.804"/>
-          <dgm:constr type="l" for="ch" forName="FiveConn_4-5" refType="l" refFor="ch" refForName="FiveNodes_4"/>
-          <dgm:constr type="l" for="ch" forName="FiveNodes_1_text" refType="r" refFor="ch" refForName="FiveConn_1-2"/>
-          <dgm:constr type="lOff" for="ch" forName="FiveNodes_1_text" refType="w" refFor="ch" refForName="FiveConn_1-2" fact="0.73"/>
-          <dgm:constr type="t" for="ch" forName="FiveNodes_1_text" refType="t" refFor="ch" refForName="FiveNodes_1"/>
-          <dgm:constr type="b" for="ch" forName="FiveNodes_1_text" refType="b" refFor="ch" refForName="FiveNodes_1"/>
-          <dgm:constr type="r" for="ch" forName="FiveNodes_1_text" refType="r" refFor="ch" refForName="FiveNodes_1"/>
-          <dgm:constr type="l" for="ch" forName="FiveNodes_2_text" refType="r" refFor="ch" refForName="FiveConn_1-2"/>
-          <dgm:constr type="t" for="ch" forName="FiveNodes_2_text" refType="t" refFor="ch" refForName="FiveNodes_2"/>
-          <dgm:constr type="b" for="ch" forName="FiveNodes_2_text" refType="b" refFor="ch" refForName="FiveNodes_2"/>
-          <dgm:constr type="r" for="ch" forName="FiveNodes_2_text" refType="r" refFor="ch" refForName="FiveNodes_2"/>
-          <dgm:constr type="l" for="ch" forName="FiveNodes_3_text" refType="r" refFor="ch" refForName="FiveConn_2-3"/>
-          <dgm:constr type="t" for="ch" forName="FiveNodes_3_text" refType="t" refFor="ch" refForName="FiveNodes_3"/>
-          <dgm:constr type="b" for="ch" forName="FiveNodes_3_text" refType="b" refFor="ch" refForName="FiveNodes_3"/>
-          <dgm:constr type="r" for="ch" forName="FiveNodes_3_text" refType="r" refFor="ch" refForName="FiveNodes_3"/>
-          <dgm:constr type="l" for="ch" forName="FiveNodes_4_text" refType="r" refFor="ch" refForName="FiveConn_3-4"/>
-          <dgm:constr type="t" for="ch" forName="FiveNodes_4_text" refType="t" refFor="ch" refForName="FiveNodes_4"/>
-          <dgm:constr type="b" for="ch" forName="FiveNodes_4_text" refType="b" refFor="ch" refForName="FiveNodes_4"/>
-          <dgm:constr type="r" for="ch" forName="FiveNodes_4_text" refType="r" refFor="ch" refForName="FiveNodes_4"/>
-          <dgm:constr type="l" for="ch" forName="FiveNodes_5_text" refType="r" refFor="ch" refForName="FiveConn_4-5"/>
-          <dgm:constr type="t" for="ch" forName="FiveNodes_5_text" refType="t" refFor="ch" refForName="FiveNodes_5"/>
-          <dgm:constr type="b" for="ch" forName="FiveNodes_5_text" refType="b" refFor="ch" refForName="FiveNodes_5"/>
-          <dgm:constr type="r" for="ch" forName="FiveNodes_5_text" refType="r" refFor="ch" refForName="FiveNodes_5"/>
-        </dgm:constrLst>
-      </dgm:else>
-    </dgm:choose>
+    <dgm:constrLst>
+      <dgm:constr type="primFontSz" for="des" ptType="node" op="equ" val="65"/>
+      <dgm:constr type="w" for="des" forName="composite" refType="w"/>
+      <dgm:constr type="h" for="des" forName="composite" refType="w" refFor="des" refForName="composite" fact="0.667"/>
+      <dgm:constr type="w" for="des" forName="composite2" refType="w" refFor="des" refForName="composite"/>
+      <dgm:constr type="h" for="des" forName="composite2" refType="h" refFor="des" refForName="composite"/>
+      <dgm:constr type="w" for="des" forName="composite3" refType="w" refFor="des" refForName="composite"/>
+      <dgm:constr type="h" for="des" forName="composite3" refType="h" refFor="des" refForName="composite"/>
+      <dgm:constr type="w" for="des" forName="composite4" refType="w" refFor="des" refForName="composite"/>
+      <dgm:constr type="h" for="des" forName="composite4" refType="h" refFor="des" refForName="composite"/>
+      <dgm:constr type="w" for="des" forName="composite5" refType="w" refFor="des" refForName="composite"/>
+      <dgm:constr type="h" for="des" forName="composite5" refType="h" refFor="des" refForName="composite"/>
+      <dgm:constr type="sibSp" refType="w" refFor="des" refForName="composite" fact="0.1"/>
+      <dgm:constr type="sibSp" for="des" forName="hierChild2" refType="sibSp"/>
+      <dgm:constr type="sibSp" for="des" forName="hierChild3" refType="sibSp"/>
+      <dgm:constr type="sibSp" for="des" forName="hierChild4" refType="sibSp"/>
+      <dgm:constr type="sibSp" for="des" forName="hierChild5" refType="sibSp"/>
+      <dgm:constr type="sibSp" for="des" forName="hierChild6" refType="sibSp"/>
+      <dgm:constr type="sp" for="des" forName="hierRoot1" refType="h" refFor="des" refForName="composite" fact="0.25"/>
+      <dgm:constr type="sp" for="des" forName="hierRoot2" refType="sp" refFor="des" refForName="hierRoot1"/>
+      <dgm:constr type="sp" for="des" forName="hierRoot3" refType="sp" refFor="des" refForName="hierRoot1"/>
+      <dgm:constr type="sp" for="des" forName="hierRoot4" refType="sp" refFor="des" refForName="hierRoot1"/>
+      <dgm:constr type="sp" for="des" forName="hierRoot5" refType="sp" refFor="des" refForName="hierRoot1"/>
+    </dgm:constrLst>
     <dgm:ruleLst/>
-    <dgm:layoutNode name="dummyMaxCanvas">
-      <dgm:varLst/>
-      <dgm:alg type="sp"/>
-      <dgm:shape xmlns:r="http://schemas.openxmlformats.org/officeDocument/2006/relationships" r:blip="">
-        <dgm:adjLst/>
-      </dgm:shape>
-      <dgm:presOf/>
-      <dgm:constrLst/>
-      <dgm:ruleLst/>
-    </dgm:layoutNode>
-    <dgm:choose name="Name3">
-      <dgm:if name="Name4" axis="ch" ptType="node" func="cnt" op="equ" val="1">
-        <dgm:layoutNode name="OneNode_1">
-          <dgm:varLst>
-            <dgm:bulletEnabled val="1"/>
-          </dgm:varLst>
-          <dgm:alg type="tx"/>
-          <dgm:shape xmlns:r="http://schemas.openxmlformats.org/officeDocument/2006/relationships" type="roundRect" r:blip="">
-            <dgm:adjLst>
-              <dgm:adj idx="1" val="0.1"/>
-            </dgm:adjLst>
+    <dgm:forEach name="Name3" axis="ch">
+      <dgm:forEach name="Name4" axis="self" ptType="node">
+        <dgm:layoutNode name="hierRoot1">
+          <dgm:alg type="hierRoot"/>
+          <dgm:shape xmlns:r="http://schemas.openxmlformats.org/officeDocument/2006/relationships" r:blip="">
+            <dgm:adjLst/>
           </dgm:shape>
-          <dgm:presOf axis="ch desOrSelf" ptType="node node" st="1 1" cnt="1 0"/>
+          <dgm:presOf/>
           <dgm:constrLst>
-            <dgm:constr type="lMarg" refType="primFontSz" fact="0.3"/>
-            <dgm:constr type="rMarg" refType="primFontSz" fact="0.3"/>
-            <dgm:constr type="tMarg" refType="primFontSz" fact="0.3"/>
-            <dgm:constr type="bMarg" refType="primFontSz" fact="0.3"/>
+            <dgm:constr type="bendDist" for="des" ptType="parTrans" refType="sp" fact="0.5"/>
           </dgm:constrLst>
-          <dgm:ruleLst>
-            <dgm:rule type="primFontSz" val="5" fact="NaN" max="NaN"/>
-          </dgm:ruleLst>
-        </dgm:layoutNode>
-      </dgm:if>
-      <dgm:else name="Name5">
-        <dgm:choose name="Name6">
-          <dgm:if name="Name7" axis="ch" ptType="node" func="cnt" op="equ" val="2">
-            <dgm:layoutNode name="TwoNodes_1">
-              <dgm:varLst>
-                <dgm:bulletEnabled val="1"/>
-              </dgm:varLst>
+          <dgm:ruleLst/>
+          <dgm:layoutNode name="composite">
+            <dgm:alg type="composite"/>
+            <dgm:shape xmlns:r="http://schemas.openxmlformats.org/officeDocument/2006/relationships" r:blip="">
+              <dgm:adjLst/>
+            </dgm:shape>
+            <dgm:presOf/>
+            <dgm:constrLst>
+              <dgm:constr type="w" for="ch" forName="background" refType="w" fact="0.9"/>
+              <dgm:constr type="h" for="ch" forName="background" refType="w" refFor="ch" refForName="background" fact="0.635"/>
+              <dgm:constr type="t" for="ch" forName="background"/>
+              <dgm:constr type="l" for="ch" forName="background"/>
+              <dgm:constr type="w" for="ch" forName="text" refType="w" fact="0.9"/>
+              <dgm:constr type="h" for="ch" forName="text" refType="w" refFor="ch" refForName="text" fact="0.635"/>
+              <dgm:constr type="t" for="ch" forName="text" refType="w" fact="0.095"/>
+              <dgm:constr type="l" for="ch" forName="text" refType="w" fact="0.1"/>
+            </dgm:constrLst>
+            <dgm:ruleLst/>
+            <dgm:layoutNode name="background" styleLbl="node0" moveWith="text">
               <dgm:alg type="sp"/>
               <dgm:shape xmlns:r="http://schemas.openxmlformats.org/officeDocument/2006/relationships" type="roundRect" r:blip="">
                 <dgm:adjLst>
                   <dgm:adj idx="1" val="0.1"/>
                 </dgm:adjLst>
               </dgm:shape>
-              <dgm:presOf axis="ch desOrSelf" ptType="node node" st="1 1" cnt="1 0"/>
+              <dgm:presOf/>
               <dgm:constrLst/>
               <dgm:ruleLst/>
             </dgm:layoutNode>
-            <dgm:layoutNode name="TwoNodes_2">
+            <dgm:layoutNode name="text" styleLbl="fgAcc0">
               <dgm:varLst>
-                <dgm:bulletEnabled val="1"/>
+                <dgm:chPref val="3"/>
               </dgm:varLst>
-              <dgm:alg type="sp"/>
+              <dgm:alg type="tx"/>
               <dgm:shape xmlns:r="http://schemas.openxmlformats.org/officeDocument/2006/relationships" type="roundRect" r:blip="">
                 <dgm:adjLst>
                   <dgm:adj idx="1" val="0.1"/>
                 </dgm:adjLst>
               </dgm:shape>
-              <dgm:presOf axis="ch desOrSelf" ptType="node node" st="2 1" cnt="1 0"/>
-              <dgm:constrLst/>
-              <dgm:ruleLst/>
-            </dgm:layoutNode>
-            <dgm:layoutNode name="TwoConn_1-2" styleLbl="fgAccFollowNode1">
-              <dgm:varLst>
-                <dgm:bulletEnabled val="1"/>
-              </dgm:varLst>
-              <dgm:alg type="tx"/>
-              <dgm:shape xmlns:r="http://schemas.openxmlformats.org/officeDocument/2006/relationships" type="downArrow" r:blip="">
-                <dgm:adjLst>
-                  <dgm:adj idx="1" val="0.55"/>
-                  <dgm:adj idx="2" val="0.45"/>
-                </dgm:adjLst>
-              </dgm:shape>
-              <dgm:presOf axis="ch" ptType="sibTrans" cnt="1"/>
+              <dgm:presOf axis="self"/>
               <dgm:constrLst>
-                <dgm:constr type="lMarg" refType="primFontSz" fact="0.1"/>
-                <dgm:constr type="rMarg" refType="primFontSz" fact="0.1"/>
-                <dgm:constr type="tMarg" refType="primFontSz" fact="0.1"/>
-                <dgm:constr type="bMarg" refType="primFontSz" fact="0.1"/>
+                <dgm:constr type="tMarg" refType="primFontSz" fact="0.3"/>
+                <dgm:constr type="bMarg" refType="primFontSz" fact="0.3"/>
+                <dgm:constr type="lMarg" refType="primFontSz" fact="0.3"/>
+                <dgm:constr type="rMarg" refType="primFontSz" fact="0.3"/>
               </dgm:constrLst>
               <dgm:ruleLst>
                 <dgm:rule type="primFontSz" val="5" fact="NaN" max="NaN"/>
               </dgm:ruleLst>
             </dgm:layoutNode>
-            <dgm:layoutNode name="TwoNodes_1_text">
-              <dgm:varLst>
-                <dgm:bulletEnabled val="1"/>
-              </dgm:varLst>
-              <dgm:alg type="tx">
-                <dgm:param type="parTxLTRAlign" val="l"/>
-                <dgm:param type="txAnchorVertCh" val="mid"/>
-              </dgm:alg>
-              <dgm:shape xmlns:r="http://schemas.openxmlformats.org/officeDocument/2006/relationships" type="roundRect" r:blip="" hideGeom="1">
-                <dgm:adjLst>
-                  <dgm:adj idx="1" val="0.1"/>
-                </dgm:adjLst>
-              </dgm:shape>
-              <dgm:presOf axis="ch desOrSelf" ptType="node node" st="1 1" cnt="1 0"/>
-              <dgm:constrLst>
-                <dgm:constr type="lMarg" refType="primFontSz" fact="0.3"/>
-                <dgm:constr type="rMarg" refType="primFontSz" fact="0.3"/>
-                <dgm:constr type="tMarg" refType="primFontSz" fact="0.3"/>
-                <dgm:constr type="bMarg" refType="primFontSz" fact="0.3"/>
-              </dgm:constrLst>
-              <dgm:ruleLst>
-                <dgm:rule type="primFontSz" val="5" fact="NaN" max="NaN"/>
-              </dgm:ruleLst>
-            </dgm:layoutNode>
-            <dgm:layoutNode name="TwoNodes_2_text">
-              <dgm:varLst>
-                <dgm:bulletEnabled val="1"/>
-              </dgm:varLst>
-              <dgm:alg type="tx">
-                <dgm:param type="parTxLTRAlign" val="l"/>
-                <dgm:param type="txAnchorVertCh" val="mid"/>
-              </dgm:alg>
-              <dgm:shape xmlns:r="http://schemas.openxmlformats.org/officeDocument/2006/relationships" type="roundRect" r:blip="" hideGeom="1">
-                <dgm:adjLst>
-                  <dgm:adj idx="1" val="0.1"/>
-                </dgm:adjLst>
-              </dgm:shape>
-              <dgm:presOf axis="ch desOrSelf" ptType="node node" st="2 1" cnt="1 0"/>
-              <dgm:constrLst>
-                <dgm:constr type="lMarg" refType="primFontSz" fact="0.3"/>
-                <dgm:constr type="rMarg" refType="primFontSz" fact="0.3"/>
-                <dgm:constr type="tMarg" refType="primFontSz" fact="0.3"/>
-                <dgm:constr type="bMarg" refType="primFontSz" fact="0.3"/>
-              </dgm:constrLst>
-              <dgm:ruleLst>
-                <dgm:rule type="primFontSz" val="5" fact="NaN" max="NaN"/>
-              </dgm:ruleLst>
-            </dgm:layoutNode>
-          </dgm:if>
-          <dgm:else name="Name8">
-            <dgm:choose name="Name9">
-              <dgm:if name="Name10" axis="ch" ptType="node" func="cnt" op="equ" val="3">
-                <dgm:layoutNode name="ThreeNodes_1">
-                  <dgm:varLst>
-                    <dgm:bulletEnabled val="1"/>
-                  </dgm:varLst>
-                  <dgm:alg type="sp"/>
-                  <dgm:shape xmlns:r="http://schemas.openxmlformats.org/officeDocument/2006/relationships" type="roundRect" r:blip="">
-                    <dgm:adjLst>
-                      <dgm:adj idx="1" val="0.1"/>
-                    </dgm:adjLst>
+          </dgm:layoutNode>
+          <dgm:layoutNode name="hierChild2">
+            <dgm:choose name="Name5">
+              <dgm:if name="Name6" func="var" arg="dir" op="equ" val="norm">
+                <dgm:alg type="hierChild">
+                  <dgm:param type="linDir" val="fromL"/>
+                </dgm:alg>
+              </dgm:if>
+              <dgm:else name="Name7">
+                <dgm:alg type="hierChild">
+                  <dgm:param type="linDir" val="fromR"/>
+                </dgm:alg>
+              </dgm:else>
+            </dgm:choose>
+            <dgm:shape xmlns:r="http://schemas.openxmlformats.org/officeDocument/2006/relationships" r:blip="">
+              <dgm:adjLst/>
+            </dgm:shape>
+            <dgm:presOf/>
+            <dgm:constrLst/>
+            <dgm:ruleLst/>
+            <dgm:forEach name="Name8" axis="ch">
+              <dgm:forEach name="Name9" axis="self" ptType="parTrans" cnt="1">
+                <dgm:layoutNode name="Name10">
+                  <dgm:alg type="conn">
+                    <dgm:param type="dim" val="1D"/>
+                    <dgm:param type="endSty" val="noArr"/>
+                    <dgm:param type="connRout" val="bend"/>
+                    <dgm:param type="bendPt" val="end"/>
+                    <dgm:param type="begPts" val="bCtr"/>
+                    <dgm:param type="endPts" val="tCtr"/>
+                    <dgm:param type="srcNode" val="background"/>
+                    <dgm:param type="dstNode" val="background2"/>
+                  </dgm:alg>
+                  <dgm:shape xmlns:r="http://schemas.openxmlformats.org/officeDocument/2006/relationships" type="conn" r:blip="" zOrderOff="-999">
+                    <dgm:adjLst/>
                   </dgm:shape>
-                  <dgm:presOf axis="ch desOrSelf" ptType="node node" st="1 1" cnt="1 0"/>
-                  <dgm:constrLst/>
+                  <dgm:presOf axis="self"/>
+                  <dgm:constrLst>
+                    <dgm:constr type="begPad"/>
+                    <dgm:constr type="endPad"/>
+                  </dgm:constrLst>
                   <dgm:ruleLst/>
                 </dgm:layoutNode>
-                <dgm:layoutNode name="ThreeNodes_2">
-                  <dgm:varLst>
-                    <dgm:bulletEnabled val="1"/>
-                  </dgm:varLst>
-                  <dgm:alg type="sp"/>
-                  <dgm:shape xmlns:r="http://schemas.openxmlformats.org/officeDocument/2006/relationships" type="roundRect" r:blip="">
-                    <dgm:adjLst>
-                      <dgm:adj idx="1" val="0.1"/>
-                    </dgm:adjLst>
+              </dgm:forEach>
+              <dgm:forEach name="Name11" axis="self" ptType="node">
+                <dgm:layoutNode name="hierRoot2">
+                  <dgm:alg type="hierRoot"/>
+                  <dgm:shape xmlns:r="http://schemas.openxmlformats.org/officeDocument/2006/relationships" r:blip="">
+                    <dgm:adjLst/>
                   </dgm:shape>
-                  <dgm:presOf axis="ch desOrSelf" ptType="node node" st="2 1" cnt="1 0"/>
-                  <dgm:constrLst/>
+                  <dgm:presOf/>
+                  <dgm:constrLst>
+                    <dgm:constr type="bendDist" for="des" ptType="parTrans" refType="sp" fact="0.5"/>
+                  </dgm:constrLst>
                   <dgm:ruleLst/>
-                </dgm:layoutNode>
-                <dgm:layoutNode name="ThreeNodes_3">
-                  <dgm:varLst>
-                    <dgm:bulletEnabled val="1"/>
-                  </dgm:varLst>
-                  <dgm:alg type="sp"/>
-                  <dgm:shape xmlns:r="http://schemas.openxmlformats.org/officeDocument/2006/relationships" type="roundRect" r:blip="">
-                    <dgm:adjLst>
-                      <dgm:adj idx="1" val="0.1"/>
-                    </dgm:adjLst>
-                  </dgm:shape>
-                  <dgm:presOf axis="ch desOrSelf" ptType="node node" st="3 1" cnt="1 0"/>
-                  <dgm:constrLst/>
-                  <dgm:ruleLst/>
-                </dgm:layoutNode>
-                <dgm:layoutNode name="ThreeConn_1-2" styleLbl="fgAccFollowNode1">
-                  <dgm:varLst>
-                    <dgm:bulletEnabled val="1"/>
-                  </dgm:varLst>
-                  <dgm:alg type="tx"/>
-                  <dgm:shape xmlns:r="http://schemas.openxmlformats.org/officeDocument/2006/relationships" type="downArrow" r:blip="">
-                    <dgm:adjLst>
-                      <dgm:adj idx="1" val="0.55"/>
-                      <dgm:adj idx="2" val="0.45"/>
-                    </dgm:adjLst>
-                  </dgm:shape>
-                  <dgm:presOf axis="ch" ptType="sibTrans" cnt="1"/>
-                  <dgm:constrLst>
-                    <dgm:constr type="lMarg" refType="primFontSz" fact="0.1"/>
-                    <dgm:constr type="rMarg" refType="primFontSz" fact="0.1"/>
-                    <dgm:constr type="tMarg" refType="primFontSz" fact="0.1"/>
-                    <dgm:constr type="bMarg" refType="primFontSz" fact="0.1"/>
-                  </dgm:constrLst>
-                  <dgm:ruleLst>
-                    <dgm:rule type="primFontSz" val="5" fact="NaN" max="NaN"/>
-                  </dgm:ruleLst>
-                </dgm:layoutNode>
-                <dgm:layoutNode name="ThreeConn_2-3" styleLbl="fgAccFollowNode1">
-                  <dgm:varLst>
-                    <dgm:bulletEnabled val="1"/>
-                  </dgm:varLst>
-                  <dgm:alg type="tx"/>
-                  <dgm:shape xmlns:r="http://schemas.openxmlformats.org/officeDocument/2006/relationships" type="downArrow" r:blip="">
-                    <dgm:adjLst>
-                      <dgm:adj idx="1" val="0.55"/>
-                      <dgm:adj idx="2" val="0.45"/>
-                    </dgm:adjLst>
-                  </dgm:shape>
-                  <dgm:presOf axis="ch" ptType="sibTrans" st="2" cnt="1"/>
-                  <dgm:constrLst>
-                    <dgm:constr type="lMarg" refType="primFontSz" fact="0.1"/>
-                    <dgm:constr type="rMarg" refType="primFontSz" fact="0.1"/>
-                    <dgm:constr type="tMarg" refType="primFontSz" fact="0.1"/>
-                    <dgm:constr type="bMarg" refType="primFontSz" fact="0.1"/>
-                  </dgm:constrLst>
-                  <dgm:ruleLst>
-                    <dgm:rule type="primFontSz" val="5" fact="NaN" max="NaN"/>
-                  </dgm:ruleLst>
-                </dgm:layoutNode>
-                <dgm:layoutNode name="ThreeNodes_1_text">
-                  <dgm:varLst>
-                    <dgm:bulletEnabled val="1"/>
-                  </dgm:varLst>
-                  <dgm:alg type="tx">
-                    <dgm:param type="parTxLTRAlign" val="l"/>
-                    <dgm:param type="txAnchorVertCh" val="mid"/>
-                  </dgm:alg>
-                  <dgm:shape xmlns:r="http://schemas.openxmlformats.org/officeDocument/2006/relationships" type="roundRect" r:blip="" hideGeom="1">
-                    <dgm:adjLst>
-                      <dgm:adj idx="1" val="0.1"/>
-                    </dgm:adjLst>
-                  </dgm:shape>
-                  <dgm:presOf axis="ch desOrSelf" ptType="node node" st="1 1" cnt="1 0"/>
-                  <dgm:constrLst>
-                    <dgm:constr type="lMarg" refType="primFontSz" fact="0.3"/>
-                    <dgm:constr type="rMarg" refType="primFontSz" fact="0.3"/>
-                    <dgm:constr type="tMarg" refType="primFontSz" fact="0.3"/>
-                    <dgm:constr type="bMarg" refType="primFontSz" fact="0.3"/>
-                  </dgm:constrLst>
-                  <dgm:ruleLst>
-                    <dgm:rule type="primFontSz" val="5" fact="NaN" max="NaN"/>
-                  </dgm:ruleLst>
-                </dgm:layoutNode>
-                <dgm:layoutNode name="ThreeNodes_2_text">
-                  <dgm:varLst>
-                    <dgm:bulletEnabled val="1"/>
-                  </dgm:varLst>
-                  <dgm:alg type="tx">
-                    <dgm:param type="parTxLTRAlign" val="l"/>
-                    <dgm:param type="txAnchorVertCh" val="mid"/>
-                  </dgm:alg>
-                  <dgm:shape xmlns:r="http://schemas.openxmlformats.org/officeDocument/2006/relationships" type="roundRect" r:blip="" hideGeom="1">
-                    <dgm:adjLst>
-                      <dgm:adj idx="1" val="0.1"/>
-                    </dgm:adjLst>
-                  </dgm:shape>
-                  <dgm:presOf axis="ch desOrSelf" ptType="node node" st="2 1" cnt="1 0"/>
-                  <dgm:constrLst>
-                    <dgm:constr type="lMarg" refType="primFontSz" fact="0.3"/>
-                    <dgm:constr type="rMarg" refType="primFontSz" fact="0.3"/>
-                    <dgm:constr type="tMarg" refType="primFontSz" fact="0.3"/>
-                    <dgm:constr type="bMarg" refType="primFontSz" fact="0.3"/>
-                  </dgm:constrLst>
-                  <dgm:ruleLst>
-                    <dgm:rule type="primFontSz" val="5" fact="NaN" max="NaN"/>
-                  </dgm:ruleLst>
-                </dgm:layoutNode>
-                <dgm:layoutNode name="ThreeNodes_3_text">
-                  <dgm:varLst>
-                    <dgm:bulletEnabled val="1"/>
-                  </dgm:varLst>
-                  <dgm:alg type="tx">
-                    <dgm:param type="parTxLTRAlign" val="l"/>
-                    <dgm:param type="txAnchorVertCh" val="mid"/>
-                  </dgm:alg>
-                  <dgm:shape xmlns:r="http://schemas.openxmlformats.org/officeDocument/2006/relationships" type="roundRect" r:blip="" hideGeom="1">
-                    <dgm:adjLst>
-                      <dgm:adj idx="1" val="0.1"/>
-                    </dgm:adjLst>
-                  </dgm:shape>
-                  <dgm:presOf axis="ch desOrSelf" ptType="node node" st="3 1" cnt="1 0"/>
-                  <dgm:constrLst>
-                    <dgm:constr type="lMarg" refType="primFontSz" fact="0.3"/>
-                    <dgm:constr type="rMarg" refType="primFontSz" fact="0.3"/>
-                    <dgm:constr type="tMarg" refType="primFontSz" fact="0.3"/>
-                    <dgm:constr type="bMarg" refType="primFontSz" fact="0.3"/>
-                  </dgm:constrLst>
-                  <dgm:ruleLst>
-                    <dgm:rule type="primFontSz" val="5" fact="NaN" max="NaN"/>
-                  </dgm:ruleLst>
-                </dgm:layoutNode>
-              </dgm:if>
-              <dgm:else name="Name11">
-                <dgm:choose name="Name12">
-                  <dgm:if name="Name13" axis="ch" ptType="node" func="cnt" op="equ" val="4">
-                    <dgm:layoutNode name="FourNodes_1">
-                      <dgm:varLst>
-                        <dgm:bulletEnabled val="1"/>
-                      </dgm:varLst>
+                  <dgm:layoutNode name="composite2">
+                    <dgm:alg type="composite"/>
+                    <dgm:shape xmlns:r="http://schemas.openxmlformats.org/officeDocument/2006/relationships" r:blip="">
+                      <dgm:adjLst/>
+                    </dgm:shape>
+                    <dgm:presOf/>
+                    <dgm:constrLst>
+                      <dgm:constr type="w" for="ch" forName="background2" refType="w" fact="0.9"/>
+                      <dgm:constr type="h" for="ch" forName="background2" refType="w" refFor="ch" refForName="background2" fact="0.635"/>
+                      <dgm:constr type="t" for="ch" forName="background2"/>
+                      <dgm:constr type="l" for="ch" forName="background2"/>
+                      <dgm:constr type="w" for="ch" forName="text2" refType="w" fact="0.9"/>
+                      <dgm:constr type="h" for="ch" forName="text2" refType="w" refFor="ch" refForName="text2" fact="0.635"/>
+                      <dgm:constr type="t" for="ch" forName="text2" refType="w" fact="0.095"/>
+                      <dgm:constr type="l" for="ch" forName="text2" refType="w" fact="0.1"/>
+                    </dgm:constrLst>
+                    <dgm:ruleLst/>
+                    <dgm:layoutNode name="background2" moveWith="text2">
                       <dgm:alg type="sp"/>
                       <dgm:shape xmlns:r="http://schemas.openxmlformats.org/officeDocument/2006/relationships" type="roundRect" r:blip="">
                         <dgm:adjLst>
                           <dgm:adj idx="1" val="0.1"/>
                         </dgm:adjLst>
                       </dgm:shape>
-                      <dgm:presOf axis="ch desOrSelf" ptType="node node" st="1 1" cnt="1 0"/>
+                      <dgm:presOf/>
                       <dgm:constrLst/>
                       <dgm:ruleLst/>
                     </dgm:layoutNode>
-                    <dgm:layoutNode name="FourNodes_2">
+                    <dgm:layoutNode name="text2" styleLbl="fgAcc2">
                       <dgm:varLst>
-                        <dgm:bulletEnabled val="1"/>
+                        <dgm:chPref val="3"/>
                       </dgm:varLst>
-                      <dgm:alg type="sp"/>
+                      <dgm:alg type="tx"/>
                       <dgm:shape xmlns:r="http://schemas.openxmlformats.org/officeDocument/2006/relationships" type="roundRect" r:blip="">
                         <dgm:adjLst>
                           <dgm:adj idx="1" val="0.1"/>
                         </dgm:adjLst>
                       </dgm:shape>
-                      <dgm:presOf axis="ch desOrSelf" ptType="node node" st="2 1" cnt="1 0"/>
-                      <dgm:constrLst/>
-                      <dgm:ruleLst/>
-                    </dgm:layoutNode>
-                    <dgm:layoutNode name="FourNodes_3">
-                      <dgm:varLst>
-                        <dgm:bulletEnabled val="1"/>
-                      </dgm:varLst>
-                      <dgm:alg type="sp"/>
-                      <dgm:shape xmlns:r="http://schemas.openxmlformats.org/officeDocument/2006/relationships" type="roundRect" r:blip="">
-                        <dgm:adjLst>
-                          <dgm:adj idx="1" val="0.1"/>
-                        </dgm:adjLst>
-                      </dgm:shape>
-                      <dgm:presOf axis="ch desOrSelf" ptType="node node" st="3 1" cnt="1 0"/>
-                      <dgm:constrLst/>
-                      <dgm:ruleLst/>
-                    </dgm:layoutNode>
-                    <dgm:layoutNode name="FourNodes_4">
-                      <dgm:varLst>
-                        <dgm:bulletEnabled val="1"/>
-                      </dgm:varLst>
-                      <dgm:alg type="sp"/>
-                      <dgm:shape xmlns:r="http://schemas.openxmlformats.org/officeDocument/2006/relationships" type="roundRect" r:blip="">
-                        <dgm:adjLst>
-                          <dgm:adj idx="1" val="0.1"/>
-                        </dgm:adjLst>
-                      </dgm:shape>
-                      <dgm:presOf axis="ch desOrSelf" ptType="node node" st="4 1" cnt="1 0"/>
-                      <dgm:constrLst/>
-                      <dgm:ruleLst/>
-                    </dgm:layoutNode>
-                    <dgm:layoutNode name="FourConn_1-2" styleLbl="fgAccFollowNode1">
-                      <dgm:varLst>
-                        <dgm:bulletEnabled val="1"/>
-                      </dgm:varLst>
-                      <dgm:alg type="tx"/>
-                      <dgm:shape xmlns:r="http://schemas.openxmlformats.org/officeDocument/2006/relationships" type="downArrow" r:blip="">
-                        <dgm:adjLst>
-                          <dgm:adj idx="1" val="0.55"/>
-                          <dgm:adj idx="2" val="0.45"/>
-                        </dgm:adjLst>
-                      </dgm:shape>
-                      <dgm:presOf axis="ch" ptType="sibTrans" cnt="1"/>
+                      <dgm:presOf axis="self"/>
                       <dgm:constrLst>
-                        <dgm:constr type="lMarg" refType="primFontSz" fact="0.1"/>
-                        <dgm:constr type="rMarg" refType="primFontSz" fact="0.1"/>
-                        <dgm:constr type="tMarg" refType="primFontSz" fact="0.1"/>
-                        <dgm:constr type="bMarg" refType="primFontSz" fact="0.1"/>
+                        <dgm:constr type="tMarg" refType="primFontSz" fact="0.3"/>
+                        <dgm:constr type="bMarg" refType="primFontSz" fact="0.3"/>
+                        <dgm:constr type="lMarg" refType="primFontSz" fact="0.3"/>
+                        <dgm:constr type="rMarg" refType="primFontSz" fact="0.3"/>
                       </dgm:constrLst>
                       <dgm:ruleLst>
                         <dgm:rule type="primFontSz" val="5" fact="NaN" max="NaN"/>
                       </dgm:ruleLst>
                     </dgm:layoutNode>
-                    <dgm:layoutNode name="FourConn_2-3" styleLbl="fgAccFollowNode1">
-                      <dgm:varLst>
-                        <dgm:bulletEnabled val="1"/>
-                      </dgm:varLst>
-                      <dgm:alg type="tx"/>
-                      <dgm:shape xmlns:r="http://schemas.openxmlformats.org/officeDocument/2006/relationships" type="downArrow" r:blip="">
-                        <dgm:adjLst>
-                          <dgm:adj idx="1" val="0.55"/>
-                          <dgm:adj idx="2" val="0.45"/>
-                        </dgm:adjLst>
-                      </dgm:shape>
-                      <dgm:presOf axis="ch" ptType="sibTrans" st="2" cnt="1"/>
-                      <dgm:constrLst>
-                        <dgm:constr type="lMarg" refType="primFontSz" fact="0.1"/>
-                        <dgm:constr type="rMarg" refType="primFontSz" fact="0.1"/>
-                        <dgm:constr type="tMarg" refType="primFontSz" fact="0.1"/>
-                        <dgm:constr type="bMarg" refType="primFontSz" fact="0.1"/>
-                      </dgm:constrLst>
-                      <dgm:ruleLst>
-                        <dgm:rule type="primFontSz" val="5" fact="NaN" max="NaN"/>
-                      </dgm:ruleLst>
-                    </dgm:layoutNode>
-                    <dgm:layoutNode name="FourConn_3-4" styleLbl="fgAccFollowNode1">
-                      <dgm:varLst>
-                        <dgm:bulletEnabled val="1"/>
-                      </dgm:varLst>
-                      <dgm:alg type="tx"/>
-                      <dgm:shape xmlns:r="http://schemas.openxmlformats.org/officeDocument/2006/relationships" type="downArrow" r:blip="">
-                        <dgm:adjLst>
-                          <dgm:adj idx="1" val="0.55"/>
-                          <dgm:adj idx="2" val="0.45"/>
-                        </dgm:adjLst>
-                      </dgm:shape>
-                      <dgm:presOf axis="ch" ptType="sibTrans" st="3" cnt="1"/>
-                      <dgm:constrLst>
-                        <dgm:constr type="lMarg" refType="primFontSz" fact="0.1"/>
-                        <dgm:constr type="rMarg" refType="primFontSz" fact="0.1"/>
-                        <dgm:constr type="tMarg" refType="primFontSz" fact="0.1"/>
-                        <dgm:constr type="bMarg" refType="primFontSz" fact="0.1"/>
-                      </dgm:constrLst>
-                      <dgm:ruleLst>
-                        <dgm:rule type="primFontSz" val="5" fact="NaN" max="NaN"/>
-                      </dgm:ruleLst>
-                    </dgm:layoutNode>
-                    <dgm:layoutNode name="FourNodes_1_text">
-                      <dgm:varLst>
-                        <dgm:bulletEnabled val="1"/>
-                      </dgm:varLst>
-                      <dgm:alg type="tx">
-                        <dgm:param type="parTxLTRAlign" val="l"/>
-                        <dgm:param type="txAnchorVertCh" val="mid"/>
-                      </dgm:alg>
-                      <dgm:shape xmlns:r="http://schemas.openxmlformats.org/officeDocument/2006/relationships" type="roundRect" r:blip="" hideGeom="1">
-                        <dgm:adjLst>
-                          <dgm:adj idx="1" val="0.1"/>
-                        </dgm:adjLst>
-                      </dgm:shape>
-                      <dgm:presOf axis="ch desOrSelf" ptType="node node" st="1 1" cnt="1 0"/>
-                      <dgm:constrLst>
-                        <dgm:constr type="lMarg" refType="primFontSz" fact="0.3"/>
-                        <dgm:constr type="rMarg" refType="primFontSz" fact="0.3"/>
-                        <dgm:constr type="tMarg" refType="primFontSz" fact="0.3"/>
-                        <dgm:constr type="bMarg" refType="primFontSz" fact="0.3"/>
-                      </dgm:constrLst>
-                      <dgm:ruleLst>
-                        <dgm:rule type="primFontSz" val="5" fact="NaN" max="NaN"/>
-                      </dgm:ruleLst>
-                    </dgm:layoutNode>
-                    <dgm:layoutNode name="FourNodes_2_text">
-                      <dgm:varLst>
-                        <dgm:bulletEnabled val="1"/>
-                      </dgm:varLst>
-                      <dgm:alg type="tx">
-                        <dgm:param type="parTxLTRAlign" val="l"/>
-                        <dgm:param type="txAnchorVertCh" val="mid"/>
-                      </dgm:alg>
-                      <dgm:shape xmlns:r="http://schemas.openxmlformats.org/officeDocument/2006/relationships" type="roundRect" r:blip="" hideGeom="1">
-                        <dgm:adjLst>
-                          <dgm:adj idx="1" val="0.1"/>
-                        </dgm:adjLst>
-                      </dgm:shape>
-                      <dgm:presOf axis="ch desOrSelf" ptType="node node" st="2 1" cnt="1 0"/>
-                      <dgm:constrLst>
-                        <dgm:constr type="lMarg" refType="primFontSz" fact="0.3"/>
-                        <dgm:constr type="rMarg" refType="primFontSz" fact="0.3"/>
-                        <dgm:constr type="tMarg" refType="primFontSz" fact="0.3"/>
-                        <dgm:constr type="bMarg" refType="primFontSz" fact="0.3"/>
-                      </dgm:constrLst>
-                      <dgm:ruleLst>
-                        <dgm:rule type="primFontSz" val="5" fact="NaN" max="NaN"/>
-                      </dgm:ruleLst>
-                    </dgm:layoutNode>
-                    <dgm:layoutNode name="FourNodes_3_text">
-                      <dgm:varLst>
-                        <dgm:bulletEnabled val="1"/>
-                      </dgm:varLst>
-                      <dgm:alg type="tx">
-                        <dgm:param type="parTxLTRAlign" val="l"/>
-                        <dgm:param type="txAnchorVertCh" val="mid"/>
-                      </dgm:alg>
-                      <dgm:shape xmlns:r="http://schemas.openxmlformats.org/officeDocument/2006/relationships" type="roundRect" r:blip="" hideGeom="1">
-                        <dgm:adjLst>
-                          <dgm:adj idx="1" val="0.1"/>
-                        </dgm:adjLst>
-                      </dgm:shape>
-                      <dgm:presOf axis="ch desOrSelf" ptType="node node" st="3 1" cnt="1 0"/>
-                      <dgm:constrLst>
-                        <dgm:constr type="lMarg" refType="primFontSz" fact="0.3"/>
-                        <dgm:constr type="rMarg" refType="primFontSz" fact="0.3"/>
-                        <dgm:constr type="tMarg" refType="primFontSz" fact="0.3"/>
-                        <dgm:constr type="bMarg" refType="primFontSz" fact="0.3"/>
-                      </dgm:constrLst>
-                      <dgm:ruleLst>
-                        <dgm:rule type="primFontSz" val="5" fact="NaN" max="NaN"/>
-                      </dgm:ruleLst>
-                    </dgm:layoutNode>
-                    <dgm:layoutNode name="FourNodes_4_text">
-                      <dgm:varLst>
-                        <dgm:bulletEnabled val="1"/>
-                      </dgm:varLst>
-                      <dgm:alg type="tx">
-                        <dgm:param type="parTxLTRAlign" val="l"/>
-                        <dgm:param type="txAnchorVertCh" val="mid"/>
-                      </dgm:alg>
-                      <dgm:shape xmlns:r="http://schemas.openxmlformats.org/officeDocument/2006/relationships" type="roundRect" r:blip="" hideGeom="1">
-                        <dgm:adjLst>
-                          <dgm:adj idx="1" val="0.1"/>
-                        </dgm:adjLst>
-                      </dgm:shape>
-                      <dgm:presOf axis="ch desOrSelf" ptType="node node" st="4 1" cnt="1 0"/>
-                      <dgm:constrLst>
-                        <dgm:constr type="lMarg" refType="primFontSz" fact="0.3"/>
-                        <dgm:constr type="rMarg" refType="primFontSz" fact="0.3"/>
-                        <dgm:constr type="tMarg" refType="primFontSz" fact="0.3"/>
-                        <dgm:constr type="bMarg" refType="primFontSz" fact="0.3"/>
-                      </dgm:constrLst>
-                      <dgm:ruleLst>
-                        <dgm:rule type="primFontSz" val="5" fact="NaN" max="NaN"/>
-                      </dgm:ruleLst>
-                    </dgm:layoutNode>
-                  </dgm:if>
-                  <dgm:else name="Name14">
-                    <dgm:choose name="Name15">
-                      <dgm:if name="Name16" axis="ch" ptType="node" func="cnt" op="gte" val="5">
-                        <dgm:layoutNode name="FiveNodes_1">
-                          <dgm:varLst>
-                            <dgm:bulletEnabled val="1"/>
-                          </dgm:varLst>
-                          <dgm:alg type="sp"/>
-                          <dgm:shape xmlns:r="http://schemas.openxmlformats.org/officeDocument/2006/relationships" type="roundRect" r:blip="">
-                            <dgm:adjLst>
-                              <dgm:adj idx="1" val="0.1"/>
-                            </dgm:adjLst>
+                  </dgm:layoutNode>
+                  <dgm:layoutNode name="hierChild3">
+                    <dgm:choose name="Name12">
+                      <dgm:if name="Name13" func="var" arg="dir" op="equ" val="norm">
+                        <dgm:alg type="hierChild">
+                          <dgm:param type="linDir" val="fromL"/>
+                        </dgm:alg>
+                      </dgm:if>
+                      <dgm:else name="Name14">
+                        <dgm:alg type="hierChild">
+                          <dgm:param type="linDir" val="fromR"/>
+                        </dgm:alg>
+                      </dgm:else>
+                    </dgm:choose>
+                    <dgm:shape xmlns:r="http://schemas.openxmlformats.org/officeDocument/2006/relationships" r:blip="">
+                      <dgm:adjLst/>
+                    </dgm:shape>
+                    <dgm:presOf/>
+                    <dgm:constrLst/>
+                    <dgm:ruleLst/>
+                    <dgm:forEach name="Name15" axis="ch">
+                      <dgm:forEach name="Name16" axis="self" ptType="parTrans" cnt="1">
+                        <dgm:layoutNode name="Name17">
+                          <dgm:alg type="conn">
+                            <dgm:param type="dim" val="1D"/>
+                            <dgm:param type="endSty" val="noArr"/>
+                            <dgm:param type="connRout" val="bend"/>
+                            <dgm:param type="bendPt" val="end"/>
+                            <dgm:param type="begPts" val="bCtr"/>
+                            <dgm:param type="endPts" val="tCtr"/>
+                            <dgm:param type="srcNode" val="background2"/>
+                            <dgm:param type="dstNode" val="background3"/>
+                          </dgm:alg>
+                          <dgm:shape xmlns:r="http://schemas.openxmlformats.org/officeDocument/2006/relationships" type="conn" r:blip="" zOrderOff="-999">
+                            <dgm:adjLst/>
                           </dgm:shape>
-                          <dgm:presOf axis="ch desOrSelf" ptType="node node" st="1 1" cnt="1 0"/>
-                          <dgm:constrLst/>
+                          <dgm:presOf axis="self"/>
+                          <dgm:constrLst>
+                            <dgm:constr type="begPad"/>
+                            <dgm:constr type="endPad"/>
+                          </dgm:constrLst>
                           <dgm:ruleLst/>
                         </dgm:layoutNode>
-                        <dgm:layoutNode name="FiveNodes_2">
-                          <dgm:varLst>
-                            <dgm:bulletEnabled val="1"/>
-                          </dgm:varLst>
-                          <dgm:alg type="sp"/>
-                          <dgm:shape xmlns:r="http://schemas.openxmlformats.org/officeDocument/2006/relationships" type="roundRect" r:blip="">
-                            <dgm:adjLst>
-                              <dgm:adj idx="1" val="0.1"/>
-                            </dgm:adjLst>
+                      </dgm:forEach>
+                      <dgm:forEach name="Name18" axis="self" ptType="node">
+                        <dgm:layoutNode name="hierRoot3">
+                          <dgm:alg type="hierRoot"/>
+                          <dgm:shape xmlns:r="http://schemas.openxmlformats.org/officeDocument/2006/relationships" r:blip="">
+                            <dgm:adjLst/>
                           </dgm:shape>
-                          <dgm:presOf axis="ch desOrSelf" ptType="node node" st="2 1" cnt="1 0"/>
-                          <dgm:constrLst/>
+                          <dgm:presOf/>
+                          <dgm:constrLst>
+                            <dgm:constr type="bendDist" for="des" ptType="parTrans" refType="sp" fact="0.5"/>
+                          </dgm:constrLst>
                           <dgm:ruleLst/>
+                          <dgm:layoutNode name="composite3">
+                            <dgm:alg type="composite"/>
+                            <dgm:shape xmlns:r="http://schemas.openxmlformats.org/officeDocument/2006/relationships" r:blip="">
+                              <dgm:adjLst/>
+                            </dgm:shape>
+                            <dgm:presOf/>
+                            <dgm:constrLst>
+                              <dgm:constr type="w" for="ch" forName="background3" refType="w" fact="0.9"/>
+                              <dgm:constr type="h" for="ch" forName="background3" refType="w" refFor="ch" refForName="background3" fact="0.635"/>
+                              <dgm:constr type="t" for="ch" forName="background3"/>
+                              <dgm:constr type="l" for="ch" forName="background3"/>
+                              <dgm:constr type="w" for="ch" forName="text3" refType="w" fact="0.9"/>
+                              <dgm:constr type="h" for="ch" forName="text3" refType="w" refFor="ch" refForName="text3" fact="0.635"/>
+                              <dgm:constr type="t" for="ch" forName="text3" refType="w" fact="0.095"/>
+                              <dgm:constr type="l" for="ch" forName="text3" refType="w" fact="0.1"/>
+                            </dgm:constrLst>
+                            <dgm:ruleLst/>
+                            <dgm:layoutNode name="background3" moveWith="text3">
+                              <dgm:alg type="sp"/>
+                              <dgm:shape xmlns:r="http://schemas.openxmlformats.org/officeDocument/2006/relationships" type="roundRect" r:blip="">
+                                <dgm:adjLst>
+                                  <dgm:adj idx="1" val="0.1"/>
+                                </dgm:adjLst>
+                              </dgm:shape>
+                              <dgm:presOf/>
+                              <dgm:constrLst/>
+                              <dgm:ruleLst/>
+                            </dgm:layoutNode>
+                            <dgm:layoutNode name="text3" styleLbl="fgAcc3">
+                              <dgm:varLst>
+                                <dgm:chPref val="3"/>
+                              </dgm:varLst>
+                              <dgm:alg type="tx"/>
+                              <dgm:shape xmlns:r="http://schemas.openxmlformats.org/officeDocument/2006/relationships" type="roundRect" r:blip="">
+                                <dgm:adjLst>
+                                  <dgm:adj idx="1" val="0.1"/>
+                                </dgm:adjLst>
+                              </dgm:shape>
+                              <dgm:presOf axis="self"/>
+                              <dgm:constrLst>
+                                <dgm:constr type="tMarg" refType="primFontSz" fact="0.3"/>
+                                <dgm:constr type="bMarg" refType="primFontSz" fact="0.3"/>
+                                <dgm:constr type="lMarg" refType="primFontSz" fact="0.3"/>
+                                <dgm:constr type="rMarg" refType="primFontSz" fact="0.3"/>
+                              </dgm:constrLst>
+                              <dgm:ruleLst>
+                                <dgm:rule type="primFontSz" val="5" fact="NaN" max="NaN"/>
+                              </dgm:ruleLst>
+                            </dgm:layoutNode>
+                          </dgm:layoutNode>
+                          <dgm:layoutNode name="hierChild4">
+                            <dgm:choose name="Name19">
+                              <dgm:if name="Name20" func="var" arg="dir" op="equ" val="norm">
+                                <dgm:alg type="hierChild">
+                                  <dgm:param type="linDir" val="fromL"/>
+                                </dgm:alg>
+                              </dgm:if>
+                              <dgm:else name="Name21">
+                                <dgm:alg type="hierChild">
+                                  <dgm:param type="linDir" val="fromR"/>
+                                </dgm:alg>
+                              </dgm:else>
+                            </dgm:choose>
+                            <dgm:shape xmlns:r="http://schemas.openxmlformats.org/officeDocument/2006/relationships" r:blip="">
+                              <dgm:adjLst/>
+                            </dgm:shape>
+                            <dgm:presOf/>
+                            <dgm:constrLst/>
+                            <dgm:ruleLst/>
+                            <dgm:forEach name="repeat" axis="ch">
+                              <dgm:forEach name="Name22" axis="self" ptType="parTrans" cnt="1">
+                                <dgm:layoutNode name="Name23">
+                                  <dgm:choose name="Name24">
+                                    <dgm:if name="Name25" axis="self" func="depth" op="lte" val="4">
+                                      <dgm:alg type="conn">
+                                        <dgm:param type="dim" val="1D"/>
+                                        <dgm:param type="endSty" val="noArr"/>
+                                        <dgm:param type="connRout" val="bend"/>
+                                        <dgm:param type="bendPt" val="end"/>
+                                        <dgm:param type="begPts" val="bCtr"/>
+                                        <dgm:param type="endPts" val="tCtr"/>
+                                        <dgm:param type="srcNode" val="background3"/>
+                                        <dgm:param type="dstNode" val="background4"/>
+                                      </dgm:alg>
+                                    </dgm:if>
+                                    <dgm:else name="Name26">
+                                      <dgm:alg type="conn">
+                                        <dgm:param type="dim" val="1D"/>
+                                        <dgm:param type="endSty" val="noArr"/>
+                                        <dgm:param type="connRout" val="bend"/>
+                                        <dgm:param type="bendPt" val="end"/>
+                                        <dgm:param type="begPts" val="bCtr"/>
+                                        <dgm:param type="endPts" val="tCtr"/>
+                                        <dgm:param type="srcNode" val="background4"/>
+                                        <dgm:param type="dstNode" val="background4"/>
+                                      </dgm:alg>
+                                    </dgm:else>
+                                  </dgm:choose>
+                                  <dgm:shape xmlns:r="http://schemas.openxmlformats.org/officeDocument/2006/relationships" type="conn" r:blip="" zOrderOff="-999">
+                                    <dgm:adjLst/>
+                                  </dgm:shape>
+                                  <dgm:presOf axis="self"/>
+                                  <dgm:constrLst>
+                                    <dgm:constr type="begPad"/>
+                                    <dgm:constr type="endPad"/>
+                                  </dgm:constrLst>
+                                  <dgm:ruleLst/>
+                                </dgm:layoutNode>
+                              </dgm:forEach>
+                              <dgm:forEach name="Name27" axis="self" ptType="node">
+                                <dgm:layoutNode name="hierRoot4">
+                                  <dgm:alg type="hierRoot"/>
+                                  <dgm:shape xmlns:r="http://schemas.openxmlformats.org/officeDocument/2006/relationships" r:blip="">
+                                    <dgm:adjLst/>
+                                  </dgm:shape>
+                                  <dgm:presOf/>
+                                  <dgm:constrLst>
+                                    <dgm:constr type="bendDist" for="des" ptType="parTrans" refType="sp" fact="0.5"/>
+                                  </dgm:constrLst>
+                                  <dgm:ruleLst/>
+                                  <dgm:layoutNode name="composite4">
+                                    <dgm:alg type="composite"/>
+                                    <dgm:shape xmlns:r="http://schemas.openxmlformats.org/officeDocument/2006/relationships" r:blip="">
+                                      <dgm:adjLst/>
+                                    </dgm:shape>
+                                    <dgm:presOf/>
+                                    <dgm:constrLst>
+                                      <dgm:constr type="w" for="ch" forName="background4" refType="w" fact="0.9"/>
+                                      <dgm:constr type="h" for="ch" forName="background4" refType="w" refFor="ch" refForName="background4" fact="0.635"/>
+                                      <dgm:constr type="t" for="ch" forName="background4"/>
+                                      <dgm:constr type="l" for="ch" forName="background4"/>
+                                      <dgm:constr type="w" for="ch" forName="text4" refType="w" fact="0.9"/>
+                                      <dgm:constr type="h" for="ch" forName="text4" refType="w" refFor="ch" refForName="text4" fact="0.635"/>
+                                      <dgm:constr type="t" for="ch" forName="text4" refType="w" fact="0.095"/>
+                                      <dgm:constr type="l" for="ch" forName="text4" refType="w" fact="0.1"/>
+                                    </dgm:constrLst>
+                                    <dgm:ruleLst/>
+                                    <dgm:layoutNode name="background4" moveWith="text4">
+                                      <dgm:alg type="sp"/>
+                                      <dgm:shape xmlns:r="http://schemas.openxmlformats.org/officeDocument/2006/relationships" type="roundRect" r:blip="">
+                                        <dgm:adjLst>
+                                          <dgm:adj idx="1" val="0.1"/>
+                                        </dgm:adjLst>
+                                      </dgm:shape>
+                                      <dgm:presOf/>
+                                      <dgm:constrLst/>
+                                      <dgm:ruleLst/>
+                                    </dgm:layoutNode>
+                                    <dgm:layoutNode name="text4" styleLbl="fgAcc4">
+                                      <dgm:varLst>
+                                        <dgm:chPref val="3"/>
+                                      </dgm:varLst>
+                                      <dgm:alg type="tx"/>
+                                      <dgm:shape xmlns:r="http://schemas.openxmlformats.org/officeDocument/2006/relationships" type="roundRect" r:blip="">
+                                        <dgm:adjLst>
+                                          <dgm:adj idx="1" val="0.1"/>
+                                        </dgm:adjLst>
+                                      </dgm:shape>
+                                      <dgm:presOf axis="self"/>
+                                      <dgm:constrLst>
+                                        <dgm:constr type="tMarg" refType="primFontSz" fact="0.3"/>
+                                        <dgm:constr type="bMarg" refType="primFontSz" fact="0.3"/>
+                                        <dgm:constr type="lMarg" refType="primFontSz" fact="0.3"/>
+                                        <dgm:constr type="rMarg" refType="primFontSz" fact="0.3"/>
+                                      </dgm:constrLst>
+                                      <dgm:ruleLst>
+                                        <dgm:rule type="primFontSz" val="5" fact="NaN" max="NaN"/>
+                                      </dgm:ruleLst>
+                                    </dgm:layoutNode>
+                                  </dgm:layoutNode>
+                                  <dgm:layoutNode name="hierChild5">
+                                    <dgm:choose name="Name28">
+                                      <dgm:if name="Name29" func="var" arg="dir" op="equ" val="norm">
+                                        <dgm:alg type="hierChild">
+                                          <dgm:param type="linDir" val="fromL"/>
+                                        </dgm:alg>
+                                      </dgm:if>
+                                      <dgm:else name="Name30">
+                                        <dgm:alg type="hierChild">
+                                          <dgm:param type="linDir" val="fromR"/>
+                                        </dgm:alg>
+                                      </dgm:else>
+                                    </dgm:choose>
+                                    <dgm:shape xmlns:r="http://schemas.openxmlformats.org/officeDocument/2006/relationships" r:blip="">
+                                      <dgm:adjLst/>
+                                    </dgm:shape>
+                                    <dgm:presOf/>
+                                    <dgm:constrLst/>
+                                    <dgm:ruleLst/>
+                                    <dgm:forEach name="Name31" ref="repeat"/>
+                                  </dgm:layoutNode>
+                                </dgm:layoutNode>
+                              </dgm:forEach>
+                            </dgm:forEach>
+                          </dgm:layoutNode>
                         </dgm:layoutNode>
-                        <dgm:layoutNode name="FiveNodes_3">
-                          <dgm:varLst>
-                            <dgm:bulletEnabled val="1"/>
-                          </dgm:varLst>
-                          <dgm:alg type="sp"/>
-                          <dgm:shape xmlns:r="http://schemas.openxmlformats.org/officeDocument/2006/relationships" type="roundRect" r:blip="">
-                            <dgm:adjLst>
-                              <dgm:adj idx="1" val="0.1"/>
-                            </dgm:adjLst>
-                          </dgm:shape>
-                          <dgm:presOf axis="ch desOrSelf" ptType="node node" st="3 1" cnt="1 0"/>
-                          <dgm:constrLst/>
-                          <dgm:ruleLst/>
-                        </dgm:layoutNode>
-                        <dgm:layoutNode name="FiveNodes_4">
-                          <dgm:varLst>
-                            <dgm:bulletEnabled val="1"/>
-                          </dgm:varLst>
-                          <dgm:alg type="sp"/>
-                          <dgm:shape xmlns:r="http://schemas.openxmlformats.org/officeDocument/2006/relationships" type="roundRect" r:blip="">
-                            <dgm:adjLst>
-                              <dgm:adj idx="1" val="0.1"/>
-                            </dgm:adjLst>
-                          </dgm:shape>
-                          <dgm:presOf axis="ch desOrSelf" ptType="node node" st="4 1" cnt="1 0"/>
-                          <dgm:constrLst/>
-                          <dgm:ruleLst/>
-                        </dgm:layoutNode>
-                        <dgm:layoutNode name="FiveNodes_5">
-                          <dgm:varLst>
-                            <dgm:bulletEnabled val="1"/>
-                          </dgm:varLst>
-                          <dgm:alg type="sp"/>
-                          <dgm:shape xmlns:r="http://schemas.openxmlformats.org/officeDocument/2006/relationships" type="roundRect" r:blip="">
-                            <dgm:adjLst>
-                              <dgm:adj idx="1" val="0.1"/>
-                            </dgm:adjLst>
-                          </dgm:shape>
-                          <dgm:presOf axis="ch desOrSelf" ptType="node node" st="5 1" cnt="1 0"/>
-                          <dgm:constrLst/>
-                          <dgm:ruleLst/>
-                        </dgm:layoutNode>
-                        <dgm:layoutNode name="FiveConn_1-2" styleLbl="fgAccFollowNode1">
-                          <dgm:varLst>
-                            <dgm:bulletEnabled val="1"/>
-                          </dgm:varLst>
-                          <dgm:alg type="tx"/>
-                          <dgm:shape xmlns:r="http://schemas.openxmlformats.org/officeDocument/2006/relationships" type="downArrow" r:blip="">
-                            <dgm:adjLst>
-                              <dgm:adj idx="1" val="0.55"/>
-                              <dgm:adj idx="2" val="0.45"/>
-                            </dgm:adjLst>
-                          </dgm:shape>
-                          <dgm:presOf axis="ch" ptType="sibTrans" cnt="1"/>
-                          <dgm:constrLst>
-                            <dgm:constr type="lMarg" refType="primFontSz" fact="0.1"/>
-                            <dgm:constr type="rMarg" refType="primFontSz" fact="0.1"/>
-                            <dgm:constr type="tMarg" refType="primFontSz" fact="0.1"/>
-                            <dgm:constr type="bMarg" refType="primFontSz" fact="0.1"/>
-                          </dgm:constrLst>
-                          <dgm:ruleLst>
-                            <dgm:rule type="primFontSz" val="5" fact="NaN" max="NaN"/>
-                          </dgm:ruleLst>
-                        </dgm:layoutNode>
-                        <dgm:layoutNode name="FiveConn_2-3" styleLbl="fgAccFollowNode1">
-                          <dgm:varLst>
-                            <dgm:bulletEnabled val="1"/>
-                          </dgm:varLst>
-                          <dgm:alg type="tx"/>
-                          <dgm:shape xmlns:r="http://schemas.openxmlformats.org/officeDocument/2006/relationships" type="downArrow" r:blip="">
-                            <dgm:adjLst>
-                              <dgm:adj idx="1" val="0.55"/>
-                              <dgm:adj idx="2" val="0.45"/>
-                            </dgm:adjLst>
-                          </dgm:shape>
-                          <dgm:presOf axis="ch" ptType="sibTrans" st="2" cnt="1"/>
-                          <dgm:constrLst>
-                            <dgm:constr type="lMarg" refType="primFontSz" fact="0.1"/>
-                            <dgm:constr type="rMarg" refType="primFontSz" fact="0.1"/>
-                            <dgm:constr type="tMarg" refType="primFontSz" fact="0.1"/>
-                            <dgm:constr type="bMarg" refType="primFontSz" fact="0.1"/>
-                          </dgm:constrLst>
-                          <dgm:ruleLst>
-                            <dgm:rule type="primFontSz" val="5" fact="NaN" max="NaN"/>
-                          </dgm:ruleLst>
-                        </dgm:layoutNode>
-                        <dgm:layoutNode name="FiveConn_3-4" styleLbl="fgAccFollowNode1">
-                          <dgm:varLst>
-                            <dgm:bulletEnabled val="1"/>
-                          </dgm:varLst>
-                          <dgm:alg type="tx"/>
-                          <dgm:shape xmlns:r="http://schemas.openxmlformats.org/officeDocument/2006/relationships" type="downArrow" r:blip="">
-                            <dgm:adjLst>
-                              <dgm:adj idx="1" val="0.55"/>
-                              <dgm:adj idx="2" val="0.45"/>
-                            </dgm:adjLst>
-                          </dgm:shape>
-                          <dgm:presOf axis="ch" ptType="sibTrans" st="3" cnt="1"/>
-                          <dgm:constrLst>
-                            <dgm:constr type="lMarg" refType="primFontSz" fact="0.1"/>
-                            <dgm:constr type="rMarg" refType="primFontSz" fact="0.1"/>
-                            <dgm:constr type="tMarg" refType="primFontSz" fact="0.1"/>
-                            <dgm:constr type="bMarg" refType="primFontSz" fact="0.1"/>
-                          </dgm:constrLst>
-                          <dgm:ruleLst>
-                            <dgm:rule type="primFontSz" val="5" fact="NaN" max="NaN"/>
-                          </dgm:ruleLst>
-                        </dgm:layoutNode>
-                        <dgm:layoutNode name="FiveConn_4-5" styleLbl="fgAccFollowNode1">
-                          <dgm:varLst>
-                            <dgm:bulletEnabled val="1"/>
-                          </dgm:varLst>
-                          <dgm:alg type="tx"/>
-                          <dgm:shape xmlns:r="http://schemas.openxmlformats.org/officeDocument/2006/relationships" type="downArrow" r:blip="">
-                            <dgm:adjLst>
-                              <dgm:adj idx="1" val="0.55"/>
-                              <dgm:adj idx="2" val="0.45"/>
-                            </dgm:adjLst>
-                          </dgm:shape>
-                          <dgm:presOf axis="ch" ptType="sibTrans" st="4" cnt="1"/>
-                          <dgm:constrLst>
-                            <dgm:constr type="lMarg" refType="primFontSz" fact="0.1"/>
-                            <dgm:constr type="rMarg" refType="primFontSz" fact="0.1"/>
-                            <dgm:constr type="tMarg" refType="primFontSz" fact="0.1"/>
-                            <dgm:constr type="bMarg" refType="primFontSz" fact="0.1"/>
-                          </dgm:constrLst>
-                          <dgm:ruleLst>
-                            <dgm:rule type="primFontSz" val="5" fact="NaN" max="NaN"/>
-                          </dgm:ruleLst>
-                        </dgm:layoutNode>
-                        <dgm:layoutNode name="FiveNodes_1_text">
-                          <dgm:varLst>
-                            <dgm:bulletEnabled val="1"/>
-                          </dgm:varLst>
-                          <dgm:alg type="tx">
-                            <dgm:param type="parTxLTRAlign" val="l"/>
-                            <dgm:param type="txAnchorVertCh" val="mid"/>
-                          </dgm:alg>
-                          <dgm:shape xmlns:r="http://schemas.openxmlformats.org/officeDocument/2006/relationships" type="roundRect" r:blip="" hideGeom="1">
-                            <dgm:adjLst>
-                              <dgm:adj idx="1" val="0.1"/>
-                            </dgm:adjLst>
-                          </dgm:shape>
-                          <dgm:presOf axis="ch desOrSelf" ptType="node node" st="1 1" cnt="1 0"/>
-                          <dgm:constrLst>
-                            <dgm:constr type="lMarg" refType="primFontSz" fact="0.3"/>
-                            <dgm:constr type="rMarg" refType="primFontSz" fact="0.3"/>
-                            <dgm:constr type="tMarg" refType="primFontSz" fact="0.3"/>
-                            <dgm:constr type="bMarg" refType="primFontSz" fact="0.3"/>
-                          </dgm:constrLst>
-                          <dgm:ruleLst>
-                            <dgm:rule type="primFontSz" val="5" fact="NaN" max="NaN"/>
-                          </dgm:ruleLst>
-                        </dgm:layoutNode>
-                        <dgm:layoutNode name="FiveNodes_2_text">
-                          <dgm:varLst>
-                            <dgm:bulletEnabled val="1"/>
-                          </dgm:varLst>
-                          <dgm:alg type="tx">
-                            <dgm:param type="parTxLTRAlign" val="l"/>
-                            <dgm:param type="txAnchorVertCh" val="mid"/>
-                          </dgm:alg>
-                          <dgm:shape xmlns:r="http://schemas.openxmlformats.org/officeDocument/2006/relationships" type="roundRect" r:blip="" hideGeom="1">
-                            <dgm:adjLst>
-                              <dgm:adj idx="1" val="0.1"/>
-                            </dgm:adjLst>
-                          </dgm:shape>
-                          <dgm:presOf axis="ch desOrSelf" ptType="node node" st="2 1" cnt="1 0"/>
-                          <dgm:constrLst>
-                            <dgm:constr type="lMarg" refType="primFontSz" fact="0.3"/>
-                            <dgm:constr type="rMarg" refType="primFontSz" fact="0.3"/>
-                            <dgm:constr type="tMarg" refType="primFontSz" fact="0.3"/>
-                            <dgm:constr type="bMarg" refType="primFontSz" fact="0.3"/>
-                          </dgm:constrLst>
-                          <dgm:ruleLst>
-                            <dgm:rule type="primFontSz" val="5" fact="NaN" max="NaN"/>
-                          </dgm:ruleLst>
-                        </dgm:layoutNode>
-                        <dgm:layoutNode name="FiveNodes_3_text">
-                          <dgm:varLst>
-                            <dgm:bulletEnabled val="1"/>
-                          </dgm:varLst>
-                          <dgm:alg type="tx">
-                            <dgm:param type="parTxLTRAlign" val="l"/>
-                            <dgm:param type="txAnchorVertCh" val="mid"/>
-                          </dgm:alg>
-                          <dgm:shape xmlns:r="http://schemas.openxmlformats.org/officeDocument/2006/relationships" type="roundRect" r:blip="" hideGeom="1">
-                            <dgm:adjLst>
-                              <dgm:adj idx="1" val="0.1"/>
-                            </dgm:adjLst>
-                          </dgm:shape>
-                          <dgm:presOf axis="ch desOrSelf" ptType="node node" st="3 1" cnt="1 0"/>
-                          <dgm:constrLst>
-                            <dgm:constr type="lMarg" refType="primFontSz" fact="0.3"/>
-                            <dgm:constr type="rMarg" refType="primFontSz" fact="0.3"/>
-                            <dgm:constr type="tMarg" refType="primFontSz" fact="0.3"/>
-                            <dgm:constr type="bMarg" refType="primFontSz" fact="0.3"/>
-                          </dgm:constrLst>
-                          <dgm:ruleLst>
-                            <dgm:rule type="primFontSz" val="5" fact="NaN" max="NaN"/>
-                          </dgm:ruleLst>
-                        </dgm:layoutNode>
-                        <dgm:layoutNode name="FiveNodes_4_text">
-                          <dgm:varLst>
-                            <dgm:bulletEnabled val="1"/>
-                          </dgm:varLst>
-                          <dgm:alg type="tx">
-                            <dgm:param type="parTxLTRAlign" val="l"/>
-                            <dgm:param type="txAnchorVertCh" val="mid"/>
-                          </dgm:alg>
-                          <dgm:shape xmlns:r="http://schemas.openxmlformats.org/officeDocument/2006/relationships" type="roundRect" r:blip="" hideGeom="1">
-                            <dgm:adjLst>
-                              <dgm:adj idx="1" val="0.1"/>
-                            </dgm:adjLst>
-                          </dgm:shape>
-                          <dgm:presOf axis="ch desOrSelf" ptType="node node" st="4 1" cnt="1 0"/>
-                          <dgm:constrLst>
-                            <dgm:constr type="lMarg" refType="primFontSz" fact="0.3"/>
-                            <dgm:constr type="rMarg" refType="primFontSz" fact="0.3"/>
-                            <dgm:constr type="tMarg" refType="primFontSz" fact="0.3"/>
-                            <dgm:constr type="bMarg" refType="primFontSz" fact="0.3"/>
-                          </dgm:constrLst>
-                          <dgm:ruleLst>
-                            <dgm:rule type="primFontSz" val="5" fact="NaN" max="NaN"/>
-                          </dgm:ruleLst>
-                        </dgm:layoutNode>
-                        <dgm:layoutNode name="FiveNodes_5_text">
-                          <dgm:varLst>
-                            <dgm:bulletEnabled val="1"/>
-                          </dgm:varLst>
-                          <dgm:alg type="tx">
-                            <dgm:param type="parTxLTRAlign" val="l"/>
-                            <dgm:param type="txAnchorVertCh" val="mid"/>
-                          </dgm:alg>
-                          <dgm:shape xmlns:r="http://schemas.openxmlformats.org/officeDocument/2006/relationships" type="roundRect" r:blip="" hideGeom="1">
-                            <dgm:adjLst>
-                              <dgm:adj idx="1" val="0.1"/>
-                            </dgm:adjLst>
-                          </dgm:shape>
-                          <dgm:presOf axis="ch desOrSelf" ptType="node node" st="5 1" cnt="1 0"/>
-                          <dgm:constrLst>
-                            <dgm:constr type="lMarg" refType="primFontSz" fact="0.3"/>
-                            <dgm:constr type="rMarg" refType="primFontSz" fact="0.3"/>
-                            <dgm:constr type="tMarg" refType="primFontSz" fact="0.3"/>
-                            <dgm:constr type="bMarg" refType="primFontSz" fact="0.3"/>
-                          </dgm:constrLst>
-                          <dgm:ruleLst>
-                            <dgm:rule type="primFontSz" val="5" fact="NaN" max="NaN"/>
-                          </dgm:ruleLst>
-                        </dgm:layoutNode>
-                      </dgm:if>
-                      <dgm:else name="Name17"/>
-                    </dgm:choose>
-                  </dgm:else>
-                </dgm:choose>
-              </dgm:else>
-            </dgm:choose>
-          </dgm:else>
-        </dgm:choose>
-      </dgm:else>
-    </dgm:choose>
+                      </dgm:forEach>
+                    </dgm:forEach>
+                  </dgm:layoutNode>
+                </dgm:layoutNode>
+              </dgm:forEach>
+            </dgm:forEach>
+          </dgm:layoutNode>
+        </dgm:layoutNode>
+      </dgm:forEach>
+    </dgm:forEach>
   </dgm:layoutNode>
 </dgm:layoutDef>
 </file>
 
 <file path=ppt/diagrams/quickStyle1.xml><?xml version="1.0" encoding="utf-8"?>
-<dgm:styleDef xmlns:dgm="http://schemas.openxmlformats.org/drawingml/2006/diagram" xmlns:a="http://schemas.openxmlformats.org/drawingml/2006/main" uniqueId="urn:microsoft.com/office/officeart/2005/8/quickstyle/simple4">
+<dgm:styleDef xmlns:dgm="http://schemas.openxmlformats.org/drawingml/2006/diagram" xmlns:a="http://schemas.openxmlformats.org/drawingml/2006/main" uniqueId="urn:microsoft.com/office/officeart/2005/8/quickstyle/simple1">
   <dgm:title val=""/>
   <dgm:desc val=""/>
   <dgm:catLst>
-    <dgm:cat type="simple" pri="10400"/>
+    <dgm:cat type="simple" pri="10100"/>
   </dgm:catLst>
   <dgm:scene3d>
     <a:camera prst="orthographicFront"/>
@@ -3506,13 +2524,13 @@
     <dgm:sp3d/>
     <dgm:txPr/>
     <dgm:style>
-      <a:lnRef idx="0">
+      <a:lnRef idx="2">
         <a:scrgbClr r="0" g="0" b="0"/>
       </a:lnRef>
-      <a:fillRef idx="3">
+      <a:fillRef idx="1">
         <a:scrgbClr r="0" g="0" b="0"/>
       </a:fillRef>
-      <a:effectRef idx="2">
+      <a:effectRef idx="0">
         <a:scrgbClr r="0" g="0" b="0"/>
       </a:effectRef>
       <a:fontRef idx="minor">
@@ -3528,13 +2546,13 @@
     <dgm:sp3d/>
     <dgm:txPr/>
     <dgm:style>
-      <a:lnRef idx="1">
+      <a:lnRef idx="2">
         <a:scrgbClr r="0" g="0" b="0"/>
       </a:lnRef>
-      <a:fillRef idx="3">
+      <a:fillRef idx="1">
         <a:scrgbClr r="0" g="0" b="0"/>
       </a:fillRef>
-      <a:effectRef idx="2">
+      <a:effectRef idx="0">
         <a:scrgbClr r="0" g="0" b="0"/>
       </a:effectRef>
       <a:fontRef idx="minor">
@@ -3550,10 +2568,10 @@
     <dgm:sp3d/>
     <dgm:txPr/>
     <dgm:style>
-      <a:lnRef idx="0">
+      <a:lnRef idx="2">
         <a:scrgbClr r="0" g="0" b="0"/>
       </a:lnRef>
-      <a:fillRef idx="3">
+      <a:fillRef idx="1">
         <a:scrgbClr r="0" g="0" b="0"/>
       </a:fillRef>
       <a:effectRef idx="0">
@@ -3572,13 +2590,13 @@
     <dgm:sp3d/>
     <dgm:txPr/>
     <dgm:style>
-      <a:lnRef idx="1">
+      <a:lnRef idx="2">
         <a:scrgbClr r="0" g="0" b="0"/>
       </a:lnRef>
-      <a:fillRef idx="3">
+      <a:fillRef idx="1">
         <a:scrgbClr r="0" g="0" b="0"/>
       </a:fillRef>
-      <a:effectRef idx="2">
+      <a:effectRef idx="0">
         <a:scrgbClr r="0" g="0" b="0"/>
       </a:effectRef>
       <a:fontRef idx="minor">
@@ -3594,13 +2612,13 @@
     <dgm:sp3d/>
     <dgm:txPr/>
     <dgm:style>
-      <a:lnRef idx="0">
+      <a:lnRef idx="2">
         <a:scrgbClr r="0" g="0" b="0"/>
       </a:lnRef>
-      <a:fillRef idx="3">
+      <a:fillRef idx="1">
         <a:scrgbClr r="0" g="0" b="0"/>
       </a:fillRef>
-      <a:effectRef idx="2">
+      <a:effectRef idx="0">
         <a:scrgbClr r="0" g="0" b="0"/>
       </a:effectRef>
       <a:fontRef idx="minor">
@@ -3616,13 +2634,13 @@
     <dgm:sp3d/>
     <dgm:txPr/>
     <dgm:style>
-      <a:lnRef idx="0">
+      <a:lnRef idx="2">
         <a:scrgbClr r="0" g="0" b="0"/>
       </a:lnRef>
-      <a:fillRef idx="3">
+      <a:fillRef idx="1">
         <a:scrgbClr r="0" g="0" b="0"/>
       </a:fillRef>
-      <a:effectRef idx="2">
+      <a:effectRef idx="0">
         <a:scrgbClr r="0" g="0" b="0"/>
       </a:effectRef>
       <a:fontRef idx="minor">
@@ -3638,13 +2656,13 @@
     <dgm:sp3d/>
     <dgm:txPr/>
     <dgm:style>
-      <a:lnRef idx="0">
+      <a:lnRef idx="2">
         <a:scrgbClr r="0" g="0" b="0"/>
       </a:lnRef>
-      <a:fillRef idx="3">
+      <a:fillRef idx="1">
         <a:scrgbClr r="0" g="0" b="0"/>
       </a:fillRef>
-      <a:effectRef idx="2">
+      <a:effectRef idx="0">
         <a:scrgbClr r="0" g="0" b="0"/>
       </a:effectRef>
       <a:fontRef idx="minor">
@@ -3660,13 +2678,13 @@
     <dgm:sp3d/>
     <dgm:txPr/>
     <dgm:style>
-      <a:lnRef idx="0">
+      <a:lnRef idx="2">
         <a:scrgbClr r="0" g="0" b="0"/>
       </a:lnRef>
-      <a:fillRef idx="3">
+      <a:fillRef idx="1">
         <a:scrgbClr r="0" g="0" b="0"/>
       </a:fillRef>
-      <a:effectRef idx="2">
+      <a:effectRef idx="0">
         <a:scrgbClr r="0" g="0" b="0"/>
       </a:effectRef>
       <a:fontRef idx="minor">
@@ -3682,13 +2700,13 @@
     <dgm:sp3d/>
     <dgm:txPr/>
     <dgm:style>
-      <a:lnRef idx="0">
+      <a:lnRef idx="2">
         <a:scrgbClr r="0" g="0" b="0"/>
       </a:lnRef>
       <a:fillRef idx="1">
         <a:scrgbClr r="0" g="0" b="0"/>
       </a:fillRef>
-      <a:effectRef idx="2">
+      <a:effectRef idx="0">
         <a:scrgbClr r="0" g="0" b="0"/>
       </a:effectRef>
       <a:fontRef idx="minor"/>
@@ -3702,13 +2720,13 @@
     <dgm:sp3d/>
     <dgm:txPr/>
     <dgm:style>
-      <a:lnRef idx="0">
+      <a:lnRef idx="2">
         <a:scrgbClr r="0" g="0" b="0"/>
       </a:lnRef>
       <a:fillRef idx="1">
         <a:scrgbClr r="0" g="0" b="0"/>
       </a:fillRef>
-      <a:effectRef idx="2">
+      <a:effectRef idx="0">
         <a:scrgbClr r="0" g="0" b="0"/>
       </a:effectRef>
       <a:fontRef idx="minor"/>
@@ -3722,13 +2740,13 @@
     <dgm:sp3d/>
     <dgm:txPr/>
     <dgm:style>
-      <a:lnRef idx="0">
+      <a:lnRef idx="2">
         <a:scrgbClr r="0" g="0" b="0"/>
       </a:lnRef>
       <a:fillRef idx="1">
         <a:scrgbClr r="0" g="0" b="0"/>
       </a:fillRef>
-      <a:effectRef idx="2">
+      <a:effectRef idx="0">
         <a:scrgbClr r="0" g="0" b="0"/>
       </a:effectRef>
       <a:fontRef idx="minor"/>
@@ -3745,10 +2763,10 @@
       <a:lnRef idx="0">
         <a:scrgbClr r="0" g="0" b="0"/>
       </a:lnRef>
-      <a:fillRef idx="3">
+      <a:fillRef idx="1">
         <a:scrgbClr r="0" g="0" b="0"/>
       </a:fillRef>
-      <a:effectRef idx="2">
+      <a:effectRef idx="0">
         <a:scrgbClr r="0" g="0" b="0"/>
       </a:effectRef>
       <a:fontRef idx="minor">
@@ -3767,10 +2785,10 @@
       <a:lnRef idx="0">
         <a:scrgbClr r="0" g="0" b="0"/>
       </a:lnRef>
-      <a:fillRef idx="3">
+      <a:fillRef idx="1">
         <a:scrgbClr r="0" g="0" b="0"/>
       </a:fillRef>
-      <a:effectRef idx="2">
+      <a:effectRef idx="0">
         <a:scrgbClr r="0" g="0" b="0"/>
       </a:effectRef>
       <a:fontRef idx="minor">
@@ -3789,10 +2807,10 @@
       <a:lnRef idx="0">
         <a:scrgbClr r="0" g="0" b="0"/>
       </a:lnRef>
-      <a:fillRef idx="3">
+      <a:fillRef idx="1">
         <a:scrgbClr r="0" g="0" b="0"/>
       </a:fillRef>
-      <a:effectRef idx="2">
+      <a:effectRef idx="0">
         <a:scrgbClr r="0" g="0" b="0"/>
       </a:effectRef>
       <a:fontRef idx="minor">
@@ -3834,7 +2852,7 @@
       <a:fillRef idx="1">
         <a:scrgbClr r="0" g="0" b="0"/>
       </a:fillRef>
-      <a:effectRef idx="1">
+      <a:effectRef idx="0">
         <a:scrgbClr r="0" g="0" b="0"/>
       </a:effectRef>
       <a:fontRef idx="minor"/>
@@ -3848,13 +2866,13 @@
     <dgm:sp3d/>
     <dgm:txPr/>
     <dgm:style>
-      <a:lnRef idx="0">
+      <a:lnRef idx="2">
         <a:scrgbClr r="0" g="0" b="0"/>
       </a:lnRef>
-      <a:fillRef idx="3">
+      <a:fillRef idx="1">
         <a:scrgbClr r="0" g="0" b="0"/>
       </a:fillRef>
-      <a:effectRef idx="2">
+      <a:effectRef idx="0">
         <a:scrgbClr r="0" g="0" b="0"/>
       </a:effectRef>
       <a:fontRef idx="minor">
@@ -3870,13 +2888,13 @@
     <dgm:sp3d/>
     <dgm:txPr/>
     <dgm:style>
-      <a:lnRef idx="0">
+      <a:lnRef idx="2">
         <a:scrgbClr r="0" g="0" b="0"/>
       </a:lnRef>
-      <a:fillRef idx="3">
+      <a:fillRef idx="1">
         <a:scrgbClr r="0" g="0" b="0"/>
       </a:fillRef>
-      <a:effectRef idx="2">
+      <a:effectRef idx="0">
         <a:scrgbClr r="0" g="0" b="0"/>
       </a:effectRef>
       <a:fontRef idx="minor">
@@ -3892,13 +2910,13 @@
     <dgm:sp3d/>
     <dgm:txPr/>
     <dgm:style>
-      <a:lnRef idx="0">
+      <a:lnRef idx="2">
         <a:scrgbClr r="0" g="0" b="0"/>
       </a:lnRef>
-      <a:fillRef idx="3">
+      <a:fillRef idx="1">
         <a:scrgbClr r="0" g="0" b="0"/>
       </a:fillRef>
-      <a:effectRef idx="2">
+      <a:effectRef idx="0">
         <a:scrgbClr r="0" g="0" b="0"/>
       </a:effectRef>
       <a:fontRef idx="minor">
@@ -3914,13 +2932,13 @@
     <dgm:sp3d/>
     <dgm:txPr/>
     <dgm:style>
-      <a:lnRef idx="0">
+      <a:lnRef idx="2">
         <a:scrgbClr r="0" g="0" b="0"/>
       </a:lnRef>
-      <a:fillRef idx="3">
+      <a:fillRef idx="1">
         <a:scrgbClr r="0" g="0" b="0"/>
       </a:fillRef>
-      <a:effectRef idx="2">
+      <a:effectRef idx="0">
         <a:scrgbClr r="0" g="0" b="0"/>
       </a:effectRef>
       <a:fontRef idx="minor">
@@ -3936,13 +2954,13 @@
     <dgm:sp3d/>
     <dgm:txPr/>
     <dgm:style>
-      <a:lnRef idx="0">
+      <a:lnRef idx="2">
         <a:scrgbClr r="0" g="0" b="0"/>
       </a:lnRef>
-      <a:fillRef idx="3">
+      <a:fillRef idx="1">
         <a:scrgbClr r="0" g="0" b="0"/>
       </a:fillRef>
-      <a:effectRef idx="2">
+      <a:effectRef idx="0">
         <a:scrgbClr r="0" g="0" b="0"/>
       </a:effectRef>
       <a:fontRef idx="minor">
@@ -3958,13 +2976,13 @@
     <dgm:sp3d/>
     <dgm:txPr/>
     <dgm:style>
-      <a:lnRef idx="0">
+      <a:lnRef idx="2">
         <a:scrgbClr r="0" g="0" b="0"/>
       </a:lnRef>
-      <a:fillRef idx="3">
+      <a:fillRef idx="1">
         <a:scrgbClr r="0" g="0" b="0"/>
       </a:fillRef>
-      <a:effectRef idx="2">
+      <a:effectRef idx="0">
         <a:scrgbClr r="0" g="0" b="0"/>
       </a:effectRef>
       <a:fontRef idx="minor">
@@ -3980,13 +2998,13 @@
     <dgm:sp3d/>
     <dgm:txPr/>
     <dgm:style>
-      <a:lnRef idx="0">
+      <a:lnRef idx="2">
         <a:scrgbClr r="0" g="0" b="0"/>
       </a:lnRef>
-      <a:fillRef idx="3">
+      <a:fillRef idx="1">
         <a:scrgbClr r="0" g="0" b="0"/>
       </a:fillRef>
-      <a:effectRef idx="2">
+      <a:effectRef idx="0">
         <a:scrgbClr r="0" g="0" b="0"/>
       </a:effectRef>
       <a:fontRef idx="minor">
@@ -4002,13 +3020,13 @@
     <dgm:sp3d/>
     <dgm:txPr/>
     <dgm:style>
-      <a:lnRef idx="1">
+      <a:lnRef idx="2">
         <a:scrgbClr r="0" g="0" b="0"/>
       </a:lnRef>
-      <a:fillRef idx="3">
+      <a:fillRef idx="1">
         <a:scrgbClr r="0" g="0" b="0"/>
       </a:fillRef>
-      <a:effectRef idx="2">
+      <a:effectRef idx="0">
         <a:scrgbClr r="0" g="0" b="0"/>
       </a:effectRef>
       <a:fontRef idx="minor">
@@ -4024,13 +3042,13 @@
     <dgm:sp3d/>
     <dgm:txPr/>
     <dgm:style>
-      <a:lnRef idx="1">
+      <a:lnRef idx="2">
         <a:scrgbClr r="0" g="0" b="0"/>
       </a:lnRef>
-      <a:fillRef idx="3">
+      <a:fillRef idx="1">
         <a:scrgbClr r="0" g="0" b="0"/>
       </a:fillRef>
-      <a:effectRef idx="2">
+      <a:effectRef idx="0">
         <a:scrgbClr r="0" g="0" b="0"/>
       </a:effectRef>
       <a:fontRef idx="minor">
@@ -4046,7 +3064,7 @@
     <dgm:sp3d/>
     <dgm:txPr/>
     <dgm:style>
-      <a:lnRef idx="1">
+      <a:lnRef idx="2">
         <a:scrgbClr r="0" g="0" b="0"/>
       </a:lnRef>
       <a:fillRef idx="0">
@@ -4066,7 +3084,7 @@
     <dgm:sp3d/>
     <dgm:txPr/>
     <dgm:style>
-      <a:lnRef idx="1">
+      <a:lnRef idx="2">
         <a:scrgbClr r="0" g="0" b="0"/>
       </a:lnRef>
       <a:fillRef idx="0">
@@ -4086,7 +3104,7 @@
     <dgm:sp3d/>
     <dgm:txPr/>
     <dgm:style>
-      <a:lnRef idx="1">
+      <a:lnRef idx="2">
         <a:scrgbClr r="0" g="0" b="0"/>
       </a:lnRef>
       <a:fillRef idx="0">
@@ -4106,7 +3124,7 @@
     <dgm:sp3d/>
     <dgm:txPr/>
     <dgm:style>
-      <a:lnRef idx="1">
+      <a:lnRef idx="2">
         <a:scrgbClr r="0" g="0" b="0"/>
       </a:lnRef>
       <a:fillRef idx="0">
@@ -4126,7 +3144,7 @@
     <dgm:sp3d/>
     <dgm:txPr/>
     <dgm:style>
-      <a:lnRef idx="1">
+      <a:lnRef idx="2">
         <a:scrgbClr r="0" g="0" b="0"/>
       </a:lnRef>
       <a:fillRef idx="1">
@@ -4146,7 +3164,7 @@
     <dgm:sp3d/>
     <dgm:txPr/>
     <dgm:style>
-      <a:lnRef idx="1">
+      <a:lnRef idx="2">
         <a:scrgbClr r="0" g="0" b="0"/>
       </a:lnRef>
       <a:fillRef idx="1">
@@ -4166,7 +3184,7 @@
     <dgm:sp3d/>
     <dgm:txPr/>
     <dgm:style>
-      <a:lnRef idx="1">
+      <a:lnRef idx="2">
         <a:scrgbClr r="0" g="0" b="0"/>
       </a:lnRef>
       <a:fillRef idx="1">
@@ -4206,7 +3224,7 @@
     <dgm:sp3d/>
     <dgm:txPr/>
     <dgm:style>
-      <a:lnRef idx="1">
+      <a:lnRef idx="2">
         <a:scrgbClr r="0" g="0" b="0"/>
       </a:lnRef>
       <a:fillRef idx="1">
@@ -4226,7 +3244,7 @@
     <dgm:sp3d/>
     <dgm:txPr/>
     <dgm:style>
-      <a:lnRef idx="1">
+      <a:lnRef idx="2">
         <a:scrgbClr r="0" g="0" b="0"/>
       </a:lnRef>
       <a:fillRef idx="1">
@@ -4246,7 +3264,7 @@
     <dgm:sp3d/>
     <dgm:txPr/>
     <dgm:style>
-      <a:lnRef idx="1">
+      <a:lnRef idx="2">
         <a:scrgbClr r="0" g="0" b="0"/>
       </a:lnRef>
       <a:fillRef idx="1">
@@ -4266,7 +3284,7 @@
     <dgm:sp3d/>
     <dgm:txPr/>
     <dgm:style>
-      <a:lnRef idx="1">
+      <a:lnRef idx="2">
         <a:scrgbClr r="0" g="0" b="0"/>
       </a:lnRef>
       <a:fillRef idx="1">
@@ -4286,7 +3304,7 @@
     <dgm:sp3d/>
     <dgm:txPr/>
     <dgm:style>
-      <a:lnRef idx="1">
+      <a:lnRef idx="2">
         <a:scrgbClr r="0" g="0" b="0"/>
       </a:lnRef>
       <a:fillRef idx="1">
@@ -4306,7 +3324,7 @@
     <dgm:sp3d/>
     <dgm:txPr/>
     <dgm:style>
-      <a:lnRef idx="1">
+      <a:lnRef idx="2">
         <a:scrgbClr r="0" g="0" b="0"/>
       </a:lnRef>
       <a:fillRef idx="1">
@@ -4326,7 +3344,7 @@
     <dgm:sp3d/>
     <dgm:txPr/>
     <dgm:style>
-      <a:lnRef idx="1">
+      <a:lnRef idx="2">
         <a:scrgbClr r="0" g="0" b="0"/>
       </a:lnRef>
       <a:fillRef idx="1">
@@ -4346,7 +3364,7 @@
     <dgm:sp3d/>
     <dgm:txPr/>
     <dgm:style>
-      <a:lnRef idx="1">
+      <a:lnRef idx="2">
         <a:scrgbClr r="0" g="0" b="0"/>
       </a:lnRef>
       <a:fillRef idx="1">
@@ -4366,7 +3384,7 @@
     <dgm:sp3d/>
     <dgm:txPr/>
     <dgm:style>
-      <a:lnRef idx="1">
+      <a:lnRef idx="2">
         <a:scrgbClr r="0" g="0" b="0"/>
       </a:lnRef>
       <a:fillRef idx="1">
@@ -4386,7 +3404,7 @@
     <dgm:sp3d/>
     <dgm:txPr/>
     <dgm:style>
-      <a:lnRef idx="1">
+      <a:lnRef idx="2">
         <a:scrgbClr r="0" g="0" b="0"/>
       </a:lnRef>
       <a:fillRef idx="1">
@@ -4406,7 +3424,7 @@
     <dgm:sp3d/>
     <dgm:txPr/>
     <dgm:style>
-      <a:lnRef idx="1">
+      <a:lnRef idx="2">
         <a:scrgbClr r="0" g="0" b="0"/>
       </a:lnRef>
       <a:fillRef idx="1">
@@ -4432,7 +3450,7 @@
       <a:fillRef idx="1">
         <a:scrgbClr r="0" g="0" b="0"/>
       </a:fillRef>
-      <a:effectRef idx="2">
+      <a:effectRef idx="0">
         <a:scrgbClr r="0" g="0" b="0"/>
       </a:effectRef>
       <a:fontRef idx="minor"/>
@@ -4452,7 +3470,7 @@
       <a:fillRef idx="1">
         <a:scrgbClr r="0" g="0" b="0"/>
       </a:fillRef>
-      <a:effectRef idx="2">
+      <a:effectRef idx="0">
         <a:scrgbClr r="0" g="0" b="0"/>
       </a:effectRef>
       <a:fontRef idx="minor"/>
@@ -4486,13 +3504,13 @@
     <dgm:sp3d/>
     <dgm:txPr/>
     <dgm:style>
-      <a:lnRef idx="0">
+      <a:lnRef idx="2">
         <a:scrgbClr r="0" g="0" b="0"/>
       </a:lnRef>
-      <a:fillRef idx="3">
+      <a:fillRef idx="1">
         <a:scrgbClr r="0" g="0" b="0"/>
       </a:fillRef>
-      <a:effectRef idx="2">
+      <a:effectRef idx="0">
         <a:scrgbClr r="0" g="0" b="0"/>
       </a:effectRef>
       <a:fontRef idx="minor"/>
@@ -4734,7 +3752,7 @@
           <a:p>
             <a:fld id="{28EE4E38-D065-AE45-85C8-3F1F133228FB}" type="datetimeFigureOut">
               <a:rPr lang="pt-BR" smtClean="0"/>
-              <a:t>11/04/2025</a:t>
+              <a:t>15/04/2025</a:t>
             </a:fld>
             <a:endParaRPr lang="pt-BR"/>
           </a:p>
@@ -5025,7 +4043,7 @@
           <a:p>
             <a:fld id="{28EE4E38-D065-AE45-85C8-3F1F133228FB}" type="datetimeFigureOut">
               <a:rPr lang="pt-BR" smtClean="0"/>
-              <a:t>11/04/2025</a:t>
+              <a:t>15/04/2025</a:t>
             </a:fld>
             <a:endParaRPr lang="pt-BR"/>
           </a:p>
@@ -5284,7 +4302,7 @@
           <a:p>
             <a:fld id="{28EE4E38-D065-AE45-85C8-3F1F133228FB}" type="datetimeFigureOut">
               <a:rPr lang="pt-BR" smtClean="0"/>
-              <a:t>11/04/2025</a:t>
+              <a:t>15/04/2025</a:t>
             </a:fld>
             <a:endParaRPr lang="pt-BR"/>
           </a:p>
@@ -5753,7 +4771,7 @@
           <a:p>
             <a:fld id="{28EE4E38-D065-AE45-85C8-3F1F133228FB}" type="datetimeFigureOut">
               <a:rPr lang="pt-BR" smtClean="0"/>
-              <a:t>11/04/2025</a:t>
+              <a:t>15/04/2025</a:t>
             </a:fld>
             <a:endParaRPr lang="pt-BR"/>
           </a:p>
@@ -5933,7 +4951,7 @@
           <a:p>
             <a:fld id="{28EE4E38-D065-AE45-85C8-3F1F133228FB}" type="datetimeFigureOut">
               <a:rPr lang="pt-BR" smtClean="0"/>
-              <a:t>11/04/2025</a:t>
+              <a:t>15/04/2025</a:t>
             </a:fld>
             <a:endParaRPr lang="pt-BR"/>
           </a:p>
@@ -6509,7 +5527,7 @@
           <a:p>
             <a:fld id="{28EE4E38-D065-AE45-85C8-3F1F133228FB}" type="datetimeFigureOut">
               <a:rPr lang="pt-BR" smtClean="0"/>
-              <a:t>11/04/2025</a:t>
+              <a:t>15/04/2025</a:t>
             </a:fld>
             <a:endParaRPr lang="pt-BR"/>
           </a:p>
@@ -6841,7 +5859,7 @@
           <a:p>
             <a:fld id="{28EE4E38-D065-AE45-85C8-3F1F133228FB}" type="datetimeFigureOut">
               <a:rPr lang="pt-BR" smtClean="0"/>
-              <a:t>11/04/2025</a:t>
+              <a:t>15/04/2025</a:t>
             </a:fld>
             <a:endParaRPr lang="pt-BR"/>
           </a:p>
@@ -7016,7 +6034,7 @@
           <a:p>
             <a:fld id="{28EE4E38-D065-AE45-85C8-3F1F133228FB}" type="datetimeFigureOut">
               <a:rPr lang="pt-BR" smtClean="0"/>
-              <a:t>11/04/2025</a:t>
+              <a:t>15/04/2025</a:t>
             </a:fld>
             <a:endParaRPr lang="pt-BR"/>
           </a:p>
@@ -7196,7 +6214,7 @@
           <a:p>
             <a:fld id="{28EE4E38-D065-AE45-85C8-3F1F133228FB}" type="datetimeFigureOut">
               <a:rPr lang="pt-BR" smtClean="0"/>
-              <a:t>11/04/2025</a:t>
+              <a:t>15/04/2025</a:t>
             </a:fld>
             <a:endParaRPr lang="pt-BR"/>
           </a:p>
@@ -7366,7 +6384,7 @@
           <a:p>
             <a:fld id="{28EE4E38-D065-AE45-85C8-3F1F133228FB}" type="datetimeFigureOut">
               <a:rPr lang="pt-BR" smtClean="0"/>
-              <a:t>11/04/2025</a:t>
+              <a:t>15/04/2025</a:t>
             </a:fld>
             <a:endParaRPr lang="pt-BR"/>
           </a:p>
@@ -7623,7 +6641,7 @@
           <a:p>
             <a:fld id="{28EE4E38-D065-AE45-85C8-3F1F133228FB}" type="datetimeFigureOut">
               <a:rPr lang="pt-BR" smtClean="0"/>
-              <a:t>11/04/2025</a:t>
+              <a:t>15/04/2025</a:t>
             </a:fld>
             <a:endParaRPr lang="pt-BR"/>
           </a:p>
@@ -7915,7 +6933,7 @@
           <a:p>
             <a:fld id="{28EE4E38-D065-AE45-85C8-3F1F133228FB}" type="datetimeFigureOut">
               <a:rPr lang="pt-BR" smtClean="0"/>
-              <a:t>11/04/2025</a:t>
+              <a:t>15/04/2025</a:t>
             </a:fld>
             <a:endParaRPr lang="pt-BR"/>
           </a:p>
@@ -8345,7 +7363,7 @@
           <a:p>
             <a:fld id="{28EE4E38-D065-AE45-85C8-3F1F133228FB}" type="datetimeFigureOut">
               <a:rPr lang="pt-BR" smtClean="0"/>
-              <a:t>11/04/2025</a:t>
+              <a:t>15/04/2025</a:t>
             </a:fld>
             <a:endParaRPr lang="pt-BR"/>
           </a:p>
@@ -8463,7 +7481,7 @@
           <a:p>
             <a:fld id="{28EE4E38-D065-AE45-85C8-3F1F133228FB}" type="datetimeFigureOut">
               <a:rPr lang="pt-BR" smtClean="0"/>
-              <a:t>11/04/2025</a:t>
+              <a:t>15/04/2025</a:t>
             </a:fld>
             <a:endParaRPr lang="pt-BR"/>
           </a:p>
@@ -8558,7 +7576,7 @@
           <a:p>
             <a:fld id="{28EE4E38-D065-AE45-85C8-3F1F133228FB}" type="datetimeFigureOut">
               <a:rPr lang="pt-BR" smtClean="0"/>
-              <a:t>11/04/2025</a:t>
+              <a:t>15/04/2025</a:t>
             </a:fld>
             <a:endParaRPr lang="pt-BR"/>
           </a:p>
@@ -8841,7 +7859,7 @@
           <a:p>
             <a:fld id="{28EE4E38-D065-AE45-85C8-3F1F133228FB}" type="datetimeFigureOut">
               <a:rPr lang="pt-BR" smtClean="0"/>
-              <a:t>11/04/2025</a:t>
+              <a:t>15/04/2025</a:t>
             </a:fld>
             <a:endParaRPr lang="pt-BR"/>
           </a:p>
@@ -9132,7 +8150,7 @@
           <a:p>
             <a:fld id="{28EE4E38-D065-AE45-85C8-3F1F133228FB}" type="datetimeFigureOut">
               <a:rPr lang="pt-BR" smtClean="0"/>
-              <a:t>11/04/2025</a:t>
+              <a:t>15/04/2025</a:t>
             </a:fld>
             <a:endParaRPr lang="pt-BR"/>
           </a:p>
@@ -9363,7 +8381,7 @@
           <a:p>
             <a:fld id="{28EE4E38-D065-AE45-85C8-3F1F133228FB}" type="datetimeFigureOut">
               <a:rPr lang="pt-BR" smtClean="0"/>
-              <a:t>11/04/2025</a:t>
+              <a:t>15/04/2025</a:t>
             </a:fld>
             <a:endParaRPr lang="pt-BR"/>
           </a:p>
@@ -10798,7 +9816,7 @@
               </a:spcAft>
             </a:pPr>
             <a:r>
-              <a:rPr lang="en-US" sz="6600" cap="all">
+              <a:rPr lang="en-US" sz="6600" cap="all" dirty="0" err="1">
                 <a:ln w="3175" cmpd="sng">
                   <a:noFill/>
                 </a:ln>
@@ -10834,7 +9852,7 @@
                 <a:ea typeface="+mj-ea"/>
                 <a:cs typeface="+mj-cs"/>
               </a:rPr>
-              <a:t>Agentes</a:t>
+              <a:t>Agente</a:t>
             </a:r>
             <a:r>
               <a:rPr lang="en-US" sz="6600" cap="all" dirty="0">
@@ -10876,7 +9894,7 @@
               <a:t> de IA para </a:t>
             </a:r>
             <a:r>
-              <a:rPr lang="en-US" sz="6600" cap="all">
+              <a:rPr lang="en-US" sz="6600" cap="all" dirty="0" err="1">
                 <a:ln w="3175" cmpd="sng">
                   <a:noFill/>
                 </a:ln>
@@ -12457,7 +11475,7 @@
         <p:cNvPr id="1" name="">
           <a:extLst>
             <a:ext uri="{FF2B5EF4-FFF2-40B4-BE49-F238E27FC236}">
-              <a16:creationId xmlns:a16="http://schemas.microsoft.com/office/drawing/2014/main" id="{9F97864E-9FF7-850E-4C1B-539ED909F645}"/>
+              <a16:creationId xmlns:a16="http://schemas.microsoft.com/office/drawing/2014/main" id="{101F447E-EB7E-80BF-4477-DBA1D9C9665F}"/>
             </a:ext>
           </a:extLst>
         </p:cNvPr>
@@ -12477,7 +11495,7 @@
           <p:cNvPr id="2" name="CaixaDeTexto 1">
             <a:extLst>
               <a:ext uri="{FF2B5EF4-FFF2-40B4-BE49-F238E27FC236}">
-                <a16:creationId xmlns:a16="http://schemas.microsoft.com/office/drawing/2014/main" id="{54116D0F-38D7-F523-AC47-6E0EF45FA33E}"/>
+                <a16:creationId xmlns:a16="http://schemas.microsoft.com/office/drawing/2014/main" id="{7C17D475-E34F-02DA-EA0C-F60A4E2D7662}"/>
               </a:ext>
             </a:extLst>
           </p:cNvPr>
@@ -12486,8 +11504,8 @@
         </p:nvSpPr>
         <p:spPr>
           <a:xfrm>
-            <a:off x="1195251" y="847726"/>
-            <a:ext cx="7252845" cy="4029412"/>
+            <a:off x="6735098" y="609600"/>
+            <a:ext cx="4798142" cy="3642851"/>
           </a:xfrm>
           <a:prstGeom prst="rect">
             <a:avLst/>
@@ -12499,7 +11517,7 @@
           </a:bodyPr>
           <a:lstStyle/>
           <a:p>
-            <a:pPr algn="r">
+            <a:pPr algn="ctr">
               <a:spcBef>
                 <a:spcPct val="0"/>
               </a:spcBef>
@@ -12508,7 +11526,7 @@
               </a:spcAft>
             </a:pPr>
             <a:r>
-              <a:rPr lang="en-US" sz="6600" cap="all">
+              <a:rPr lang="en-US" sz="4800" cap="all">
                 <a:ln w="3175" cmpd="sng">
                   <a:noFill/>
                 </a:ln>
@@ -12544,190 +11562,48 @@
                 <a:ea typeface="+mj-ea"/>
                 <a:cs typeface="+mj-cs"/>
               </a:rPr>
-              <a:t>N8N</a:t>
+              <a:t>Case</a:t>
             </a:r>
           </a:p>
         </p:txBody>
       </p:sp>
-      <p:sp>
-        <p:nvSpPr>
-          <p:cNvPr id="7" name="Rectangle 6">
+      <p:pic>
+        <p:nvPicPr>
+          <p:cNvPr id="1026" name="Picture 2" descr="Generated image">
             <a:extLst>
               <a:ext uri="{FF2B5EF4-FFF2-40B4-BE49-F238E27FC236}">
-                <a16:creationId xmlns:a16="http://schemas.microsoft.com/office/drawing/2014/main" id="{DBAB564B-ADD8-4689-B47D-479E0B6B4280}"/>
-              </a:ext>
-              <a:ext uri="{C183D7F6-B498-43B3-948B-1728B52AA6E4}">
-                <adec:decorative xmlns:adec="http://schemas.microsoft.com/office/drawing/2017/decorative" val="1"/>
+                <a16:creationId xmlns:a16="http://schemas.microsoft.com/office/drawing/2014/main" id="{4E73B1D9-E1A3-DD84-1462-A907D09DA134}"/>
               </a:ext>
             </a:extLst>
           </p:cNvPr>
-          <p:cNvSpPr>
-            <a:spLocks noGrp="1" noRot="1" noChangeAspect="1" noMove="1" noResize="1" noEditPoints="1" noAdjustHandles="1" noChangeArrowheads="1" noChangeShapeType="1" noTextEdit="1"/>
-          </p:cNvSpPr>
-          <p:nvPr>
-            <p:extLst>
-              <p:ext uri="{386F3935-93C4-4BCD-93E2-E3B085C9AB24}">
-                <p16:designElem xmlns:p16="http://schemas.microsoft.com/office/powerpoint/2015/main" val="1"/>
-              </p:ext>
-            </p:extLst>
-          </p:nvPr>
-        </p:nvSpPr>
-        <p:spPr>
-          <a:xfrm>
-            <a:off x="9066900" y="1"/>
-            <a:ext cx="3125099" cy="6858000"/>
-          </a:xfrm>
-          <a:prstGeom prst="rect">
-            <a:avLst/>
-          </a:prstGeom>
-          <a:solidFill>
-            <a:srgbClr val="363D46"/>
-          </a:solidFill>
-          <a:ln>
-            <a:noFill/>
-          </a:ln>
-        </p:spPr>
-        <p:style>
-          <a:lnRef idx="2">
-            <a:schemeClr val="accent1">
-              <a:shade val="50000"/>
-            </a:schemeClr>
-          </a:lnRef>
-          <a:fillRef idx="1">
-            <a:schemeClr val="accent1"/>
-          </a:fillRef>
-          <a:effectRef idx="0">
-            <a:schemeClr val="accent1"/>
-          </a:effectRef>
-          <a:fontRef idx="minor">
-            <a:schemeClr val="lt1"/>
-          </a:fontRef>
-        </p:style>
-        <p:txBody>
-          <a:bodyPr rtlCol="0" anchor="ctr"/>
-          <a:lstStyle/>
-          <a:p>
-            <a:pPr algn="ctr"/>
-            <a:endParaRPr lang="en-US"/>
-          </a:p>
-        </p:txBody>
-      </p:sp>
-      <p:sp>
-        <p:nvSpPr>
-          <p:cNvPr id="9" name="Rectangle 8">
+          <p:cNvPicPr>
+            <a:picLocks noChangeAspect="1" noChangeArrowheads="1"/>
+          </p:cNvPicPr>
+          <p:nvPr/>
+        </p:nvPicPr>
+        <p:blipFill>
+          <a:blip r:embed="rId3">
             <a:extLst>
-              <a:ext uri="{FF2B5EF4-FFF2-40B4-BE49-F238E27FC236}">
-                <a16:creationId xmlns:a16="http://schemas.microsoft.com/office/drawing/2014/main" id="{A634D109-15AA-4283-A14C-F630CD88D06E}"/>
-              </a:ext>
-              <a:ext uri="{C183D7F6-B498-43B3-948B-1728B52AA6E4}">
-                <adec:decorative xmlns:adec="http://schemas.microsoft.com/office/drawing/2017/decorative" val="1"/>
+              <a:ext uri="{28A0092B-C50C-407E-A947-70E740481C1C}">
+                <a14:useLocalDpi xmlns:a14="http://schemas.microsoft.com/office/drawing/2010/main" val="0"/>
               </a:ext>
             </a:extLst>
-          </p:cNvPr>
-          <p:cNvSpPr>
-            <a:spLocks noGrp="1" noRot="1" noChangeAspect="1" noMove="1" noResize="1" noEditPoints="1" noAdjustHandles="1" noChangeArrowheads="1" noChangeShapeType="1" noTextEdit="1"/>
-          </p:cNvSpPr>
-          <p:nvPr>
-            <p:extLst>
-              <p:ext uri="{386F3935-93C4-4BCD-93E2-E3B085C9AB24}">
-                <p16:designElem xmlns:p16="http://schemas.microsoft.com/office/powerpoint/2015/main" val="1"/>
-              </p:ext>
-            </p:extLst>
-          </p:nvPr>
-        </p:nvSpPr>
-        <p:spPr>
-          <a:xfrm rot="5400000" flipH="1">
-            <a:off x="5895765" y="3195797"/>
-            <a:ext cx="6858000" cy="466406"/>
+          </a:blip>
+          <a:srcRect r="2318" b="1"/>
+          <a:stretch/>
+        </p:blipFill>
+        <p:spPr bwMode="auto">
+          <a:xfrm>
+            <a:off x="633999" y="636640"/>
+            <a:ext cx="5462001" cy="5591541"/>
           </a:xfrm>
-          <a:prstGeom prst="rect">
-            <a:avLst/>
+          <a:prstGeom prst="roundRect">
+            <a:avLst>
+              <a:gd name="adj" fmla="val 3517"/>
+            </a:avLst>
           </a:prstGeom>
-          <a:gradFill>
-            <a:gsLst>
-              <a:gs pos="0">
-                <a:srgbClr val="363D46">
-                  <a:alpha val="0"/>
-                </a:srgbClr>
-              </a:gs>
-              <a:gs pos="100000">
-                <a:srgbClr val="363D46">
-                  <a:lumMod val="75000"/>
-                </a:srgbClr>
-              </a:gs>
-            </a:gsLst>
-            <a:lin ang="5400000" scaled="0"/>
-          </a:gradFill>
-          <a:ln>
-            <a:noFill/>
-          </a:ln>
-          <a:effectLst/>
-        </p:spPr>
-        <p:style>
-          <a:lnRef idx="2">
-            <a:schemeClr val="accent1">
-              <a:shade val="50000"/>
-            </a:schemeClr>
-          </a:lnRef>
-          <a:fillRef idx="1">
-            <a:schemeClr val="accent1"/>
-          </a:fillRef>
-          <a:effectRef idx="0">
-            <a:schemeClr val="accent1"/>
-          </a:effectRef>
-          <a:fontRef idx="minor">
-            <a:schemeClr val="lt1"/>
-          </a:fontRef>
-        </p:style>
-        <p:txBody>
-          <a:bodyPr rot="0" spcFirstLastPara="0" vertOverflow="overflow" horzOverflow="overflow" vert="horz" wrap="square" lIns="91440" tIns="45720" rIns="91440" bIns="45720" numCol="1" spcCol="0" rtlCol="0" fromWordArt="0" anchor="ctr" anchorCtr="0" forceAA="0" compatLnSpc="1">
-            <a:prstTxWarp prst="textNoShape">
-              <a:avLst/>
-            </a:prstTxWarp>
-            <a:noAutofit/>
-          </a:bodyPr>
-          <a:lstStyle/>
-          <a:p>
-            <a:pPr algn="ctr"/>
-            <a:endParaRPr lang="en-US"/>
-          </a:p>
-        </p:txBody>
-      </p:sp>
-      <p:cxnSp>
-        <p:nvCxnSpPr>
-          <p:cNvPr id="11" name="Straight Connector 10">
-            <a:extLst>
-              <a:ext uri="{FF2B5EF4-FFF2-40B4-BE49-F238E27FC236}">
-                <a16:creationId xmlns:a16="http://schemas.microsoft.com/office/drawing/2014/main" id="{AF1E8C17-E280-423E-BE27-607AA18BDBA3}"/>
-              </a:ext>
-              <a:ext uri="{C183D7F6-B498-43B3-948B-1728B52AA6E4}">
-                <adec:decorative xmlns:adec="http://schemas.microsoft.com/office/drawing/2017/decorative" val="1"/>
-              </a:ext>
-            </a:extLst>
-          </p:cNvPr>
-          <p:cNvCxnSpPr>
-            <a:cxnSpLocks noGrp="1" noRot="1" noChangeAspect="1" noMove="1" noResize="1" noEditPoints="1" noAdjustHandles="1" noChangeArrowheads="1" noChangeShapeType="1"/>
-          </p:cNvCxnSpPr>
-          <p:nvPr>
-            <p:extLst>
-              <p:ext uri="{386F3935-93C4-4BCD-93E2-E3B085C9AB24}">
-                <p16:designElem xmlns:p16="http://schemas.microsoft.com/office/powerpoint/2015/main" val="1"/>
-              </p:ext>
-            </p:extLst>
-          </p:nvPr>
-        </p:nvCxnSpPr>
-        <p:spPr>
-          <a:xfrm flipV="1">
-            <a:off x="9066901" y="1"/>
-            <a:ext cx="0" cy="6858000"/>
-          </a:xfrm>
-          <a:prstGeom prst="line">
-            <a:avLst/>
-          </a:prstGeom>
-          <a:solidFill>
-            <a:srgbClr val="FFFFFF"/>
-          </a:solidFill>
-          <a:ln w="38100" cap="flat">
+          <a:noFill/>
+          <a:ln w="38100">
             <a:gradFill flip="none" rotWithShape="1">
               <a:gsLst>
                 <a:gs pos="0">
@@ -12742,37 +11618,29 @@
               <a:lin ang="5400000" scaled="0"/>
               <a:tileRect/>
             </a:gradFill>
-            <a:miter lim="800000"/>
           </a:ln>
           <a:effectLst>
-            <a:outerShdw blurRad="57150" dist="25400" algn="l" rotWithShape="0">
-              <a:prstClr val="black">
+            <a:innerShdw blurRad="57150" dist="38100" dir="14460000">
+              <a:srgbClr val="000000">
                 <a:alpha val="70000"/>
-              </a:prstClr>
-            </a:outerShdw>
+              </a:srgbClr>
+            </a:innerShdw>
           </a:effectLst>
+          <a:extLst>
+            <a:ext uri="{909E8E84-426E-40DD-AFC4-6F175D3DCCD1}">
+              <a14:hiddenFill xmlns:a14="http://schemas.microsoft.com/office/drawing/2010/main">
+                <a:solidFill>
+                  <a:srgbClr val="FFFFFF"/>
+                </a:solidFill>
+              </a14:hiddenFill>
+            </a:ext>
+          </a:extLst>
         </p:spPr>
-        <p:style>
-          <a:lnRef idx="2">
-            <a:schemeClr val="accent1">
-              <a:shade val="50000"/>
-            </a:schemeClr>
-          </a:lnRef>
-          <a:fillRef idx="1">
-            <a:schemeClr val="accent1"/>
-          </a:fillRef>
-          <a:effectRef idx="0">
-            <a:schemeClr val="accent1"/>
-          </a:effectRef>
-          <a:fontRef idx="minor">
-            <a:schemeClr val="lt1"/>
-          </a:fontRef>
-        </p:style>
-      </p:cxnSp>
+      </p:pic>
     </p:spTree>
     <p:extLst>
       <p:ext uri="{BB962C8B-B14F-4D97-AF65-F5344CB8AC3E}">
-        <p14:creationId xmlns:p14="http://schemas.microsoft.com/office/powerpoint/2010/main" val="1497858413"/>
+        <p14:creationId xmlns:p14="http://schemas.microsoft.com/office/powerpoint/2010/main" val="3078866946"/>
       </p:ext>
     </p:extLst>
   </p:cSld>
@@ -12854,8 +11722,8 @@
         </p:nvSpPr>
         <p:spPr>
           <a:xfrm>
-            <a:off x="1176050" y="2619515"/>
-            <a:ext cx="6097836" cy="1477328"/>
+            <a:off x="1341303" y="2037624"/>
+            <a:ext cx="10010506" cy="3970318"/>
           </a:xfrm>
           <a:prstGeom prst="rect">
             <a:avLst/>
@@ -12868,57 +11736,83 @@
           </a:bodyPr>
           <a:lstStyle/>
           <a:p>
-            <a:pPr marL="285750" indent="-285750">
-              <a:buFont typeface="Arial" panose="020B0604020202020204" pitchFamily="34" charset="0"/>
-              <a:buChar char="•"/>
-            </a:pPr>
-            <a:r>
-              <a:rPr lang="pt-BR" b="1" dirty="0"/>
-              <a:t>n8n</a:t>
-            </a:r>
             <a:r>
               <a:rPr lang="pt-BR" dirty="0"/>
-              <a:t> (pronuncia-se "</a:t>
-            </a:r>
-            <a:r>
-              <a:rPr lang="pt-BR" i="1" dirty="0" err="1"/>
-              <a:t>n-eight-n</a:t>
+              <a:t>A </a:t>
+            </a:r>
+            <a:r>
+              <a:rPr lang="pt-BR" dirty="0" err="1"/>
+              <a:t>DioBank</a:t>
             </a:r>
             <a:r>
               <a:rPr lang="pt-BR" dirty="0"/>
-              <a:t>") é uma </a:t>
-            </a:r>
-            <a:r>
-              <a:rPr lang="pt-BR" b="1" dirty="0"/>
-              <a:t>ferramenta de automação de fluxos de trabalho (workflows)</a:t>
+              <a:t> é o banco digital da comunidade DIO (Digital </a:t>
+            </a:r>
+            <a:r>
+              <a:rPr lang="pt-BR" dirty="0" err="1"/>
+              <a:t>Innovation</a:t>
             </a:r>
             <a:r>
               <a:rPr lang="pt-BR" dirty="0"/>
               <a:t> </a:t>
             </a:r>
             <a:r>
-              <a:rPr lang="pt-BR" b="1" dirty="0" err="1"/>
-              <a:t>low-code</a:t>
+              <a:rPr lang="pt-BR" dirty="0" err="1"/>
+              <a:t>One</a:t>
             </a:r>
             <a:r>
               <a:rPr lang="pt-BR" dirty="0"/>
-              <a:t>, open-</a:t>
+              <a:t>), criado com o propósito de transformar a relação das pessoas com o dinheiro de forma simples, transparente e acessível. Mais do que um banco, a </a:t>
             </a:r>
             <a:r>
               <a:rPr lang="pt-BR" dirty="0" err="1"/>
-              <a:t>source</a:t>
+              <a:t>DioBank</a:t>
             </a:r>
             <a:r>
               <a:rPr lang="pt-BR" dirty="0"/>
-              <a:t>, que permite </a:t>
-            </a:r>
-            <a:r>
-              <a:rPr lang="pt-BR" b="1" dirty="0"/>
-              <a:t>conectar serviços, APIs, bancos de dados e agentes de IA</a:t>
+              <a:t> é uma plataforma de empoderamento financeiro pensada para desenvolvedores, </a:t>
+            </a:r>
+            <a:r>
+              <a:rPr lang="pt-BR" dirty="0" err="1"/>
+              <a:t>creators</a:t>
             </a:r>
             <a:r>
               <a:rPr lang="pt-BR" dirty="0"/>
-              <a:t> de forma simples e visual.</a:t>
+              <a:t> e profissionais da nova economia digital.</a:t>
+            </a:r>
+          </a:p>
+          <a:p>
+            <a:br>
+              <a:rPr lang="pt-BR" dirty="0"/>
+            </a:br>
+            <a:r>
+              <a:rPr lang="pt-BR" dirty="0"/>
+              <a:t>Inspirada por modelos modernos de instituições como Nubank e Will Bank, a </a:t>
+            </a:r>
+            <a:r>
+              <a:rPr lang="pt-BR" dirty="0" err="1"/>
+              <a:t>DioBank</a:t>
+            </a:r>
+            <a:r>
+              <a:rPr lang="pt-BR" dirty="0"/>
+              <a:t> nasce com a missão de elevar os padrões convencionais de atendimento ao cliente, oferecendo serviços bancários descomplicados, com tecnologia de ponta e uma experiência totalmente centrada no usuário.</a:t>
+            </a:r>
+          </a:p>
+          <a:p>
+            <a:br>
+              <a:rPr lang="pt-BR" dirty="0"/>
+            </a:br>
+            <a:r>
+              <a:rPr lang="pt-BR" dirty="0"/>
+              <a:t>Responsável, inovadora e inclusiva, a </a:t>
+            </a:r>
+            <a:r>
+              <a:rPr lang="pt-BR" dirty="0" err="1"/>
+              <a:t>DioBank</a:t>
+            </a:r>
+            <a:r>
+              <a:rPr lang="pt-BR" dirty="0"/>
+              <a:t> entrega soluções financeiras que falam a língua da comunidade tech: sem burocracias, com agilidade e segurança, e com funcionalidades que acompanham a evolução digital do seu público. </a:t>
             </a:r>
           </a:p>
         </p:txBody>
@@ -13018,7 +11912,203 @@
                                         <p:tgtEl>
                                           <p:spTgt spid="5">
                                             <p:txEl>
+                                              <p:pRg st="1" end="1"/>
+                                            </p:txEl>
+                                          </p:spTgt>
+                                        </p:tgtEl>
+                                        <p:attrNameLst>
+                                          <p:attrName>style.visibility</p:attrName>
+                                        </p:attrNameLst>
+                                      </p:cBhvr>
+                                      <p:to>
+                                        <p:strVal val="visible"/>
+                                      </p:to>
+                                    </p:set>
+                                  </p:childTnLst>
+                                </p:cTn>
+                              </p:par>
+                            </p:childTnLst>
+                          </p:cTn>
+                        </p:par>
+                      </p:childTnLst>
+                    </p:cTn>
+                  </p:par>
+                  <p:par>
+                    <p:cTn id="11" fill="hold">
+                      <p:stCondLst>
+                        <p:cond delay="indefinite"/>
+                      </p:stCondLst>
+                      <p:childTnLst>
+                        <p:par>
+                          <p:cTn id="12" fill="hold">
+                            <p:stCondLst>
+                              <p:cond delay="0"/>
+                            </p:stCondLst>
+                            <p:childTnLst>
+                              <p:par>
+                                <p:cTn id="13" presetID="1" presetClass="entr" presetSubtype="0" fill="hold" nodeType="clickEffect">
+                                  <p:stCondLst>
+                                    <p:cond delay="0"/>
+                                  </p:stCondLst>
+                                  <p:childTnLst>
+                                    <p:set>
+                                      <p:cBhvr>
+                                        <p:cTn id="14" dur="1" fill="hold">
+                                          <p:stCondLst>
+                                            <p:cond delay="0"/>
+                                          </p:stCondLst>
+                                        </p:cTn>
+                                        <p:tgtEl>
+                                          <p:spTgt spid="5">
+                                            <p:txEl>
+                                              <p:pRg st="2" end="2"/>
+                                            </p:txEl>
+                                          </p:spTgt>
+                                        </p:tgtEl>
+                                        <p:attrNameLst>
+                                          <p:attrName>style.visibility</p:attrName>
+                                        </p:attrNameLst>
+                                      </p:cBhvr>
+                                      <p:to>
+                                        <p:strVal val="visible"/>
+                                      </p:to>
+                                    </p:set>
+                                  </p:childTnLst>
+                                </p:cTn>
+                              </p:par>
+                            </p:childTnLst>
+                          </p:cTn>
+                        </p:par>
+                      </p:childTnLst>
+                    </p:cTn>
+                  </p:par>
+                  <p:par>
+                    <p:cTn id="15" fill="hold">
+                      <p:stCondLst>
+                        <p:cond delay="indefinite"/>
+                      </p:stCondLst>
+                      <p:childTnLst>
+                        <p:par>
+                          <p:cTn id="16" fill="hold">
+                            <p:stCondLst>
+                              <p:cond delay="0"/>
+                            </p:stCondLst>
+                            <p:childTnLst>
+                              <p:par>
+                                <p:cTn id="17" presetID="1" presetClass="entr" presetSubtype="0" fill="hold" nodeType="clickEffect">
+                                  <p:stCondLst>
+                                    <p:cond delay="0"/>
+                                  </p:stCondLst>
+                                  <p:childTnLst>
+                                    <p:set>
+                                      <p:cBhvr>
+                                        <p:cTn id="18" dur="1" fill="hold">
+                                          <p:stCondLst>
+                                            <p:cond delay="0"/>
+                                          </p:stCondLst>
+                                        </p:cTn>
+                                        <p:tgtEl>
+                                          <p:spTgt spid="5">
+                                            <p:txEl>
                                               <p:pRg st="0" end="0"/>
+                                            </p:txEl>
+                                          </p:spTgt>
+                                        </p:tgtEl>
+                                        <p:attrNameLst>
+                                          <p:attrName>style.visibility</p:attrName>
+                                        </p:attrNameLst>
+                                      </p:cBhvr>
+                                      <p:to>
+                                        <p:strVal val="visible"/>
+                                      </p:to>
+                                    </p:set>
+                                  </p:childTnLst>
+                                </p:cTn>
+                              </p:par>
+                            </p:childTnLst>
+                          </p:cTn>
+                        </p:par>
+                      </p:childTnLst>
+                    </p:cTn>
+                  </p:par>
+                  <p:par>
+                    <p:cTn id="19" fill="hold">
+                      <p:stCondLst>
+                        <p:cond delay="indefinite"/>
+                      </p:stCondLst>
+                      <p:childTnLst>
+                        <p:par>
+                          <p:cTn id="20" fill="hold">
+                            <p:stCondLst>
+                              <p:cond delay="0"/>
+                            </p:stCondLst>
+                            <p:childTnLst>
+                              <p:par>
+                                <p:cTn id="21" presetID="1" presetClass="entr" presetSubtype="0" fill="hold" nodeType="clickEffect">
+                                  <p:stCondLst>
+                                    <p:cond delay="0"/>
+                                  </p:stCondLst>
+                                  <p:childTnLst>
+                                    <p:set>
+                                      <p:cBhvr>
+                                        <p:cTn id="22" dur="1" fill="hold">
+                                          <p:stCondLst>
+                                            <p:cond delay="0"/>
+                                          </p:stCondLst>
+                                        </p:cTn>
+                                        <p:tgtEl>
+                                          <p:spTgt spid="5">
+                                            <p:txEl>
+                                              <p:pRg st="1" end="1"/>
+                                            </p:txEl>
+                                          </p:spTgt>
+                                        </p:tgtEl>
+                                        <p:attrNameLst>
+                                          <p:attrName>style.visibility</p:attrName>
+                                        </p:attrNameLst>
+                                      </p:cBhvr>
+                                      <p:to>
+                                        <p:strVal val="visible"/>
+                                      </p:to>
+                                    </p:set>
+                                  </p:childTnLst>
+                                </p:cTn>
+                              </p:par>
+                            </p:childTnLst>
+                          </p:cTn>
+                        </p:par>
+                      </p:childTnLst>
+                    </p:cTn>
+                  </p:par>
+                  <p:par>
+                    <p:cTn id="23" fill="hold">
+                      <p:stCondLst>
+                        <p:cond delay="indefinite"/>
+                      </p:stCondLst>
+                      <p:childTnLst>
+                        <p:par>
+                          <p:cTn id="24" fill="hold">
+                            <p:stCondLst>
+                              <p:cond delay="0"/>
+                            </p:stCondLst>
+                            <p:childTnLst>
+                              <p:par>
+                                <p:cTn id="25" presetID="1" presetClass="entr" presetSubtype="0" fill="hold" nodeType="clickEffect">
+                                  <p:stCondLst>
+                                    <p:cond delay="0"/>
+                                  </p:stCondLst>
+                                  <p:childTnLst>
+                                    <p:set>
+                                      <p:cBhvr>
+                                        <p:cTn id="26" dur="1" fill="hold">
+                                          <p:stCondLst>
+                                            <p:cond delay="0"/>
+                                          </p:stCondLst>
+                                        </p:cTn>
+                                        <p:tgtEl>
+                                          <p:spTgt spid="5">
+                                            <p:txEl>
+                                              <p:pRg st="2" end="2"/>
                                             </p:txEl>
                                           </p:spTgt>
                                         </p:tgtEl>
@@ -13072,7 +12162,7 @@
         <p:cNvPr id="1" name="">
           <a:extLst>
             <a:ext uri="{FF2B5EF4-FFF2-40B4-BE49-F238E27FC236}">
-              <a16:creationId xmlns:a16="http://schemas.microsoft.com/office/drawing/2014/main" id="{24953BFA-97E3-58D3-0C83-58C8143916C5}"/>
+              <a16:creationId xmlns:a16="http://schemas.microsoft.com/office/drawing/2014/main" id="{F180E460-1AFD-4BCE-555F-5FC66FADD31A}"/>
             </a:ext>
           </a:extLst>
         </p:cNvPr>
@@ -13087,42 +12177,12 @@
           <a:chExt cx="0" cy="0"/>
         </a:xfrm>
       </p:grpSpPr>
-      <p:pic>
-        <p:nvPicPr>
-          <p:cNvPr id="2" name="Imagem 1">
+      <p:sp>
+        <p:nvSpPr>
+          <p:cNvPr id="4" name="CaixaDeTexto 3">
             <a:extLst>
               <a:ext uri="{FF2B5EF4-FFF2-40B4-BE49-F238E27FC236}">
-                <a16:creationId xmlns:a16="http://schemas.microsoft.com/office/drawing/2014/main" id="{B6F55338-75DA-B5EC-61E4-D7DCD6372F42}"/>
-              </a:ext>
-            </a:extLst>
-          </p:cNvPr>
-          <p:cNvPicPr>
-            <a:picLocks noChangeAspect="1"/>
-          </p:cNvPicPr>
-          <p:nvPr/>
-        </p:nvPicPr>
-        <p:blipFill>
-          <a:blip r:embed="rId2"/>
-          <a:stretch>
-            <a:fillRect/>
-          </a:stretch>
-        </p:blipFill>
-        <p:spPr>
-          <a:xfrm>
-            <a:off x="1426082" y="1483546"/>
-            <a:ext cx="9339835" cy="4928758"/>
-          </a:xfrm>
-          <a:prstGeom prst="rect">
-            <a:avLst/>
-          </a:prstGeom>
-        </p:spPr>
-      </p:pic>
-      <p:sp>
-        <p:nvSpPr>
-          <p:cNvPr id="3" name="CaixaDeTexto 2">
-            <a:extLst>
-              <a:ext uri="{FF2B5EF4-FFF2-40B4-BE49-F238E27FC236}">
-                <a16:creationId xmlns:a16="http://schemas.microsoft.com/office/drawing/2014/main" id="{7D69C711-8F10-11D7-01AB-B06001FDFE6A}"/>
+                <a16:creationId xmlns:a16="http://schemas.microsoft.com/office/drawing/2014/main" id="{2CB4A86C-4AF9-8FCC-C6D1-889D426907CC}"/>
               </a:ext>
             </a:extLst>
           </p:cNvPr>
@@ -13131,7 +12191,7 @@
         </p:nvSpPr>
         <p:spPr>
           <a:xfrm>
-            <a:off x="4462875" y="682179"/>
+            <a:off x="1341303" y="1328565"/>
             <a:ext cx="6097836" cy="584775"/>
           </a:xfrm>
           <a:prstGeom prst="rect">
@@ -13147,21 +12207,318 @@
           <a:p>
             <a:r>
               <a:rPr lang="pt-BR" sz="3200" dirty="0"/>
-              <a:t>Característica</a:t>
-            </a:r>
+              <a:t>Objetivo</a:t>
+            </a:r>
+          </a:p>
+        </p:txBody>
+      </p:sp>
+      <p:sp>
+        <p:nvSpPr>
+          <p:cNvPr id="5" name="CaixaDeTexto 4">
+            <a:extLst>
+              <a:ext uri="{FF2B5EF4-FFF2-40B4-BE49-F238E27FC236}">
+                <a16:creationId xmlns:a16="http://schemas.microsoft.com/office/drawing/2014/main" id="{5C1A960E-B758-FCF3-32C4-E3401B7A2561}"/>
+              </a:ext>
+            </a:extLst>
+          </p:cNvPr>
+          <p:cNvSpPr txBox="1"/>
+          <p:nvPr/>
+        </p:nvSpPr>
+        <p:spPr>
+          <a:xfrm>
+            <a:off x="1341303" y="2037624"/>
+            <a:ext cx="10010506" cy="4247317"/>
+          </a:xfrm>
+          <a:prstGeom prst="rect">
+            <a:avLst/>
+          </a:prstGeom>
+          <a:noFill/>
+        </p:spPr>
+        <p:txBody>
+          <a:bodyPr wrap="square">
+            <a:spAutoFit/>
+          </a:bodyPr>
+          <a:lstStyle/>
+          <a:p>
+            <a:r>
+              <a:rPr lang="pt-BR" dirty="0"/>
+              <a:t>Seu objetivo, como desenvolvedor, é criar um agente de inteligência artificial especializado em consultas SQL capaz de interagir com analistas de dados e profissionais de negócios de forma natural, eficiente e inteligente. Este agente será responsável por interpretar perguntas em linguagem natural — como "Quais são os 5 clientes que realizaram os maiores depósitos?" ou "Qual o valor médio das movimentações de saque?" — e convertê-las em queries SQL otimizadas, gerando respostas rápidas e precisas a partir de um banco de dados relacional.</a:t>
+            </a:r>
+          </a:p>
+          <a:p>
+            <a:br>
+              <a:rPr lang="pt-BR" dirty="0"/>
+            </a:br>
+            <a:r>
+              <a:rPr lang="pt-BR" dirty="0"/>
+              <a:t>A iniciativa busca otimizar a comunicação entre o time de BI (Business </a:t>
+            </a:r>
+            <a:r>
+              <a:rPr lang="pt-BR" dirty="0" err="1"/>
+              <a:t>Intelligence</a:t>
+            </a:r>
+            <a:r>
+              <a:rPr lang="pt-BR" dirty="0"/>
+              <a:t>) e o time de negócios, reduzindo gargalos técnicos e aumentando a autonomia analítica dos times não técnicos. Com base em um banco de dados simulado com tabelas como clientes, </a:t>
+            </a:r>
+            <a:r>
+              <a:rPr lang="pt-BR" dirty="0" err="1"/>
+              <a:t>enderecos</a:t>
+            </a:r>
+            <a:r>
+              <a:rPr lang="pt-BR" dirty="0"/>
+              <a:t>, </a:t>
+            </a:r>
+            <a:r>
+              <a:rPr lang="pt-BR" dirty="0" err="1"/>
+              <a:t>movimentacoes</a:t>
+            </a:r>
+            <a:r>
+              <a:rPr lang="pt-BR" dirty="0"/>
+              <a:t> e pagamentos, o sistema será capaz de entender o contexto, correlacionar informações e apresentar insights que agregam valor estratégico à tomada de decisão. </a:t>
+            </a:r>
+          </a:p>
+          <a:p>
+            <a:endParaRPr lang="pt-BR" dirty="0"/>
           </a:p>
         </p:txBody>
       </p:sp>
     </p:spTree>
     <p:extLst>
       <p:ext uri="{BB962C8B-B14F-4D97-AF65-F5344CB8AC3E}">
-        <p14:creationId xmlns:p14="http://schemas.microsoft.com/office/powerpoint/2010/main" val="3117743913"/>
+        <p14:creationId xmlns:p14="http://schemas.microsoft.com/office/powerpoint/2010/main" val="3049418919"/>
       </p:ext>
     </p:extLst>
   </p:cSld>
   <p:clrMapOvr>
     <a:masterClrMapping/>
   </p:clrMapOvr>
+  <p:timing>
+    <p:tnLst>
+      <p:par>
+        <p:cTn id="1" dur="indefinite" restart="never" nodeType="tmRoot">
+          <p:childTnLst>
+            <p:seq concurrent="1" nextAc="seek">
+              <p:cTn id="2" dur="indefinite" nodeType="mainSeq">
+                <p:childTnLst>
+                  <p:par>
+                    <p:cTn id="3" fill="hold">
+                      <p:stCondLst>
+                        <p:cond delay="indefinite"/>
+                      </p:stCondLst>
+                      <p:childTnLst>
+                        <p:par>
+                          <p:cTn id="4" fill="hold">
+                            <p:stCondLst>
+                              <p:cond delay="0"/>
+                            </p:stCondLst>
+                            <p:childTnLst>
+                              <p:par>
+                                <p:cTn id="5" presetID="1" presetClass="entr" presetSubtype="0" fill="hold" nodeType="clickEffect">
+                                  <p:stCondLst>
+                                    <p:cond delay="0"/>
+                                  </p:stCondLst>
+                                  <p:childTnLst>
+                                    <p:set>
+                                      <p:cBhvr>
+                                        <p:cTn id="6" dur="1" fill="hold">
+                                          <p:stCondLst>
+                                            <p:cond delay="0"/>
+                                          </p:stCondLst>
+                                        </p:cTn>
+                                        <p:tgtEl>
+                                          <p:spTgt spid="5">
+                                            <p:txEl>
+                                              <p:pRg st="0" end="0"/>
+                                            </p:txEl>
+                                          </p:spTgt>
+                                        </p:tgtEl>
+                                        <p:attrNameLst>
+                                          <p:attrName>style.visibility</p:attrName>
+                                        </p:attrNameLst>
+                                      </p:cBhvr>
+                                      <p:to>
+                                        <p:strVal val="visible"/>
+                                      </p:to>
+                                    </p:set>
+                                  </p:childTnLst>
+                                </p:cTn>
+                              </p:par>
+                            </p:childTnLst>
+                          </p:cTn>
+                        </p:par>
+                      </p:childTnLst>
+                    </p:cTn>
+                  </p:par>
+                  <p:par>
+                    <p:cTn id="7" fill="hold">
+                      <p:stCondLst>
+                        <p:cond delay="indefinite"/>
+                      </p:stCondLst>
+                      <p:childTnLst>
+                        <p:par>
+                          <p:cTn id="8" fill="hold">
+                            <p:stCondLst>
+                              <p:cond delay="0"/>
+                            </p:stCondLst>
+                            <p:childTnLst>
+                              <p:par>
+                                <p:cTn id="9" presetID="1" presetClass="entr" presetSubtype="0" fill="hold" nodeType="clickEffect">
+                                  <p:stCondLst>
+                                    <p:cond delay="0"/>
+                                  </p:stCondLst>
+                                  <p:childTnLst>
+                                    <p:set>
+                                      <p:cBhvr>
+                                        <p:cTn id="10" dur="1" fill="hold">
+                                          <p:stCondLst>
+                                            <p:cond delay="0"/>
+                                          </p:stCondLst>
+                                        </p:cTn>
+                                        <p:tgtEl>
+                                          <p:spTgt spid="5">
+                                            <p:txEl>
+                                              <p:pRg st="1" end="1"/>
+                                            </p:txEl>
+                                          </p:spTgt>
+                                        </p:tgtEl>
+                                        <p:attrNameLst>
+                                          <p:attrName>style.visibility</p:attrName>
+                                        </p:attrNameLst>
+                                      </p:cBhvr>
+                                      <p:to>
+                                        <p:strVal val="visible"/>
+                                      </p:to>
+                                    </p:set>
+                                  </p:childTnLst>
+                                </p:cTn>
+                              </p:par>
+                            </p:childTnLst>
+                          </p:cTn>
+                        </p:par>
+                      </p:childTnLst>
+                    </p:cTn>
+                  </p:par>
+                  <p:par>
+                    <p:cTn id="11" fill="hold">
+                      <p:stCondLst>
+                        <p:cond delay="indefinite"/>
+                      </p:stCondLst>
+                      <p:childTnLst>
+                        <p:par>
+                          <p:cTn id="12" fill="hold">
+                            <p:stCondLst>
+                              <p:cond delay="0"/>
+                            </p:stCondLst>
+                            <p:childTnLst>
+                              <p:par>
+                                <p:cTn id="13" presetID="1" presetClass="entr" presetSubtype="0" fill="hold" nodeType="clickEffect">
+                                  <p:stCondLst>
+                                    <p:cond delay="0"/>
+                                  </p:stCondLst>
+                                  <p:childTnLst>
+                                    <p:set>
+                                      <p:cBhvr>
+                                        <p:cTn id="14" dur="1" fill="hold">
+                                          <p:stCondLst>
+                                            <p:cond delay="0"/>
+                                          </p:stCondLst>
+                                        </p:cTn>
+                                        <p:tgtEl>
+                                          <p:spTgt spid="5">
+                                            <p:txEl>
+                                              <p:pRg st="0" end="0"/>
+                                            </p:txEl>
+                                          </p:spTgt>
+                                        </p:tgtEl>
+                                        <p:attrNameLst>
+                                          <p:attrName>style.visibility</p:attrName>
+                                        </p:attrNameLst>
+                                      </p:cBhvr>
+                                      <p:to>
+                                        <p:strVal val="visible"/>
+                                      </p:to>
+                                    </p:set>
+                                  </p:childTnLst>
+                                </p:cTn>
+                              </p:par>
+                            </p:childTnLst>
+                          </p:cTn>
+                        </p:par>
+                      </p:childTnLst>
+                    </p:cTn>
+                  </p:par>
+                  <p:par>
+                    <p:cTn id="15" fill="hold">
+                      <p:stCondLst>
+                        <p:cond delay="indefinite"/>
+                      </p:stCondLst>
+                      <p:childTnLst>
+                        <p:par>
+                          <p:cTn id="16" fill="hold">
+                            <p:stCondLst>
+                              <p:cond delay="0"/>
+                            </p:stCondLst>
+                            <p:childTnLst>
+                              <p:par>
+                                <p:cTn id="17" presetID="1" presetClass="entr" presetSubtype="0" fill="hold" nodeType="clickEffect">
+                                  <p:stCondLst>
+                                    <p:cond delay="0"/>
+                                  </p:stCondLst>
+                                  <p:childTnLst>
+                                    <p:set>
+                                      <p:cBhvr>
+                                        <p:cTn id="18" dur="1" fill="hold">
+                                          <p:stCondLst>
+                                            <p:cond delay="0"/>
+                                          </p:stCondLst>
+                                        </p:cTn>
+                                        <p:tgtEl>
+                                          <p:spTgt spid="5">
+                                            <p:txEl>
+                                              <p:pRg st="1" end="1"/>
+                                            </p:txEl>
+                                          </p:spTgt>
+                                        </p:tgtEl>
+                                        <p:attrNameLst>
+                                          <p:attrName>style.visibility</p:attrName>
+                                        </p:attrNameLst>
+                                      </p:cBhvr>
+                                      <p:to>
+                                        <p:strVal val="visible"/>
+                                      </p:to>
+                                    </p:set>
+                                  </p:childTnLst>
+                                </p:cTn>
+                              </p:par>
+                            </p:childTnLst>
+                          </p:cTn>
+                        </p:par>
+                      </p:childTnLst>
+                    </p:cTn>
+                  </p:par>
+                </p:childTnLst>
+              </p:cTn>
+              <p:prevCondLst>
+                <p:cond evt="onPrev" delay="0">
+                  <p:tgtEl>
+                    <p:sldTgt/>
+                  </p:tgtEl>
+                </p:cond>
+              </p:prevCondLst>
+              <p:nextCondLst>
+                <p:cond evt="onNext" delay="0">
+                  <p:tgtEl>
+                    <p:sldTgt/>
+                  </p:tgtEl>
+                </p:cond>
+              </p:nextCondLst>
+            </p:seq>
+          </p:childTnLst>
+        </p:cTn>
+      </p:par>
+    </p:tnLst>
+  </p:timing>
 </p:sld>
 </file>
 
@@ -13332,8 +12689,8 @@
         </p:blipFill>
         <p:spPr>
           <a:xfrm>
-            <a:off x="8116373" y="1116345"/>
-            <a:ext cx="2799103" cy="3866172"/>
+            <a:off x="7203989" y="-31531"/>
+            <a:ext cx="4988011" cy="6889531"/>
           </a:xfrm>
           <a:prstGeom prst="rect">
             <a:avLst/>
@@ -13533,468 +12890,6 @@
 <file path=ppt/slides/slide20.xml><?xml version="1.0" encoding="utf-8"?>
 <p:sld xmlns:a="http://schemas.openxmlformats.org/drawingml/2006/main" xmlns:r="http://schemas.openxmlformats.org/officeDocument/2006/relationships" xmlns:p="http://schemas.openxmlformats.org/presentationml/2006/main">
   <p:cSld>
-    <p:spTree>
-      <p:nvGrpSpPr>
-        <p:cNvPr id="1" name="">
-          <a:extLst>
-            <a:ext uri="{FF2B5EF4-FFF2-40B4-BE49-F238E27FC236}">
-              <a16:creationId xmlns:a16="http://schemas.microsoft.com/office/drawing/2014/main" id="{78780B27-54A5-CB2C-5F0F-E612998892D2}"/>
-            </a:ext>
-          </a:extLst>
-        </p:cNvPr>
-        <p:cNvGrpSpPr/>
-        <p:nvPr/>
-      </p:nvGrpSpPr>
-      <p:grpSpPr>
-        <a:xfrm>
-          <a:off x="0" y="0"/>
-          <a:ext cx="0" cy="0"/>
-          <a:chOff x="0" y="0"/>
-          <a:chExt cx="0" cy="0"/>
-        </a:xfrm>
-      </p:grpSpPr>
-      <p:sp>
-        <p:nvSpPr>
-          <p:cNvPr id="4" name="CaixaDeTexto 3">
-            <a:extLst>
-              <a:ext uri="{FF2B5EF4-FFF2-40B4-BE49-F238E27FC236}">
-                <a16:creationId xmlns:a16="http://schemas.microsoft.com/office/drawing/2014/main" id="{1B51EAEE-6988-A242-73A0-230EA672C2B6}"/>
-              </a:ext>
-            </a:extLst>
-          </p:cNvPr>
-          <p:cNvSpPr txBox="1"/>
-          <p:nvPr/>
-        </p:nvSpPr>
-        <p:spPr>
-          <a:xfrm>
-            <a:off x="5348858" y="2288120"/>
-            <a:ext cx="6097836" cy="584775"/>
-          </a:xfrm>
-          <a:prstGeom prst="rect">
-            <a:avLst/>
-          </a:prstGeom>
-          <a:noFill/>
-        </p:spPr>
-        <p:txBody>
-          <a:bodyPr wrap="square">
-            <a:spAutoFit/>
-          </a:bodyPr>
-          <a:lstStyle/>
-          <a:p>
-            <a:r>
-              <a:rPr lang="pt-BR" sz="3200" dirty="0"/>
-              <a:t>LINK</a:t>
-            </a:r>
-          </a:p>
-        </p:txBody>
-      </p:sp>
-      <p:sp>
-        <p:nvSpPr>
-          <p:cNvPr id="3" name="CaixaDeTexto 2">
-            <a:extLst>
-              <a:ext uri="{FF2B5EF4-FFF2-40B4-BE49-F238E27FC236}">
-                <a16:creationId xmlns:a16="http://schemas.microsoft.com/office/drawing/2014/main" id="{FDA6CA17-10A4-A076-0CDE-35FC3FFAA4E0}"/>
-              </a:ext>
-            </a:extLst>
-          </p:cNvPr>
-          <p:cNvSpPr txBox="1"/>
-          <p:nvPr/>
-        </p:nvSpPr>
-        <p:spPr>
-          <a:xfrm>
-            <a:off x="5139073" y="3165312"/>
-            <a:ext cx="6101254" cy="369332"/>
-          </a:xfrm>
-          <a:prstGeom prst="rect">
-            <a:avLst/>
-          </a:prstGeom>
-          <a:noFill/>
-        </p:spPr>
-        <p:txBody>
-          <a:bodyPr wrap="square">
-            <a:spAutoFit/>
-          </a:bodyPr>
-          <a:lstStyle/>
-          <a:p>
-            <a:r>
-              <a:rPr lang="pt-BR" dirty="0"/>
-              <a:t>https://n8n.io/</a:t>
-            </a:r>
-          </a:p>
-        </p:txBody>
-      </p:sp>
-    </p:spTree>
-    <p:extLst>
-      <p:ext uri="{BB962C8B-B14F-4D97-AF65-F5344CB8AC3E}">
-        <p14:creationId xmlns:p14="http://schemas.microsoft.com/office/powerpoint/2010/main" val="1987315248"/>
-      </p:ext>
-    </p:extLst>
-  </p:cSld>
-  <p:clrMapOvr>
-    <a:masterClrMapping/>
-  </p:clrMapOvr>
-</p:sld>
-</file>
-
-<file path=ppt/slides/slide21.xml><?xml version="1.0" encoding="utf-8"?>
-<p:sld xmlns:a="http://schemas.openxmlformats.org/drawingml/2006/main" xmlns:r="http://schemas.openxmlformats.org/officeDocument/2006/relationships" xmlns:p="http://schemas.openxmlformats.org/presentationml/2006/main">
-  <p:cSld>
-    <p:bg>
-      <p:bgPr>
-        <a:blipFill rotWithShape="1">
-          <a:blip r:embed="rId2">
-            <a:duotone>
-              <a:schemeClr val="bg2">
-                <a:shade val="28000"/>
-                <a:satMod val="94000"/>
-                <a:lumMod val="20000"/>
-              </a:schemeClr>
-              <a:schemeClr val="bg2">
-                <a:tint val="94000"/>
-                <a:shade val="84000"/>
-                <a:satMod val="148000"/>
-                <a:lumMod val="114000"/>
-              </a:schemeClr>
-            </a:duotone>
-          </a:blip>
-          <a:stretch/>
-        </a:blipFill>
-        <a:effectLst/>
-      </p:bgPr>
-    </p:bg>
-    <p:spTree>
-      <p:nvGrpSpPr>
-        <p:cNvPr id="1" name="">
-          <a:extLst>
-            <a:ext uri="{FF2B5EF4-FFF2-40B4-BE49-F238E27FC236}">
-              <a16:creationId xmlns:a16="http://schemas.microsoft.com/office/drawing/2014/main" id="{55DE66D1-BDC4-20E9-4F89-52CBD930FE01}"/>
-            </a:ext>
-          </a:extLst>
-        </p:cNvPr>
-        <p:cNvGrpSpPr/>
-        <p:nvPr/>
-      </p:nvGrpSpPr>
-      <p:grpSpPr>
-        <a:xfrm>
-          <a:off x="0" y="0"/>
-          <a:ext cx="0" cy="0"/>
-          <a:chOff x="0" y="0"/>
-          <a:chExt cx="0" cy="0"/>
-        </a:xfrm>
-      </p:grpSpPr>
-      <p:sp>
-        <p:nvSpPr>
-          <p:cNvPr id="2" name="CaixaDeTexto 1">
-            <a:extLst>
-              <a:ext uri="{FF2B5EF4-FFF2-40B4-BE49-F238E27FC236}">
-                <a16:creationId xmlns:a16="http://schemas.microsoft.com/office/drawing/2014/main" id="{9FB61594-3D88-733B-D5DC-F08B41BA1ECC}"/>
-              </a:ext>
-            </a:extLst>
-          </p:cNvPr>
-          <p:cNvSpPr txBox="1"/>
-          <p:nvPr/>
-        </p:nvSpPr>
-        <p:spPr>
-          <a:xfrm>
-            <a:off x="1195251" y="847726"/>
-            <a:ext cx="7252845" cy="4029412"/>
-          </a:xfrm>
-          <a:prstGeom prst="rect">
-            <a:avLst/>
-          </a:prstGeom>
-        </p:spPr>
-        <p:txBody>
-          <a:bodyPr vert="horz" lIns="91440" tIns="45720" rIns="91440" bIns="45720" rtlCol="0" anchor="b">
-            <a:normAutofit/>
-          </a:bodyPr>
-          <a:lstStyle/>
-          <a:p>
-            <a:pPr algn="r">
-              <a:spcBef>
-                <a:spcPct val="0"/>
-              </a:spcBef>
-              <a:spcAft>
-                <a:spcPts val="600"/>
-              </a:spcAft>
-            </a:pPr>
-            <a:r>
-              <a:rPr lang="en-US" sz="6600" cap="all">
-                <a:ln w="3175" cmpd="sng">
-                  <a:noFill/>
-                </a:ln>
-                <a:gradFill flip="none" rotWithShape="1">
-                  <a:gsLst>
-                    <a:gs pos="0">
-                      <a:schemeClr val="tx1"/>
-                    </a:gs>
-                    <a:gs pos="100000">
-                      <a:schemeClr val="tx1">
-                        <a:lumMod val="65000"/>
-                      </a:schemeClr>
-                    </a:gs>
-                  </a:gsLst>
-                  <a:lin ang="5580000" scaled="0"/>
-                  <a:tileRect/>
-                </a:gradFill>
-                <a:effectLst>
-                  <a:glow rad="38100">
-                    <a:schemeClr val="bg1">
-                      <a:lumMod val="65000"/>
-                      <a:lumOff val="35000"/>
-                      <a:alpha val="50000"/>
-                    </a:schemeClr>
-                  </a:glow>
-                  <a:outerShdw blurRad="28575" dist="31750" dir="13200000" algn="tl" rotWithShape="0">
-                    <a:srgbClr val="000000">
-                      <a:alpha val="25000"/>
-                    </a:srgbClr>
-                  </a:outerShdw>
-                </a:effectLst>
-                <a:latin typeface="+mj-lt"/>
-                <a:ea typeface="+mj-ea"/>
-                <a:cs typeface="+mj-cs"/>
-              </a:rPr>
-              <a:t>CrewAI</a:t>
-            </a:r>
-          </a:p>
-        </p:txBody>
-      </p:sp>
-      <p:sp>
-        <p:nvSpPr>
-          <p:cNvPr id="7" name="Rectangle 6">
-            <a:extLst>
-              <a:ext uri="{FF2B5EF4-FFF2-40B4-BE49-F238E27FC236}">
-                <a16:creationId xmlns:a16="http://schemas.microsoft.com/office/drawing/2014/main" id="{DBAB564B-ADD8-4689-B47D-479E0B6B4280}"/>
-              </a:ext>
-              <a:ext uri="{C183D7F6-B498-43B3-948B-1728B52AA6E4}">
-                <adec:decorative xmlns:adec="http://schemas.microsoft.com/office/drawing/2017/decorative" val="1"/>
-              </a:ext>
-            </a:extLst>
-          </p:cNvPr>
-          <p:cNvSpPr>
-            <a:spLocks noGrp="1" noRot="1" noChangeAspect="1" noMove="1" noResize="1" noEditPoints="1" noAdjustHandles="1" noChangeArrowheads="1" noChangeShapeType="1" noTextEdit="1"/>
-          </p:cNvSpPr>
-          <p:nvPr>
-            <p:extLst>
-              <p:ext uri="{386F3935-93C4-4BCD-93E2-E3B085C9AB24}">
-                <p16:designElem xmlns:p16="http://schemas.microsoft.com/office/powerpoint/2015/main" val="1"/>
-              </p:ext>
-            </p:extLst>
-          </p:nvPr>
-        </p:nvSpPr>
-        <p:spPr>
-          <a:xfrm>
-            <a:off x="9066900" y="1"/>
-            <a:ext cx="3125099" cy="6858000"/>
-          </a:xfrm>
-          <a:prstGeom prst="rect">
-            <a:avLst/>
-          </a:prstGeom>
-          <a:solidFill>
-            <a:srgbClr val="363D46"/>
-          </a:solidFill>
-          <a:ln>
-            <a:noFill/>
-          </a:ln>
-        </p:spPr>
-        <p:style>
-          <a:lnRef idx="2">
-            <a:schemeClr val="accent1">
-              <a:shade val="50000"/>
-            </a:schemeClr>
-          </a:lnRef>
-          <a:fillRef idx="1">
-            <a:schemeClr val="accent1"/>
-          </a:fillRef>
-          <a:effectRef idx="0">
-            <a:schemeClr val="accent1"/>
-          </a:effectRef>
-          <a:fontRef idx="minor">
-            <a:schemeClr val="lt1"/>
-          </a:fontRef>
-        </p:style>
-        <p:txBody>
-          <a:bodyPr rtlCol="0" anchor="ctr"/>
-          <a:lstStyle/>
-          <a:p>
-            <a:pPr algn="ctr"/>
-            <a:endParaRPr lang="en-US"/>
-          </a:p>
-        </p:txBody>
-      </p:sp>
-      <p:sp>
-        <p:nvSpPr>
-          <p:cNvPr id="9" name="Rectangle 8">
-            <a:extLst>
-              <a:ext uri="{FF2B5EF4-FFF2-40B4-BE49-F238E27FC236}">
-                <a16:creationId xmlns:a16="http://schemas.microsoft.com/office/drawing/2014/main" id="{A634D109-15AA-4283-A14C-F630CD88D06E}"/>
-              </a:ext>
-              <a:ext uri="{C183D7F6-B498-43B3-948B-1728B52AA6E4}">
-                <adec:decorative xmlns:adec="http://schemas.microsoft.com/office/drawing/2017/decorative" val="1"/>
-              </a:ext>
-            </a:extLst>
-          </p:cNvPr>
-          <p:cNvSpPr>
-            <a:spLocks noGrp="1" noRot="1" noChangeAspect="1" noMove="1" noResize="1" noEditPoints="1" noAdjustHandles="1" noChangeArrowheads="1" noChangeShapeType="1" noTextEdit="1"/>
-          </p:cNvSpPr>
-          <p:nvPr>
-            <p:extLst>
-              <p:ext uri="{386F3935-93C4-4BCD-93E2-E3B085C9AB24}">
-                <p16:designElem xmlns:p16="http://schemas.microsoft.com/office/powerpoint/2015/main" val="1"/>
-              </p:ext>
-            </p:extLst>
-          </p:nvPr>
-        </p:nvSpPr>
-        <p:spPr>
-          <a:xfrm rot="5400000" flipH="1">
-            <a:off x="5895765" y="3195797"/>
-            <a:ext cx="6858000" cy="466406"/>
-          </a:xfrm>
-          <a:prstGeom prst="rect">
-            <a:avLst/>
-          </a:prstGeom>
-          <a:gradFill>
-            <a:gsLst>
-              <a:gs pos="0">
-                <a:srgbClr val="363D46">
-                  <a:alpha val="0"/>
-                </a:srgbClr>
-              </a:gs>
-              <a:gs pos="100000">
-                <a:srgbClr val="363D46">
-                  <a:lumMod val="75000"/>
-                </a:srgbClr>
-              </a:gs>
-            </a:gsLst>
-            <a:lin ang="5400000" scaled="0"/>
-          </a:gradFill>
-          <a:ln>
-            <a:noFill/>
-          </a:ln>
-          <a:effectLst/>
-        </p:spPr>
-        <p:style>
-          <a:lnRef idx="2">
-            <a:schemeClr val="accent1">
-              <a:shade val="50000"/>
-            </a:schemeClr>
-          </a:lnRef>
-          <a:fillRef idx="1">
-            <a:schemeClr val="accent1"/>
-          </a:fillRef>
-          <a:effectRef idx="0">
-            <a:schemeClr val="accent1"/>
-          </a:effectRef>
-          <a:fontRef idx="minor">
-            <a:schemeClr val="lt1"/>
-          </a:fontRef>
-        </p:style>
-        <p:txBody>
-          <a:bodyPr rot="0" spcFirstLastPara="0" vertOverflow="overflow" horzOverflow="overflow" vert="horz" wrap="square" lIns="91440" tIns="45720" rIns="91440" bIns="45720" numCol="1" spcCol="0" rtlCol="0" fromWordArt="0" anchor="ctr" anchorCtr="0" forceAA="0" compatLnSpc="1">
-            <a:prstTxWarp prst="textNoShape">
-              <a:avLst/>
-            </a:prstTxWarp>
-            <a:noAutofit/>
-          </a:bodyPr>
-          <a:lstStyle/>
-          <a:p>
-            <a:pPr algn="ctr"/>
-            <a:endParaRPr lang="en-US"/>
-          </a:p>
-        </p:txBody>
-      </p:sp>
-      <p:cxnSp>
-        <p:nvCxnSpPr>
-          <p:cNvPr id="11" name="Straight Connector 10">
-            <a:extLst>
-              <a:ext uri="{FF2B5EF4-FFF2-40B4-BE49-F238E27FC236}">
-                <a16:creationId xmlns:a16="http://schemas.microsoft.com/office/drawing/2014/main" id="{AF1E8C17-E280-423E-BE27-607AA18BDBA3}"/>
-              </a:ext>
-              <a:ext uri="{C183D7F6-B498-43B3-948B-1728B52AA6E4}">
-                <adec:decorative xmlns:adec="http://schemas.microsoft.com/office/drawing/2017/decorative" val="1"/>
-              </a:ext>
-            </a:extLst>
-          </p:cNvPr>
-          <p:cNvCxnSpPr>
-            <a:cxnSpLocks noGrp="1" noRot="1" noChangeAspect="1" noMove="1" noResize="1" noEditPoints="1" noAdjustHandles="1" noChangeArrowheads="1" noChangeShapeType="1"/>
-          </p:cNvCxnSpPr>
-          <p:nvPr>
-            <p:extLst>
-              <p:ext uri="{386F3935-93C4-4BCD-93E2-E3B085C9AB24}">
-                <p16:designElem xmlns:p16="http://schemas.microsoft.com/office/powerpoint/2015/main" val="1"/>
-              </p:ext>
-            </p:extLst>
-          </p:nvPr>
-        </p:nvCxnSpPr>
-        <p:spPr>
-          <a:xfrm flipV="1">
-            <a:off x="9066901" y="1"/>
-            <a:ext cx="0" cy="6858000"/>
-          </a:xfrm>
-          <a:prstGeom prst="line">
-            <a:avLst/>
-          </a:prstGeom>
-          <a:solidFill>
-            <a:srgbClr val="FFFFFF"/>
-          </a:solidFill>
-          <a:ln w="38100" cap="flat">
-            <a:gradFill flip="none" rotWithShape="1">
-              <a:gsLst>
-                <a:gs pos="0">
-                  <a:srgbClr val="363D46"/>
-                </a:gs>
-                <a:gs pos="100000">
-                  <a:srgbClr val="363D46">
-                    <a:lumMod val="75000"/>
-                  </a:srgbClr>
-                </a:gs>
-              </a:gsLst>
-              <a:lin ang="5400000" scaled="0"/>
-              <a:tileRect/>
-            </a:gradFill>
-            <a:miter lim="800000"/>
-          </a:ln>
-          <a:effectLst>
-            <a:outerShdw blurRad="57150" dist="25400" algn="l" rotWithShape="0">
-              <a:prstClr val="black">
-                <a:alpha val="70000"/>
-              </a:prstClr>
-            </a:outerShdw>
-          </a:effectLst>
-        </p:spPr>
-        <p:style>
-          <a:lnRef idx="2">
-            <a:schemeClr val="accent1">
-              <a:shade val="50000"/>
-            </a:schemeClr>
-          </a:lnRef>
-          <a:fillRef idx="1">
-            <a:schemeClr val="accent1"/>
-          </a:fillRef>
-          <a:effectRef idx="0">
-            <a:schemeClr val="accent1"/>
-          </a:effectRef>
-          <a:fontRef idx="minor">
-            <a:schemeClr val="lt1"/>
-          </a:fontRef>
-        </p:style>
-      </p:cxnSp>
-    </p:spTree>
-    <p:extLst>
-      <p:ext uri="{BB962C8B-B14F-4D97-AF65-F5344CB8AC3E}">
-        <p14:creationId xmlns:p14="http://schemas.microsoft.com/office/powerpoint/2010/main" val="780222419"/>
-      </p:ext>
-    </p:extLst>
-  </p:cSld>
-  <p:clrMapOvr>
-    <a:masterClrMapping/>
-  </p:clrMapOvr>
-</p:sld>
-</file>
-
-<file path=ppt/slides/slide22.xml><?xml version="1.0" encoding="utf-8"?>
-<p:sld xmlns:a="http://schemas.openxmlformats.org/drawingml/2006/main" xmlns:r="http://schemas.openxmlformats.org/officeDocument/2006/relationships" xmlns:p="http://schemas.openxmlformats.org/presentationml/2006/main">
-  <p:cSld>
     <p:bg>
       <p:bgPr>
         <a:solidFill>
@@ -14287,12 +13182,12 @@
         </p:nvSpPr>
         <p:spPr>
           <a:xfrm>
-            <a:off x="669851" y="1430179"/>
-            <a:ext cx="3029313" cy="3675908"/>
+            <a:off x="1141413" y="609600"/>
+            <a:ext cx="9905998" cy="1468582"/>
           </a:xfrm>
         </p:spPr>
         <p:txBody>
-          <a:bodyPr rtlCol="0" anchor="ctr">
+          <a:bodyPr rtlCol="0">
             <a:normAutofit/>
           </a:bodyPr>
           <a:lstStyle>
@@ -14303,236 +13198,9 @@
           <a:p>
             <a:pPr rtl="0"/>
             <a:r>
-              <a:rPr lang="pt-BR" sz="4000" dirty="0"/>
+              <a:rPr lang="pt-BR" dirty="0"/>
               <a:t>Agenda</a:t>
             </a:r>
-          </a:p>
-        </p:txBody>
-      </p:sp>
-      <p:sp>
-        <p:nvSpPr>
-          <p:cNvPr id="10" name="Rectangle 9">
-            <a:extLst>
-              <a:ext uri="{FF2B5EF4-FFF2-40B4-BE49-F238E27FC236}">
-                <a16:creationId xmlns:a16="http://schemas.microsoft.com/office/drawing/2014/main" id="{7E475056-B0EB-44BE-8568-61ABEFB2E99D}"/>
-              </a:ext>
-              <a:ext uri="{C183D7F6-B498-43B3-948B-1728B52AA6E4}">
-                <adec:decorative xmlns:adec="http://schemas.microsoft.com/office/drawing/2017/decorative" val="1"/>
-              </a:ext>
-            </a:extLst>
-          </p:cNvPr>
-          <p:cNvSpPr>
-            <a:spLocks noGrp="1" noRot="1" noChangeAspect="1" noMove="1" noResize="1" noEditPoints="1" noAdjustHandles="1" noChangeArrowheads="1" noChangeShapeType="1" noTextEdit="1"/>
-          </p:cNvSpPr>
-          <p:nvPr>
-            <p:extLst>
-              <p:ext uri="{386F3935-93C4-4BCD-93E2-E3B085C9AB24}">
-                <p16:designElem xmlns:p16="http://schemas.microsoft.com/office/powerpoint/2015/main" val="1"/>
-              </p:ext>
-            </p:extLst>
-          </p:nvPr>
-        </p:nvSpPr>
-        <p:spPr>
-          <a:xfrm>
-            <a:off x="4059934" y="0"/>
-            <a:ext cx="8132066" cy="6858000"/>
-          </a:xfrm>
-          <a:prstGeom prst="rect">
-            <a:avLst/>
-          </a:prstGeom>
-          <a:solidFill>
-            <a:schemeClr val="bg2"/>
-          </a:solidFill>
-          <a:ln>
-            <a:noFill/>
-          </a:ln>
-          <a:effectLst>
-            <a:innerShdw blurRad="63500" dist="50800" dir="10800000">
-              <a:prstClr val="black">
-                <a:alpha val="50000"/>
-              </a:prstClr>
-            </a:innerShdw>
-          </a:effectLst>
-        </p:spPr>
-        <p:style>
-          <a:lnRef idx="2">
-            <a:schemeClr val="accent1">
-              <a:shade val="50000"/>
-            </a:schemeClr>
-          </a:lnRef>
-          <a:fillRef idx="1">
-            <a:schemeClr val="accent1"/>
-          </a:fillRef>
-          <a:effectRef idx="0">
-            <a:schemeClr val="accent1"/>
-          </a:effectRef>
-          <a:fontRef idx="minor">
-            <a:schemeClr val="lt1"/>
-          </a:fontRef>
-        </p:style>
-        <p:txBody>
-          <a:bodyPr rtlCol="0" anchor="ctr"/>
-          <a:lstStyle/>
-          <a:p>
-            <a:pPr algn="ctr"/>
-            <a:endParaRPr lang="en-US"/>
-          </a:p>
-        </p:txBody>
-      </p:sp>
-      <p:cxnSp>
-        <p:nvCxnSpPr>
-          <p:cNvPr id="12" name="Straight Connector 11">
-            <a:extLst>
-              <a:ext uri="{FF2B5EF4-FFF2-40B4-BE49-F238E27FC236}">
-                <a16:creationId xmlns:a16="http://schemas.microsoft.com/office/drawing/2014/main" id="{F2C8E2EC-73A4-48C2-B4D7-D7726BD908EE}"/>
-              </a:ext>
-              <a:ext uri="{C183D7F6-B498-43B3-948B-1728B52AA6E4}">
-                <adec:decorative xmlns:adec="http://schemas.microsoft.com/office/drawing/2017/decorative" val="1"/>
-              </a:ext>
-            </a:extLst>
-          </p:cNvPr>
-          <p:cNvCxnSpPr>
-            <a:cxnSpLocks noGrp="1" noRot="1" noChangeAspect="1" noMove="1" noResize="1" noEditPoints="1" noAdjustHandles="1" noChangeArrowheads="1" noChangeShapeType="1"/>
-          </p:cNvCxnSpPr>
-          <p:nvPr>
-            <p:extLst>
-              <p:ext uri="{386F3935-93C4-4BCD-93E2-E3B085C9AB24}">
-                <p16:designElem xmlns:p16="http://schemas.microsoft.com/office/powerpoint/2015/main" val="1"/>
-              </p:ext>
-            </p:extLst>
-          </p:nvPr>
-        </p:nvCxnSpPr>
-        <p:spPr>
-          <a:xfrm>
-            <a:off x="4069971" y="0"/>
-            <a:ext cx="0" cy="6858000"/>
-          </a:xfrm>
-          <a:prstGeom prst="line">
-            <a:avLst/>
-          </a:prstGeom>
-          <a:solidFill>
-            <a:srgbClr val="FFFFFF"/>
-          </a:solidFill>
-          <a:ln w="38100" cap="flat">
-            <a:gradFill flip="none" rotWithShape="1">
-              <a:gsLst>
-                <a:gs pos="0">
-                  <a:srgbClr val="363D46"/>
-                </a:gs>
-                <a:gs pos="100000">
-                  <a:srgbClr val="363D46">
-                    <a:lumMod val="75000"/>
-                  </a:srgbClr>
-                </a:gs>
-              </a:gsLst>
-              <a:lin ang="5400000" scaled="0"/>
-              <a:tileRect/>
-            </a:gradFill>
-            <a:miter lim="800000"/>
-          </a:ln>
-          <a:effectLst>
-            <a:innerShdw blurRad="57150" dist="38100" dir="14460000">
-              <a:srgbClr val="000000">
-                <a:alpha val="70000"/>
-              </a:srgbClr>
-            </a:innerShdw>
-          </a:effectLst>
-        </p:spPr>
-        <p:style>
-          <a:lnRef idx="2">
-            <a:schemeClr val="accent1">
-              <a:shade val="50000"/>
-            </a:schemeClr>
-          </a:lnRef>
-          <a:fillRef idx="1">
-            <a:schemeClr val="accent1"/>
-          </a:fillRef>
-          <a:effectRef idx="0">
-            <a:schemeClr val="accent1"/>
-          </a:effectRef>
-          <a:fontRef idx="minor">
-            <a:schemeClr val="lt1"/>
-          </a:fontRef>
-        </p:style>
-      </p:cxnSp>
-      <p:sp>
-        <p:nvSpPr>
-          <p:cNvPr id="14" name="Rectangle 13">
-            <a:extLst>
-              <a:ext uri="{FF2B5EF4-FFF2-40B4-BE49-F238E27FC236}">
-                <a16:creationId xmlns:a16="http://schemas.microsoft.com/office/drawing/2014/main" id="{E82ABBDC-7A44-4AE8-A04F-B5495481B9F2}"/>
-              </a:ext>
-              <a:ext uri="{C183D7F6-B498-43B3-948B-1728B52AA6E4}">
-                <adec:decorative xmlns:adec="http://schemas.microsoft.com/office/drawing/2017/decorative" val="1"/>
-              </a:ext>
-            </a:extLst>
-          </p:cNvPr>
-          <p:cNvSpPr>
-            <a:spLocks noGrp="1" noRot="1" noChangeAspect="1" noMove="1" noResize="1" noEditPoints="1" noAdjustHandles="1" noChangeArrowheads="1" noChangeShapeType="1" noTextEdit="1"/>
-          </p:cNvSpPr>
-          <p:nvPr>
-            <p:extLst>
-              <p:ext uri="{386F3935-93C4-4BCD-93E2-E3B085C9AB24}">
-                <p16:designElem xmlns:p16="http://schemas.microsoft.com/office/powerpoint/2015/main" val="1"/>
-              </p:ext>
-            </p:extLst>
-          </p:nvPr>
-        </p:nvSpPr>
-        <p:spPr>
-          <a:xfrm rot="5400000" flipH="1">
-            <a:off x="894952" y="3195797"/>
-            <a:ext cx="6858000" cy="466406"/>
-          </a:xfrm>
-          <a:prstGeom prst="rect">
-            <a:avLst/>
-          </a:prstGeom>
-          <a:gradFill>
-            <a:gsLst>
-              <a:gs pos="0">
-                <a:srgbClr val="363D46">
-                  <a:alpha val="0"/>
-                </a:srgbClr>
-              </a:gs>
-              <a:gs pos="100000">
-                <a:srgbClr val="363D46">
-                  <a:lumMod val="75000"/>
-                </a:srgbClr>
-              </a:gs>
-            </a:gsLst>
-            <a:lin ang="5400000" scaled="0"/>
-          </a:gradFill>
-          <a:ln>
-            <a:noFill/>
-          </a:ln>
-          <a:effectLst/>
-        </p:spPr>
-        <p:style>
-          <a:lnRef idx="2">
-            <a:schemeClr val="accent1">
-              <a:shade val="50000"/>
-            </a:schemeClr>
-          </a:lnRef>
-          <a:fillRef idx="1">
-            <a:schemeClr val="accent1"/>
-          </a:fillRef>
-          <a:effectRef idx="0">
-            <a:schemeClr val="accent1"/>
-          </a:effectRef>
-          <a:fontRef idx="minor">
-            <a:schemeClr val="lt1"/>
-          </a:fontRef>
-        </p:style>
-        <p:txBody>
-          <a:bodyPr rot="0" spcFirstLastPara="0" vertOverflow="overflow" horzOverflow="overflow" vert="horz" wrap="square" lIns="91440" tIns="45720" rIns="91440" bIns="45720" numCol="1" spcCol="0" rtlCol="0" fromWordArt="0" anchor="ctr" anchorCtr="0" forceAA="0" compatLnSpc="1">
-            <a:prstTxWarp prst="textNoShape">
-              <a:avLst/>
-            </a:prstTxWarp>
-            <a:noAutofit/>
-          </a:bodyPr>
-          <a:lstStyle/>
-          <a:p>
-            <a:pPr algn="ctr"/>
-            <a:endParaRPr lang="en-US"/>
           </a:p>
         </p:txBody>
       </p:sp>
@@ -14552,14 +13220,14 @@
             <p:ph idx="1"/>
             <p:extLst>
               <p:ext uri="{D42A27DB-BD31-4B8C-83A1-F6EECF244321}">
-                <p14:modId xmlns:p14="http://schemas.microsoft.com/office/powerpoint/2010/main" val="3645799531"/>
+                <p14:modId xmlns:p14="http://schemas.microsoft.com/office/powerpoint/2010/main" val="454471883"/>
               </p:ext>
             </p:extLst>
           </p:nvPr>
         </p:nvGraphicFramePr>
         <p:xfrm>
-          <a:off x="5054375" y="965200"/>
-          <a:ext cx="6046133" cy="4605866"/>
+          <a:off x="1141413" y="2286000"/>
+          <a:ext cx="9906000" cy="3387436"/>
         </p:xfrm>
         <a:graphic>
           <a:graphicData uri="http://schemas.openxmlformats.org/drawingml/2006/diagram">
@@ -15805,10 +14473,10 @@
       </p:grpSpPr>
       <p:pic>
         <p:nvPicPr>
-          <p:cNvPr id="2" name="Imagem 1">
+          <p:cNvPr id="4" name="Imagem 3">
             <a:extLst>
               <a:ext uri="{FF2B5EF4-FFF2-40B4-BE49-F238E27FC236}">
-                <a16:creationId xmlns:a16="http://schemas.microsoft.com/office/drawing/2014/main" id="{2682107B-EE8C-C499-FC56-9C7B42EA914A}"/>
+                <a16:creationId xmlns:a16="http://schemas.microsoft.com/office/drawing/2014/main" id="{A62B4054-7EB6-398C-E2AB-A902A3A037FD}"/>
               </a:ext>
             </a:extLst>
           </p:cNvPr>
@@ -15825,8 +14493,8 @@
         </p:blipFill>
         <p:spPr>
           <a:xfrm>
-            <a:off x="1126792" y="983175"/>
-            <a:ext cx="9756670" cy="5760474"/>
+            <a:off x="4194331" y="645460"/>
+            <a:ext cx="7997669" cy="5414570"/>
           </a:xfrm>
           <a:prstGeom prst="rect">
             <a:avLst/>
@@ -15835,10 +14503,10 @@
       </p:pic>
       <p:sp>
         <p:nvSpPr>
-          <p:cNvPr id="3" name="CaixaDeTexto 2">
+          <p:cNvPr id="2" name="CaixaDeTexto 1">
             <a:extLst>
               <a:ext uri="{FF2B5EF4-FFF2-40B4-BE49-F238E27FC236}">
-                <a16:creationId xmlns:a16="http://schemas.microsoft.com/office/drawing/2014/main" id="{5A635DBB-BB7F-0455-7AFD-D0357233A616}"/>
+                <a16:creationId xmlns:a16="http://schemas.microsoft.com/office/drawing/2014/main" id="{39709C59-0FCF-1FE4-873E-6E98E4896CC8}"/>
               </a:ext>
             </a:extLst>
           </p:cNvPr>
@@ -15847,7 +14515,7 @@
         </p:nvSpPr>
         <p:spPr>
           <a:xfrm>
-            <a:off x="4510172" y="288041"/>
+            <a:off x="1145413" y="2844225"/>
             <a:ext cx="6097836" cy="584775"/>
           </a:xfrm>
           <a:prstGeom prst="rect">
@@ -15863,7 +14531,7 @@
           <a:p>
             <a:r>
               <a:rPr lang="pt-BR" sz="3200" dirty="0"/>
-              <a:t>Requisitos</a:t>
+              <a:t>Exemplo</a:t>
             </a:r>
           </a:p>
         </p:txBody>
@@ -16661,7 +15329,7 @@
         </p:nvSpPr>
         <p:spPr>
           <a:xfrm>
-            <a:off x="1341303" y="1328565"/>
+            <a:off x="1843327" y="2844225"/>
             <a:ext cx="6097836" cy="584775"/>
           </a:xfrm>
           <a:prstGeom prst="rect">
@@ -16682,6 +15350,36 @@
           </a:p>
         </p:txBody>
       </p:sp>
+      <p:pic>
+        <p:nvPicPr>
+          <p:cNvPr id="2" name="Imagem 1">
+            <a:extLst>
+              <a:ext uri="{FF2B5EF4-FFF2-40B4-BE49-F238E27FC236}">
+                <a16:creationId xmlns:a16="http://schemas.microsoft.com/office/drawing/2014/main" id="{2DA20400-500A-90EA-15DF-E28DD446488C}"/>
+              </a:ext>
+            </a:extLst>
+          </p:cNvPr>
+          <p:cNvPicPr>
+            <a:picLocks noChangeAspect="1"/>
+          </p:cNvPicPr>
+          <p:nvPr/>
+        </p:nvPicPr>
+        <p:blipFill>
+          <a:blip r:embed="rId2"/>
+          <a:stretch>
+            <a:fillRect/>
+          </a:stretch>
+        </p:blipFill>
+        <p:spPr>
+          <a:xfrm>
+            <a:off x="6204257" y="0"/>
+            <a:ext cx="5987743" cy="6858000"/>
+          </a:xfrm>
+          <a:prstGeom prst="rect">
+            <a:avLst/>
+          </a:prstGeom>
+        </p:spPr>
+      </p:pic>
     </p:spTree>
     <p:extLst>
       <p:ext uri="{BB962C8B-B14F-4D97-AF65-F5344CB8AC3E}">
